--- a/Additional_Figures/Flowchart.pptx
+++ b/Additional_Figures/Flowchart.pptx
@@ -6,7 +6,6 @@
   </p:sldMasterIdLst>
   <p:sldIdLst>
     <p:sldId id="257" r:id="rId2"/>
-    <p:sldId id="256" r:id="rId3"/>
   </p:sldIdLst>
   <p:sldSz cx="12192000" cy="6858000"/>
   <p:notesSz cx="6858000" cy="9144000"/>
@@ -268,7 +267,7 @@
           <a:p>
             <a:fld id="{B13B98EE-51BC-5041-ADF2-3D294FAB070A}" type="datetimeFigureOut">
               <a:rPr lang="en-US" smtClean="0"/>
-              <a:t>7/17/24</a:t>
+              <a:t>7/18/24</a:t>
             </a:fld>
             <a:endParaRPr lang="en-US"/>
           </a:p>
@@ -466,7 +465,7 @@
           <a:p>
             <a:fld id="{B13B98EE-51BC-5041-ADF2-3D294FAB070A}" type="datetimeFigureOut">
               <a:rPr lang="en-US" smtClean="0"/>
-              <a:t>7/17/24</a:t>
+              <a:t>7/18/24</a:t>
             </a:fld>
             <a:endParaRPr lang="en-US"/>
           </a:p>
@@ -674,7 +673,7 @@
           <a:p>
             <a:fld id="{B13B98EE-51BC-5041-ADF2-3D294FAB070A}" type="datetimeFigureOut">
               <a:rPr lang="en-US" smtClean="0"/>
-              <a:t>7/17/24</a:t>
+              <a:t>7/18/24</a:t>
             </a:fld>
             <a:endParaRPr lang="en-US"/>
           </a:p>
@@ -872,7 +871,7 @@
           <a:p>
             <a:fld id="{B13B98EE-51BC-5041-ADF2-3D294FAB070A}" type="datetimeFigureOut">
               <a:rPr lang="en-US" smtClean="0"/>
-              <a:t>7/17/24</a:t>
+              <a:t>7/18/24</a:t>
             </a:fld>
             <a:endParaRPr lang="en-US"/>
           </a:p>
@@ -1147,7 +1146,7 @@
           <a:p>
             <a:fld id="{B13B98EE-51BC-5041-ADF2-3D294FAB070A}" type="datetimeFigureOut">
               <a:rPr lang="en-US" smtClean="0"/>
-              <a:t>7/17/24</a:t>
+              <a:t>7/18/24</a:t>
             </a:fld>
             <a:endParaRPr lang="en-US"/>
           </a:p>
@@ -1412,7 +1411,7 @@
           <a:p>
             <a:fld id="{B13B98EE-51BC-5041-ADF2-3D294FAB070A}" type="datetimeFigureOut">
               <a:rPr lang="en-US" smtClean="0"/>
-              <a:t>7/17/24</a:t>
+              <a:t>7/18/24</a:t>
             </a:fld>
             <a:endParaRPr lang="en-US"/>
           </a:p>
@@ -1824,7 +1823,7 @@
           <a:p>
             <a:fld id="{B13B98EE-51BC-5041-ADF2-3D294FAB070A}" type="datetimeFigureOut">
               <a:rPr lang="en-US" smtClean="0"/>
-              <a:t>7/17/24</a:t>
+              <a:t>7/18/24</a:t>
             </a:fld>
             <a:endParaRPr lang="en-US"/>
           </a:p>
@@ -1965,7 +1964,7 @@
           <a:p>
             <a:fld id="{B13B98EE-51BC-5041-ADF2-3D294FAB070A}" type="datetimeFigureOut">
               <a:rPr lang="en-US" smtClean="0"/>
-              <a:t>7/17/24</a:t>
+              <a:t>7/18/24</a:t>
             </a:fld>
             <a:endParaRPr lang="en-US"/>
           </a:p>
@@ -2078,7 +2077,7 @@
           <a:p>
             <a:fld id="{B13B98EE-51BC-5041-ADF2-3D294FAB070A}" type="datetimeFigureOut">
               <a:rPr lang="en-US" smtClean="0"/>
-              <a:t>7/17/24</a:t>
+              <a:t>7/18/24</a:t>
             </a:fld>
             <a:endParaRPr lang="en-US"/>
           </a:p>
@@ -2389,7 +2388,7 @@
           <a:p>
             <a:fld id="{B13B98EE-51BC-5041-ADF2-3D294FAB070A}" type="datetimeFigureOut">
               <a:rPr lang="en-US" smtClean="0"/>
-              <a:t>7/17/24</a:t>
+              <a:t>7/18/24</a:t>
             </a:fld>
             <a:endParaRPr lang="en-US"/>
           </a:p>
@@ -2677,7 +2676,7 @@
           <a:p>
             <a:fld id="{B13B98EE-51BC-5041-ADF2-3D294FAB070A}" type="datetimeFigureOut">
               <a:rPr lang="en-US" smtClean="0"/>
-              <a:t>7/17/24</a:t>
+              <a:t>7/18/24</a:t>
             </a:fld>
             <a:endParaRPr lang="en-US"/>
           </a:p>
@@ -2918,7 +2917,7 @@
           <a:p>
             <a:fld id="{B13B98EE-51BC-5041-ADF2-3D294FAB070A}" type="datetimeFigureOut">
               <a:rPr lang="en-US" smtClean="0"/>
-              <a:t>7/17/24</a:t>
+              <a:t>7/18/24</a:t>
             </a:fld>
             <a:endParaRPr lang="en-US"/>
           </a:p>
@@ -8958,6672 +8957,6 @@
 </p:sld>
 </file>
 
-<file path=ppt/slides/slide2.xml><?xml version="1.0" encoding="utf-8"?>
-<p:sld xmlns:a="http://schemas.openxmlformats.org/drawingml/2006/main" xmlns:r="http://schemas.openxmlformats.org/officeDocument/2006/relationships" xmlns:p="http://schemas.openxmlformats.org/presentationml/2006/main">
-  <p:cSld>
-    <p:bg>
-      <p:bgPr>
-        <a:solidFill>
-          <a:schemeClr val="bg1"/>
-        </a:solidFill>
-        <a:effectLst/>
-      </p:bgPr>
-    </p:bg>
-    <p:spTree>
-      <p:nvGrpSpPr>
-        <p:cNvPr id="1" name=""/>
-        <p:cNvGrpSpPr/>
-        <p:nvPr/>
-      </p:nvGrpSpPr>
-      <p:grpSpPr>
-        <a:xfrm>
-          <a:off x="0" y="0"/>
-          <a:ext cx="0" cy="0"/>
-          <a:chOff x="0" y="0"/>
-          <a:chExt cx="0" cy="0"/>
-        </a:xfrm>
-      </p:grpSpPr>
-      <p:grpSp>
-        <p:nvGrpSpPr>
-          <p:cNvPr id="72" name="Group 71">
-            <a:extLst>
-              <a:ext uri="{FF2B5EF4-FFF2-40B4-BE49-F238E27FC236}">
-                <a16:creationId xmlns:a16="http://schemas.microsoft.com/office/drawing/2014/main" id="{A9EEB39F-3AAE-BA81-58BC-C1BA22A6A1A2}"/>
-              </a:ext>
-            </a:extLst>
-          </p:cNvPr>
-          <p:cNvGrpSpPr/>
-          <p:nvPr/>
-        </p:nvGrpSpPr>
-        <p:grpSpPr>
-          <a:xfrm>
-            <a:off x="2644346" y="721566"/>
-            <a:ext cx="7282942" cy="5414867"/>
-            <a:chOff x="2582562" y="371544"/>
-            <a:chExt cx="7282942" cy="5414867"/>
-          </a:xfrm>
-        </p:grpSpPr>
-        <p:sp>
-          <p:nvSpPr>
-            <p:cNvPr id="10" name="Freeform 9">
-              <a:extLst>
-                <a:ext uri="{FF2B5EF4-FFF2-40B4-BE49-F238E27FC236}">
-                  <a16:creationId xmlns:a16="http://schemas.microsoft.com/office/drawing/2014/main" id="{BCFC3211-2FD8-7EB7-983B-5AAEAF4CC119}"/>
-                </a:ext>
-              </a:extLst>
-            </p:cNvPr>
-            <p:cNvSpPr/>
-            <p:nvPr/>
-          </p:nvSpPr>
-          <p:spPr>
-            <a:xfrm>
-              <a:off x="9203536" y="4746352"/>
-              <a:ext cx="91440" cy="293278"/>
-            </a:xfrm>
-            <a:custGeom>
-              <a:avLst/>
-              <a:gdLst/>
-              <a:ahLst/>
-              <a:cxnLst/>
-              <a:rect l="0" t="0" r="0" b="0"/>
-              <a:pathLst>
-                <a:path>
-                  <a:moveTo>
-                    <a:pt x="45720" y="0"/>
-                  </a:moveTo>
-                  <a:lnTo>
-                    <a:pt x="45720" y="293278"/>
-                  </a:lnTo>
-                </a:path>
-              </a:pathLst>
-            </a:custGeom>
-            <a:noFill/>
-          </p:spPr>
-          <p:style>
-            <a:lnRef idx="2">
-              <a:schemeClr val="accent1">
-                <a:shade val="80000"/>
-                <a:hueOff val="0"/>
-                <a:satOff val="0"/>
-                <a:lumOff val="0"/>
-                <a:alphaOff val="0"/>
-              </a:schemeClr>
-            </a:lnRef>
-            <a:fillRef idx="0">
-              <a:scrgbClr r="0" g="0" b="0"/>
-            </a:fillRef>
-            <a:effectRef idx="0">
-              <a:schemeClr val="accent1">
-                <a:hueOff val="0"/>
-                <a:satOff val="0"/>
-                <a:lumOff val="0"/>
-                <a:alphaOff val="0"/>
-              </a:schemeClr>
-            </a:effectRef>
-            <a:fontRef idx="minor">
-              <a:schemeClr val="tx1">
-                <a:hueOff val="0"/>
-                <a:satOff val="0"/>
-                <a:lumOff val="0"/>
-                <a:alphaOff val="0"/>
-              </a:schemeClr>
-            </a:fontRef>
-          </p:style>
-          <p:txBody>
-            <a:bodyPr/>
-            <a:lstStyle/>
-            <a:p>
-              <a:endParaRPr lang="en-US"/>
-            </a:p>
-          </p:txBody>
-        </p:sp>
-        <p:sp>
-          <p:nvSpPr>
-            <p:cNvPr id="11" name="Freeform 10">
-              <a:extLst>
-                <a:ext uri="{FF2B5EF4-FFF2-40B4-BE49-F238E27FC236}">
-                  <a16:creationId xmlns:a16="http://schemas.microsoft.com/office/drawing/2014/main" id="{262372D8-D5EE-5FF7-15CB-F5D7C63A774D}"/>
-                </a:ext>
-              </a:extLst>
-            </p:cNvPr>
-            <p:cNvSpPr/>
-            <p:nvPr/>
-          </p:nvSpPr>
-          <p:spPr>
-            <a:xfrm>
-              <a:off x="9203536" y="3812734"/>
-              <a:ext cx="91440" cy="293278"/>
-            </a:xfrm>
-            <a:custGeom>
-              <a:avLst/>
-              <a:gdLst/>
-              <a:ahLst/>
-              <a:cxnLst/>
-              <a:rect l="0" t="0" r="0" b="0"/>
-              <a:pathLst>
-                <a:path>
-                  <a:moveTo>
-                    <a:pt x="45720" y="0"/>
-                  </a:moveTo>
-                  <a:lnTo>
-                    <a:pt x="45720" y="293278"/>
-                  </a:lnTo>
-                </a:path>
-              </a:pathLst>
-            </a:custGeom>
-            <a:noFill/>
-          </p:spPr>
-          <p:style>
-            <a:lnRef idx="2">
-              <a:schemeClr val="accent1">
-                <a:shade val="80000"/>
-                <a:hueOff val="0"/>
-                <a:satOff val="0"/>
-                <a:lumOff val="0"/>
-                <a:alphaOff val="0"/>
-              </a:schemeClr>
-            </a:lnRef>
-            <a:fillRef idx="0">
-              <a:scrgbClr r="0" g="0" b="0"/>
-            </a:fillRef>
-            <a:effectRef idx="0">
-              <a:schemeClr val="accent1">
-                <a:hueOff val="0"/>
-                <a:satOff val="0"/>
-                <a:lumOff val="0"/>
-                <a:alphaOff val="0"/>
-              </a:schemeClr>
-            </a:effectRef>
-            <a:fontRef idx="minor">
-              <a:schemeClr val="tx1">
-                <a:hueOff val="0"/>
-                <a:satOff val="0"/>
-                <a:lumOff val="0"/>
-                <a:alphaOff val="0"/>
-              </a:schemeClr>
-            </a:fontRef>
-          </p:style>
-          <p:txBody>
-            <a:bodyPr/>
-            <a:lstStyle/>
-            <a:p>
-              <a:endParaRPr lang="en-US"/>
-            </a:p>
-          </p:txBody>
-        </p:sp>
-        <p:sp>
-          <p:nvSpPr>
-            <p:cNvPr id="12" name="Freeform 11">
-              <a:extLst>
-                <a:ext uri="{FF2B5EF4-FFF2-40B4-BE49-F238E27FC236}">
-                  <a16:creationId xmlns:a16="http://schemas.microsoft.com/office/drawing/2014/main" id="{6FFDA4E1-1FB1-5704-F7E8-3052B295F479}"/>
-                </a:ext>
-              </a:extLst>
-            </p:cNvPr>
-            <p:cNvSpPr/>
-            <p:nvPr/>
-          </p:nvSpPr>
-          <p:spPr>
-            <a:xfrm>
-              <a:off x="9203536" y="2879117"/>
-              <a:ext cx="91440" cy="293278"/>
-            </a:xfrm>
-            <a:custGeom>
-              <a:avLst/>
-              <a:gdLst/>
-              <a:ahLst/>
-              <a:cxnLst/>
-              <a:rect l="0" t="0" r="0" b="0"/>
-              <a:pathLst>
-                <a:path>
-                  <a:moveTo>
-                    <a:pt x="45720" y="0"/>
-                  </a:moveTo>
-                  <a:lnTo>
-                    <a:pt x="45720" y="293278"/>
-                  </a:lnTo>
-                </a:path>
-              </a:pathLst>
-            </a:custGeom>
-            <a:noFill/>
-          </p:spPr>
-          <p:style>
-            <a:lnRef idx="2">
-              <a:schemeClr val="accent1">
-                <a:shade val="80000"/>
-                <a:hueOff val="0"/>
-                <a:satOff val="0"/>
-                <a:lumOff val="0"/>
-                <a:alphaOff val="0"/>
-              </a:schemeClr>
-            </a:lnRef>
-            <a:fillRef idx="0">
-              <a:scrgbClr r="0" g="0" b="0"/>
-            </a:fillRef>
-            <a:effectRef idx="0">
-              <a:schemeClr val="accent1">
-                <a:hueOff val="0"/>
-                <a:satOff val="0"/>
-                <a:lumOff val="0"/>
-                <a:alphaOff val="0"/>
-              </a:schemeClr>
-            </a:effectRef>
-            <a:fontRef idx="minor">
-              <a:schemeClr val="tx1">
-                <a:hueOff val="0"/>
-                <a:satOff val="0"/>
-                <a:lumOff val="0"/>
-                <a:alphaOff val="0"/>
-              </a:schemeClr>
-            </a:fontRef>
-          </p:style>
-          <p:txBody>
-            <a:bodyPr/>
-            <a:lstStyle/>
-            <a:p>
-              <a:endParaRPr lang="en-US"/>
-            </a:p>
-          </p:txBody>
-        </p:sp>
-        <p:sp>
-          <p:nvSpPr>
-            <p:cNvPr id="13" name="Freeform 12">
-              <a:extLst>
-                <a:ext uri="{FF2B5EF4-FFF2-40B4-BE49-F238E27FC236}">
-                  <a16:creationId xmlns:a16="http://schemas.microsoft.com/office/drawing/2014/main" id="{DE79B40C-09C7-32E3-7E65-94BFAA39BCF3}"/>
-                </a:ext>
-              </a:extLst>
-            </p:cNvPr>
-            <p:cNvSpPr/>
-            <p:nvPr/>
-          </p:nvSpPr>
-          <p:spPr>
-            <a:xfrm>
-              <a:off x="8633007" y="1945500"/>
-              <a:ext cx="616248" cy="293278"/>
-            </a:xfrm>
-            <a:custGeom>
-              <a:avLst/>
-              <a:gdLst/>
-              <a:ahLst/>
-              <a:cxnLst/>
-              <a:rect l="0" t="0" r="0" b="0"/>
-              <a:pathLst>
-                <a:path>
-                  <a:moveTo>
-                    <a:pt x="0" y="0"/>
-                  </a:moveTo>
-                  <a:lnTo>
-                    <a:pt x="0" y="199860"/>
-                  </a:lnTo>
-                  <a:lnTo>
-                    <a:pt x="616248" y="199860"/>
-                  </a:lnTo>
-                  <a:lnTo>
-                    <a:pt x="616248" y="293278"/>
-                  </a:lnTo>
-                </a:path>
-              </a:pathLst>
-            </a:custGeom>
-            <a:noFill/>
-          </p:spPr>
-          <p:style>
-            <a:lnRef idx="2">
-              <a:schemeClr val="accent1">
-                <a:shade val="80000"/>
-                <a:hueOff val="0"/>
-                <a:satOff val="0"/>
-                <a:lumOff val="0"/>
-                <a:alphaOff val="0"/>
-              </a:schemeClr>
-            </a:lnRef>
-            <a:fillRef idx="0">
-              <a:scrgbClr r="0" g="0" b="0"/>
-            </a:fillRef>
-            <a:effectRef idx="0">
-              <a:schemeClr val="accent1">
-                <a:hueOff val="0"/>
-                <a:satOff val="0"/>
-                <a:lumOff val="0"/>
-                <a:alphaOff val="0"/>
-              </a:schemeClr>
-            </a:effectRef>
-            <a:fontRef idx="minor">
-              <a:schemeClr val="tx1">
-                <a:hueOff val="0"/>
-                <a:satOff val="0"/>
-                <a:lumOff val="0"/>
-                <a:alphaOff val="0"/>
-              </a:schemeClr>
-            </a:fontRef>
-          </p:style>
-          <p:txBody>
-            <a:bodyPr/>
-            <a:lstStyle/>
-            <a:p>
-              <a:endParaRPr lang="en-US"/>
-            </a:p>
-          </p:txBody>
-        </p:sp>
-        <p:sp>
-          <p:nvSpPr>
-            <p:cNvPr id="14" name="Freeform 13">
-              <a:extLst>
-                <a:ext uri="{FF2B5EF4-FFF2-40B4-BE49-F238E27FC236}">
-                  <a16:creationId xmlns:a16="http://schemas.microsoft.com/office/drawing/2014/main" id="{67A6B7E7-20D9-DFAF-0D90-0DB22713EC7C}"/>
-                </a:ext>
-              </a:extLst>
-            </p:cNvPr>
-            <p:cNvSpPr/>
-            <p:nvPr/>
-          </p:nvSpPr>
-          <p:spPr>
-            <a:xfrm>
-              <a:off x="7971038" y="2879117"/>
-              <a:ext cx="91440" cy="293278"/>
-            </a:xfrm>
-            <a:custGeom>
-              <a:avLst/>
-              <a:gdLst/>
-              <a:ahLst/>
-              <a:cxnLst/>
-              <a:rect l="0" t="0" r="0" b="0"/>
-              <a:pathLst>
-                <a:path>
-                  <a:moveTo>
-                    <a:pt x="45720" y="0"/>
-                  </a:moveTo>
-                  <a:lnTo>
-                    <a:pt x="45720" y="293278"/>
-                  </a:lnTo>
-                </a:path>
-              </a:pathLst>
-            </a:custGeom>
-            <a:noFill/>
-          </p:spPr>
-          <p:style>
-            <a:lnRef idx="2">
-              <a:schemeClr val="accent1">
-                <a:shade val="80000"/>
-                <a:hueOff val="0"/>
-                <a:satOff val="0"/>
-                <a:lumOff val="0"/>
-                <a:alphaOff val="0"/>
-              </a:schemeClr>
-            </a:lnRef>
-            <a:fillRef idx="0">
-              <a:scrgbClr r="0" g="0" b="0"/>
-            </a:fillRef>
-            <a:effectRef idx="0">
-              <a:schemeClr val="accent1">
-                <a:hueOff val="0"/>
-                <a:satOff val="0"/>
-                <a:lumOff val="0"/>
-                <a:alphaOff val="0"/>
-              </a:schemeClr>
-            </a:effectRef>
-            <a:fontRef idx="minor">
-              <a:schemeClr val="tx1">
-                <a:hueOff val="0"/>
-                <a:satOff val="0"/>
-                <a:lumOff val="0"/>
-                <a:alphaOff val="0"/>
-              </a:schemeClr>
-            </a:fontRef>
-          </p:style>
-          <p:txBody>
-            <a:bodyPr/>
-            <a:lstStyle/>
-            <a:p>
-              <a:endParaRPr lang="en-US"/>
-            </a:p>
-          </p:txBody>
-        </p:sp>
-        <p:sp>
-          <p:nvSpPr>
-            <p:cNvPr id="15" name="Freeform 14">
-              <a:extLst>
-                <a:ext uri="{FF2B5EF4-FFF2-40B4-BE49-F238E27FC236}">
-                  <a16:creationId xmlns:a16="http://schemas.microsoft.com/office/drawing/2014/main" id="{32E3C1B1-FAB2-DDD6-4441-26D5DB69B5F4}"/>
-                </a:ext>
-              </a:extLst>
-            </p:cNvPr>
-            <p:cNvSpPr/>
-            <p:nvPr/>
-          </p:nvSpPr>
-          <p:spPr>
-            <a:xfrm>
-              <a:off x="8016758" y="1945500"/>
-              <a:ext cx="616248" cy="293278"/>
-            </a:xfrm>
-            <a:custGeom>
-              <a:avLst/>
-              <a:gdLst/>
-              <a:ahLst/>
-              <a:cxnLst/>
-              <a:rect l="0" t="0" r="0" b="0"/>
-              <a:pathLst>
-                <a:path>
-                  <a:moveTo>
-                    <a:pt x="616248" y="0"/>
-                  </a:moveTo>
-                  <a:lnTo>
-                    <a:pt x="616248" y="199860"/>
-                  </a:lnTo>
-                  <a:lnTo>
-                    <a:pt x="0" y="199860"/>
-                  </a:lnTo>
-                  <a:lnTo>
-                    <a:pt x="0" y="293278"/>
-                  </a:lnTo>
-                </a:path>
-              </a:pathLst>
-            </a:custGeom>
-            <a:noFill/>
-          </p:spPr>
-          <p:style>
-            <a:lnRef idx="2">
-              <a:schemeClr val="accent1">
-                <a:shade val="80000"/>
-                <a:hueOff val="0"/>
-                <a:satOff val="0"/>
-                <a:lumOff val="0"/>
-                <a:alphaOff val="0"/>
-              </a:schemeClr>
-            </a:lnRef>
-            <a:fillRef idx="0">
-              <a:scrgbClr r="0" g="0" b="0"/>
-            </a:fillRef>
-            <a:effectRef idx="0">
-              <a:schemeClr val="accent1">
-                <a:hueOff val="0"/>
-                <a:satOff val="0"/>
-                <a:lumOff val="0"/>
-                <a:alphaOff val="0"/>
-              </a:schemeClr>
-            </a:effectRef>
-            <a:fontRef idx="minor">
-              <a:schemeClr val="tx1">
-                <a:hueOff val="0"/>
-                <a:satOff val="0"/>
-                <a:lumOff val="0"/>
-                <a:alphaOff val="0"/>
-              </a:schemeClr>
-            </a:fontRef>
-          </p:style>
-          <p:txBody>
-            <a:bodyPr/>
-            <a:lstStyle/>
-            <a:p>
-              <a:endParaRPr lang="en-US"/>
-            </a:p>
-          </p:txBody>
-        </p:sp>
-        <p:sp>
-          <p:nvSpPr>
-            <p:cNvPr id="16" name="Freeform 15">
-              <a:extLst>
-                <a:ext uri="{FF2B5EF4-FFF2-40B4-BE49-F238E27FC236}">
-                  <a16:creationId xmlns:a16="http://schemas.microsoft.com/office/drawing/2014/main" id="{C4D16794-7AF3-0AC3-E016-EDCAEB92F6D5}"/>
-                </a:ext>
-              </a:extLst>
-            </p:cNvPr>
-            <p:cNvSpPr/>
-            <p:nvPr/>
-          </p:nvSpPr>
-          <p:spPr>
-            <a:xfrm>
-              <a:off x="5859886" y="1011883"/>
-              <a:ext cx="2773120" cy="293278"/>
-            </a:xfrm>
-            <a:custGeom>
-              <a:avLst/>
-              <a:gdLst/>
-              <a:ahLst/>
-              <a:cxnLst/>
-              <a:rect l="0" t="0" r="0" b="0"/>
-              <a:pathLst>
-                <a:path>
-                  <a:moveTo>
-                    <a:pt x="0" y="0"/>
-                  </a:moveTo>
-                  <a:lnTo>
-                    <a:pt x="0" y="199860"/>
-                  </a:lnTo>
-                  <a:lnTo>
-                    <a:pt x="2773120" y="199860"/>
-                  </a:lnTo>
-                  <a:lnTo>
-                    <a:pt x="2773120" y="293278"/>
-                  </a:lnTo>
-                </a:path>
-              </a:pathLst>
-            </a:custGeom>
-            <a:noFill/>
-          </p:spPr>
-          <p:style>
-            <a:lnRef idx="2">
-              <a:schemeClr val="accent1">
-                <a:shade val="60000"/>
-                <a:hueOff val="0"/>
-                <a:satOff val="0"/>
-                <a:lumOff val="0"/>
-                <a:alphaOff val="0"/>
-              </a:schemeClr>
-            </a:lnRef>
-            <a:fillRef idx="0">
-              <a:scrgbClr r="0" g="0" b="0"/>
-            </a:fillRef>
-            <a:effectRef idx="0">
-              <a:schemeClr val="accent1">
-                <a:hueOff val="0"/>
-                <a:satOff val="0"/>
-                <a:lumOff val="0"/>
-                <a:alphaOff val="0"/>
-              </a:schemeClr>
-            </a:effectRef>
-            <a:fontRef idx="minor">
-              <a:schemeClr val="tx1">
-                <a:hueOff val="0"/>
-                <a:satOff val="0"/>
-                <a:lumOff val="0"/>
-                <a:alphaOff val="0"/>
-              </a:schemeClr>
-            </a:fontRef>
-          </p:style>
-          <p:txBody>
-            <a:bodyPr/>
-            <a:lstStyle/>
-            <a:p>
-              <a:endParaRPr lang="en-US"/>
-            </a:p>
-          </p:txBody>
-        </p:sp>
-        <p:sp>
-          <p:nvSpPr>
-            <p:cNvPr id="17" name="Freeform 16">
-              <a:extLst>
-                <a:ext uri="{FF2B5EF4-FFF2-40B4-BE49-F238E27FC236}">
-                  <a16:creationId xmlns:a16="http://schemas.microsoft.com/office/drawing/2014/main" id="{63E144DB-FB39-8EED-ECA6-4F9930956255}"/>
-                </a:ext>
-              </a:extLst>
-            </p:cNvPr>
-            <p:cNvSpPr/>
-            <p:nvPr/>
-          </p:nvSpPr>
-          <p:spPr>
-            <a:xfrm>
-              <a:off x="6738540" y="4746352"/>
-              <a:ext cx="91440" cy="293278"/>
-            </a:xfrm>
-            <a:custGeom>
-              <a:avLst/>
-              <a:gdLst/>
-              <a:ahLst/>
-              <a:cxnLst/>
-              <a:rect l="0" t="0" r="0" b="0"/>
-              <a:pathLst>
-                <a:path>
-                  <a:moveTo>
-                    <a:pt x="45720" y="0"/>
-                  </a:moveTo>
-                  <a:lnTo>
-                    <a:pt x="45720" y="293278"/>
-                  </a:lnTo>
-                </a:path>
-              </a:pathLst>
-            </a:custGeom>
-            <a:noFill/>
-          </p:spPr>
-          <p:style>
-            <a:lnRef idx="2">
-              <a:schemeClr val="accent1">
-                <a:shade val="80000"/>
-                <a:hueOff val="0"/>
-                <a:satOff val="0"/>
-                <a:lumOff val="0"/>
-                <a:alphaOff val="0"/>
-              </a:schemeClr>
-            </a:lnRef>
-            <a:fillRef idx="0">
-              <a:scrgbClr r="0" g="0" b="0"/>
-            </a:fillRef>
-            <a:effectRef idx="0">
-              <a:schemeClr val="accent1">
-                <a:hueOff val="0"/>
-                <a:satOff val="0"/>
-                <a:lumOff val="0"/>
-                <a:alphaOff val="0"/>
-              </a:schemeClr>
-            </a:effectRef>
-            <a:fontRef idx="minor">
-              <a:schemeClr val="tx1">
-                <a:hueOff val="0"/>
-                <a:satOff val="0"/>
-                <a:lumOff val="0"/>
-                <a:alphaOff val="0"/>
-              </a:schemeClr>
-            </a:fontRef>
-          </p:style>
-          <p:txBody>
-            <a:bodyPr/>
-            <a:lstStyle/>
-            <a:p>
-              <a:endParaRPr lang="en-US"/>
-            </a:p>
-          </p:txBody>
-        </p:sp>
-        <p:sp>
-          <p:nvSpPr>
-            <p:cNvPr id="18" name="Freeform 17">
-              <a:extLst>
-                <a:ext uri="{FF2B5EF4-FFF2-40B4-BE49-F238E27FC236}">
-                  <a16:creationId xmlns:a16="http://schemas.microsoft.com/office/drawing/2014/main" id="{BCDFCAD6-9196-83F7-41F0-CAB43ABB049B}"/>
-                </a:ext>
-              </a:extLst>
-            </p:cNvPr>
-            <p:cNvSpPr/>
-            <p:nvPr/>
-          </p:nvSpPr>
-          <p:spPr>
-            <a:xfrm>
-              <a:off x="6738540" y="3812734"/>
-              <a:ext cx="91440" cy="293278"/>
-            </a:xfrm>
-            <a:custGeom>
-              <a:avLst/>
-              <a:gdLst/>
-              <a:ahLst/>
-              <a:cxnLst/>
-              <a:rect l="0" t="0" r="0" b="0"/>
-              <a:pathLst>
-                <a:path>
-                  <a:moveTo>
-                    <a:pt x="45720" y="0"/>
-                  </a:moveTo>
-                  <a:lnTo>
-                    <a:pt x="45720" y="293278"/>
-                  </a:lnTo>
-                </a:path>
-              </a:pathLst>
-            </a:custGeom>
-            <a:noFill/>
-          </p:spPr>
-          <p:style>
-            <a:lnRef idx="2">
-              <a:schemeClr val="accent1">
-                <a:shade val="80000"/>
-                <a:hueOff val="0"/>
-                <a:satOff val="0"/>
-                <a:lumOff val="0"/>
-                <a:alphaOff val="0"/>
-              </a:schemeClr>
-            </a:lnRef>
-            <a:fillRef idx="0">
-              <a:scrgbClr r="0" g="0" b="0"/>
-            </a:fillRef>
-            <a:effectRef idx="0">
-              <a:schemeClr val="accent1">
-                <a:hueOff val="0"/>
-                <a:satOff val="0"/>
-                <a:lumOff val="0"/>
-                <a:alphaOff val="0"/>
-              </a:schemeClr>
-            </a:effectRef>
-            <a:fontRef idx="minor">
-              <a:schemeClr val="tx1">
-                <a:hueOff val="0"/>
-                <a:satOff val="0"/>
-                <a:lumOff val="0"/>
-                <a:alphaOff val="0"/>
-              </a:schemeClr>
-            </a:fontRef>
-          </p:style>
-          <p:txBody>
-            <a:bodyPr/>
-            <a:lstStyle/>
-            <a:p>
-              <a:endParaRPr lang="en-US"/>
-            </a:p>
-          </p:txBody>
-        </p:sp>
-        <p:sp>
-          <p:nvSpPr>
-            <p:cNvPr id="19" name="Freeform 18">
-              <a:extLst>
-                <a:ext uri="{FF2B5EF4-FFF2-40B4-BE49-F238E27FC236}">
-                  <a16:creationId xmlns:a16="http://schemas.microsoft.com/office/drawing/2014/main" id="{FCDF4CDA-8B7A-C08F-C568-1BBA23F2E1CE}"/>
-                </a:ext>
-              </a:extLst>
-            </p:cNvPr>
-            <p:cNvSpPr/>
-            <p:nvPr/>
-          </p:nvSpPr>
-          <p:spPr>
-            <a:xfrm>
-              <a:off x="6168011" y="2879117"/>
-              <a:ext cx="616248" cy="293278"/>
-            </a:xfrm>
-            <a:custGeom>
-              <a:avLst/>
-              <a:gdLst/>
-              <a:ahLst/>
-              <a:cxnLst/>
-              <a:rect l="0" t="0" r="0" b="0"/>
-              <a:pathLst>
-                <a:path>
-                  <a:moveTo>
-                    <a:pt x="0" y="0"/>
-                  </a:moveTo>
-                  <a:lnTo>
-                    <a:pt x="0" y="199860"/>
-                  </a:lnTo>
-                  <a:lnTo>
-                    <a:pt x="616248" y="199860"/>
-                  </a:lnTo>
-                  <a:lnTo>
-                    <a:pt x="616248" y="293278"/>
-                  </a:lnTo>
-                </a:path>
-              </a:pathLst>
-            </a:custGeom>
-            <a:noFill/>
-          </p:spPr>
-          <p:style>
-            <a:lnRef idx="2">
-              <a:schemeClr val="accent1">
-                <a:shade val="80000"/>
-                <a:hueOff val="0"/>
-                <a:satOff val="0"/>
-                <a:lumOff val="0"/>
-                <a:alphaOff val="0"/>
-              </a:schemeClr>
-            </a:lnRef>
-            <a:fillRef idx="0">
-              <a:scrgbClr r="0" g="0" b="0"/>
-            </a:fillRef>
-            <a:effectRef idx="0">
-              <a:schemeClr val="accent1">
-                <a:hueOff val="0"/>
-                <a:satOff val="0"/>
-                <a:lumOff val="0"/>
-                <a:alphaOff val="0"/>
-              </a:schemeClr>
-            </a:effectRef>
-            <a:fontRef idx="minor">
-              <a:schemeClr val="tx1">
-                <a:hueOff val="0"/>
-                <a:satOff val="0"/>
-                <a:lumOff val="0"/>
-                <a:alphaOff val="0"/>
-              </a:schemeClr>
-            </a:fontRef>
-          </p:style>
-          <p:txBody>
-            <a:bodyPr/>
-            <a:lstStyle/>
-            <a:p>
-              <a:endParaRPr lang="en-US"/>
-            </a:p>
-          </p:txBody>
-        </p:sp>
-        <p:sp>
-          <p:nvSpPr>
-            <p:cNvPr id="20" name="Freeform 19">
-              <a:extLst>
-                <a:ext uri="{FF2B5EF4-FFF2-40B4-BE49-F238E27FC236}">
-                  <a16:creationId xmlns:a16="http://schemas.microsoft.com/office/drawing/2014/main" id="{B50942A4-C382-5E39-7440-FE06BD7F4321}"/>
-                </a:ext>
-              </a:extLst>
-            </p:cNvPr>
-            <p:cNvSpPr/>
-            <p:nvPr/>
-          </p:nvSpPr>
-          <p:spPr>
-            <a:xfrm>
-              <a:off x="5506042" y="4746352"/>
-              <a:ext cx="91440" cy="293278"/>
-            </a:xfrm>
-            <a:custGeom>
-              <a:avLst/>
-              <a:gdLst/>
-              <a:ahLst/>
-              <a:cxnLst/>
-              <a:rect l="0" t="0" r="0" b="0"/>
-              <a:pathLst>
-                <a:path>
-                  <a:moveTo>
-                    <a:pt x="45720" y="0"/>
-                  </a:moveTo>
-                  <a:lnTo>
-                    <a:pt x="45720" y="293278"/>
-                  </a:lnTo>
-                </a:path>
-              </a:pathLst>
-            </a:custGeom>
-            <a:noFill/>
-          </p:spPr>
-          <p:style>
-            <a:lnRef idx="2">
-              <a:schemeClr val="accent1">
-                <a:shade val="80000"/>
-                <a:hueOff val="0"/>
-                <a:satOff val="0"/>
-                <a:lumOff val="0"/>
-                <a:alphaOff val="0"/>
-              </a:schemeClr>
-            </a:lnRef>
-            <a:fillRef idx="0">
-              <a:scrgbClr r="0" g="0" b="0"/>
-            </a:fillRef>
-            <a:effectRef idx="0">
-              <a:schemeClr val="accent1">
-                <a:hueOff val="0"/>
-                <a:satOff val="0"/>
-                <a:lumOff val="0"/>
-                <a:alphaOff val="0"/>
-              </a:schemeClr>
-            </a:effectRef>
-            <a:fontRef idx="minor">
-              <a:schemeClr val="tx1">
-                <a:hueOff val="0"/>
-                <a:satOff val="0"/>
-                <a:lumOff val="0"/>
-                <a:alphaOff val="0"/>
-              </a:schemeClr>
-            </a:fontRef>
-          </p:style>
-          <p:txBody>
-            <a:bodyPr/>
-            <a:lstStyle/>
-            <a:p>
-              <a:endParaRPr lang="en-US"/>
-            </a:p>
-          </p:txBody>
-        </p:sp>
-        <p:sp>
-          <p:nvSpPr>
-            <p:cNvPr id="21" name="Freeform 20">
-              <a:extLst>
-                <a:ext uri="{FF2B5EF4-FFF2-40B4-BE49-F238E27FC236}">
-                  <a16:creationId xmlns:a16="http://schemas.microsoft.com/office/drawing/2014/main" id="{796E4AF7-2BD2-F94E-B194-05737CC4067C}"/>
-                </a:ext>
-              </a:extLst>
-            </p:cNvPr>
-            <p:cNvSpPr/>
-            <p:nvPr/>
-          </p:nvSpPr>
-          <p:spPr>
-            <a:xfrm>
-              <a:off x="5506042" y="3812734"/>
-              <a:ext cx="91440" cy="293278"/>
-            </a:xfrm>
-            <a:custGeom>
-              <a:avLst/>
-              <a:gdLst/>
-              <a:ahLst/>
-              <a:cxnLst/>
-              <a:rect l="0" t="0" r="0" b="0"/>
-              <a:pathLst>
-                <a:path>
-                  <a:moveTo>
-                    <a:pt x="45720" y="0"/>
-                  </a:moveTo>
-                  <a:lnTo>
-                    <a:pt x="45720" y="293278"/>
-                  </a:lnTo>
-                </a:path>
-              </a:pathLst>
-            </a:custGeom>
-            <a:noFill/>
-          </p:spPr>
-          <p:style>
-            <a:lnRef idx="2">
-              <a:schemeClr val="accent1">
-                <a:shade val="80000"/>
-                <a:hueOff val="0"/>
-                <a:satOff val="0"/>
-                <a:lumOff val="0"/>
-                <a:alphaOff val="0"/>
-              </a:schemeClr>
-            </a:lnRef>
-            <a:fillRef idx="0">
-              <a:scrgbClr r="0" g="0" b="0"/>
-            </a:fillRef>
-            <a:effectRef idx="0">
-              <a:schemeClr val="accent1">
-                <a:hueOff val="0"/>
-                <a:satOff val="0"/>
-                <a:lumOff val="0"/>
-                <a:alphaOff val="0"/>
-              </a:schemeClr>
-            </a:effectRef>
-            <a:fontRef idx="minor">
-              <a:schemeClr val="tx1">
-                <a:hueOff val="0"/>
-                <a:satOff val="0"/>
-                <a:lumOff val="0"/>
-                <a:alphaOff val="0"/>
-              </a:schemeClr>
-            </a:fontRef>
-          </p:style>
-          <p:txBody>
-            <a:bodyPr/>
-            <a:lstStyle/>
-            <a:p>
-              <a:endParaRPr lang="en-US"/>
-            </a:p>
-          </p:txBody>
-        </p:sp>
-        <p:sp>
-          <p:nvSpPr>
-            <p:cNvPr id="22" name="Freeform 21">
-              <a:extLst>
-                <a:ext uri="{FF2B5EF4-FFF2-40B4-BE49-F238E27FC236}">
-                  <a16:creationId xmlns:a16="http://schemas.microsoft.com/office/drawing/2014/main" id="{7B08DCCA-DBD4-2F6C-CEF5-461DC7C8F038}"/>
-                </a:ext>
-              </a:extLst>
-            </p:cNvPr>
-            <p:cNvSpPr/>
-            <p:nvPr/>
-          </p:nvSpPr>
-          <p:spPr>
-            <a:xfrm>
-              <a:off x="5551762" y="2879117"/>
-              <a:ext cx="616248" cy="293278"/>
-            </a:xfrm>
-            <a:custGeom>
-              <a:avLst/>
-              <a:gdLst/>
-              <a:ahLst/>
-              <a:cxnLst/>
-              <a:rect l="0" t="0" r="0" b="0"/>
-              <a:pathLst>
-                <a:path>
-                  <a:moveTo>
-                    <a:pt x="616248" y="0"/>
-                  </a:moveTo>
-                  <a:lnTo>
-                    <a:pt x="616248" y="199860"/>
-                  </a:lnTo>
-                  <a:lnTo>
-                    <a:pt x="0" y="199860"/>
-                  </a:lnTo>
-                  <a:lnTo>
-                    <a:pt x="0" y="293278"/>
-                  </a:lnTo>
-                </a:path>
-              </a:pathLst>
-            </a:custGeom>
-            <a:noFill/>
-          </p:spPr>
-          <p:style>
-            <a:lnRef idx="2">
-              <a:schemeClr val="accent1">
-                <a:shade val="80000"/>
-                <a:hueOff val="0"/>
-                <a:satOff val="0"/>
-                <a:lumOff val="0"/>
-                <a:alphaOff val="0"/>
-              </a:schemeClr>
-            </a:lnRef>
-            <a:fillRef idx="0">
-              <a:scrgbClr r="0" g="0" b="0"/>
-            </a:fillRef>
-            <a:effectRef idx="0">
-              <a:schemeClr val="accent1">
-                <a:hueOff val="0"/>
-                <a:satOff val="0"/>
-                <a:lumOff val="0"/>
-                <a:alphaOff val="0"/>
-              </a:schemeClr>
-            </a:effectRef>
-            <a:fontRef idx="minor">
-              <a:schemeClr val="tx1">
-                <a:hueOff val="0"/>
-                <a:satOff val="0"/>
-                <a:lumOff val="0"/>
-                <a:alphaOff val="0"/>
-              </a:schemeClr>
-            </a:fontRef>
-          </p:style>
-          <p:txBody>
-            <a:bodyPr/>
-            <a:lstStyle/>
-            <a:p>
-              <a:endParaRPr lang="en-US"/>
-            </a:p>
-          </p:txBody>
-        </p:sp>
-        <p:sp>
-          <p:nvSpPr>
-            <p:cNvPr id="23" name="Freeform 22">
-              <a:extLst>
-                <a:ext uri="{FF2B5EF4-FFF2-40B4-BE49-F238E27FC236}">
-                  <a16:creationId xmlns:a16="http://schemas.microsoft.com/office/drawing/2014/main" id="{793C5F85-A9F5-60D1-686E-151A320A446A}"/>
-                </a:ext>
-              </a:extLst>
-            </p:cNvPr>
-            <p:cNvSpPr/>
-            <p:nvPr/>
-          </p:nvSpPr>
-          <p:spPr>
-            <a:xfrm>
-              <a:off x="5243637" y="1945500"/>
-              <a:ext cx="924373" cy="293278"/>
-            </a:xfrm>
-            <a:custGeom>
-              <a:avLst/>
-              <a:gdLst/>
-              <a:ahLst/>
-              <a:cxnLst/>
-              <a:rect l="0" t="0" r="0" b="0"/>
-              <a:pathLst>
-                <a:path>
-                  <a:moveTo>
-                    <a:pt x="0" y="0"/>
-                  </a:moveTo>
-                  <a:lnTo>
-                    <a:pt x="0" y="199860"/>
-                  </a:lnTo>
-                  <a:lnTo>
-                    <a:pt x="924373" y="199860"/>
-                  </a:lnTo>
-                  <a:lnTo>
-                    <a:pt x="924373" y="293278"/>
-                  </a:lnTo>
-                </a:path>
-              </a:pathLst>
-            </a:custGeom>
-            <a:noFill/>
-          </p:spPr>
-          <p:style>
-            <a:lnRef idx="2">
-              <a:schemeClr val="accent1">
-                <a:shade val="80000"/>
-                <a:hueOff val="0"/>
-                <a:satOff val="0"/>
-                <a:lumOff val="0"/>
-                <a:alphaOff val="0"/>
-              </a:schemeClr>
-            </a:lnRef>
-            <a:fillRef idx="0">
-              <a:scrgbClr r="0" g="0" b="0"/>
-            </a:fillRef>
-            <a:effectRef idx="0">
-              <a:schemeClr val="accent1">
-                <a:hueOff val="0"/>
-                <a:satOff val="0"/>
-                <a:lumOff val="0"/>
-                <a:alphaOff val="0"/>
-              </a:schemeClr>
-            </a:effectRef>
-            <a:fontRef idx="minor">
-              <a:schemeClr val="tx1">
-                <a:hueOff val="0"/>
-                <a:satOff val="0"/>
-                <a:lumOff val="0"/>
-                <a:alphaOff val="0"/>
-              </a:schemeClr>
-            </a:fontRef>
-          </p:style>
-          <p:txBody>
-            <a:bodyPr/>
-            <a:lstStyle/>
-            <a:p>
-              <a:endParaRPr lang="en-US"/>
-            </a:p>
-          </p:txBody>
-        </p:sp>
-        <p:sp>
-          <p:nvSpPr>
-            <p:cNvPr id="24" name="Freeform 23">
-              <a:extLst>
-                <a:ext uri="{FF2B5EF4-FFF2-40B4-BE49-F238E27FC236}">
-                  <a16:creationId xmlns:a16="http://schemas.microsoft.com/office/drawing/2014/main" id="{A50BC9C2-7E8F-300F-A60A-FD8940697828}"/>
-                </a:ext>
-              </a:extLst>
-            </p:cNvPr>
-            <p:cNvSpPr/>
-            <p:nvPr/>
-          </p:nvSpPr>
-          <p:spPr>
-            <a:xfrm>
-              <a:off x="4273544" y="2879117"/>
-              <a:ext cx="91440" cy="293278"/>
-            </a:xfrm>
-            <a:custGeom>
-              <a:avLst/>
-              <a:gdLst/>
-              <a:ahLst/>
-              <a:cxnLst/>
-              <a:rect l="0" t="0" r="0" b="0"/>
-              <a:pathLst>
-                <a:path>
-                  <a:moveTo>
-                    <a:pt x="45720" y="0"/>
-                  </a:moveTo>
-                  <a:lnTo>
-                    <a:pt x="45720" y="293278"/>
-                  </a:lnTo>
-                </a:path>
-              </a:pathLst>
-            </a:custGeom>
-            <a:noFill/>
-          </p:spPr>
-          <p:style>
-            <a:lnRef idx="2">
-              <a:schemeClr val="accent1">
-                <a:shade val="80000"/>
-                <a:hueOff val="0"/>
-                <a:satOff val="0"/>
-                <a:lumOff val="0"/>
-                <a:alphaOff val="0"/>
-              </a:schemeClr>
-            </a:lnRef>
-            <a:fillRef idx="0">
-              <a:scrgbClr r="0" g="0" b="0"/>
-            </a:fillRef>
-            <a:effectRef idx="0">
-              <a:schemeClr val="accent1">
-                <a:hueOff val="0"/>
-                <a:satOff val="0"/>
-                <a:lumOff val="0"/>
-                <a:alphaOff val="0"/>
-              </a:schemeClr>
-            </a:effectRef>
-            <a:fontRef idx="minor">
-              <a:schemeClr val="tx1">
-                <a:hueOff val="0"/>
-                <a:satOff val="0"/>
-                <a:lumOff val="0"/>
-                <a:alphaOff val="0"/>
-              </a:schemeClr>
-            </a:fontRef>
-          </p:style>
-          <p:txBody>
-            <a:bodyPr/>
-            <a:lstStyle/>
-            <a:p>
-              <a:endParaRPr lang="en-US"/>
-            </a:p>
-          </p:txBody>
-        </p:sp>
-        <p:sp>
-          <p:nvSpPr>
-            <p:cNvPr id="25" name="Freeform 24">
-              <a:extLst>
-                <a:ext uri="{FF2B5EF4-FFF2-40B4-BE49-F238E27FC236}">
-                  <a16:creationId xmlns:a16="http://schemas.microsoft.com/office/drawing/2014/main" id="{81AEC5C0-3163-6FEC-B526-EC8D0EC981B7}"/>
-                </a:ext>
-              </a:extLst>
-            </p:cNvPr>
-            <p:cNvSpPr/>
-            <p:nvPr/>
-          </p:nvSpPr>
-          <p:spPr>
-            <a:xfrm>
-              <a:off x="4319264" y="1945500"/>
-              <a:ext cx="924373" cy="293278"/>
-            </a:xfrm>
-            <a:custGeom>
-              <a:avLst/>
-              <a:gdLst/>
-              <a:ahLst/>
-              <a:cxnLst/>
-              <a:rect l="0" t="0" r="0" b="0"/>
-              <a:pathLst>
-                <a:path>
-                  <a:moveTo>
-                    <a:pt x="924373" y="0"/>
-                  </a:moveTo>
-                  <a:lnTo>
-                    <a:pt x="924373" y="199860"/>
-                  </a:lnTo>
-                  <a:lnTo>
-                    <a:pt x="0" y="199860"/>
-                  </a:lnTo>
-                  <a:lnTo>
-                    <a:pt x="0" y="293278"/>
-                  </a:lnTo>
-                </a:path>
-              </a:pathLst>
-            </a:custGeom>
-            <a:noFill/>
-          </p:spPr>
-          <p:style>
-            <a:lnRef idx="2">
-              <a:schemeClr val="accent1">
-                <a:shade val="80000"/>
-                <a:hueOff val="0"/>
-                <a:satOff val="0"/>
-                <a:lumOff val="0"/>
-                <a:alphaOff val="0"/>
-              </a:schemeClr>
-            </a:lnRef>
-            <a:fillRef idx="0">
-              <a:scrgbClr r="0" g="0" b="0"/>
-            </a:fillRef>
-            <a:effectRef idx="0">
-              <a:schemeClr val="accent1">
-                <a:hueOff val="0"/>
-                <a:satOff val="0"/>
-                <a:lumOff val="0"/>
-                <a:alphaOff val="0"/>
-              </a:schemeClr>
-            </a:effectRef>
-            <a:fontRef idx="minor">
-              <a:schemeClr val="tx1">
-                <a:hueOff val="0"/>
-                <a:satOff val="0"/>
-                <a:lumOff val="0"/>
-                <a:alphaOff val="0"/>
-              </a:schemeClr>
-            </a:fontRef>
-          </p:style>
-          <p:txBody>
-            <a:bodyPr/>
-            <a:lstStyle/>
-            <a:p>
-              <a:endParaRPr lang="en-US"/>
-            </a:p>
-          </p:txBody>
-        </p:sp>
-        <p:sp>
-          <p:nvSpPr>
-            <p:cNvPr id="26" name="Freeform 25">
-              <a:extLst>
-                <a:ext uri="{FF2B5EF4-FFF2-40B4-BE49-F238E27FC236}">
-                  <a16:creationId xmlns:a16="http://schemas.microsoft.com/office/drawing/2014/main" id="{B83D6C2D-C4D7-417B-292C-506B1445B036}"/>
-                </a:ext>
-              </a:extLst>
-            </p:cNvPr>
-            <p:cNvSpPr/>
-            <p:nvPr/>
-          </p:nvSpPr>
-          <p:spPr>
-            <a:xfrm>
-              <a:off x="5243637" y="1011883"/>
-              <a:ext cx="616248" cy="293278"/>
-            </a:xfrm>
-            <a:custGeom>
-              <a:avLst/>
-              <a:gdLst/>
-              <a:ahLst/>
-              <a:cxnLst/>
-              <a:rect l="0" t="0" r="0" b="0"/>
-              <a:pathLst>
-                <a:path>
-                  <a:moveTo>
-                    <a:pt x="616248" y="0"/>
-                  </a:moveTo>
-                  <a:lnTo>
-                    <a:pt x="616248" y="199860"/>
-                  </a:lnTo>
-                  <a:lnTo>
-                    <a:pt x="0" y="199860"/>
-                  </a:lnTo>
-                  <a:lnTo>
-                    <a:pt x="0" y="293278"/>
-                  </a:lnTo>
-                </a:path>
-              </a:pathLst>
-            </a:custGeom>
-            <a:noFill/>
-          </p:spPr>
-          <p:style>
-            <a:lnRef idx="2">
-              <a:schemeClr val="accent1">
-                <a:shade val="60000"/>
-                <a:hueOff val="0"/>
-                <a:satOff val="0"/>
-                <a:lumOff val="0"/>
-                <a:alphaOff val="0"/>
-              </a:schemeClr>
-            </a:lnRef>
-            <a:fillRef idx="0">
-              <a:scrgbClr r="0" g="0" b="0"/>
-            </a:fillRef>
-            <a:effectRef idx="0">
-              <a:schemeClr val="accent1">
-                <a:hueOff val="0"/>
-                <a:satOff val="0"/>
-                <a:lumOff val="0"/>
-                <a:alphaOff val="0"/>
-              </a:schemeClr>
-            </a:effectRef>
-            <a:fontRef idx="minor">
-              <a:schemeClr val="tx1">
-                <a:hueOff val="0"/>
-                <a:satOff val="0"/>
-                <a:lumOff val="0"/>
-                <a:alphaOff val="0"/>
-              </a:schemeClr>
-            </a:fontRef>
-          </p:style>
-          <p:txBody>
-            <a:bodyPr/>
-            <a:lstStyle/>
-            <a:p>
-              <a:endParaRPr lang="en-US"/>
-            </a:p>
-          </p:txBody>
-        </p:sp>
-        <p:sp>
-          <p:nvSpPr>
-            <p:cNvPr id="27" name="Freeform 26">
-              <a:extLst>
-                <a:ext uri="{FF2B5EF4-FFF2-40B4-BE49-F238E27FC236}">
-                  <a16:creationId xmlns:a16="http://schemas.microsoft.com/office/drawing/2014/main" id="{4D2A3C12-FFE1-8CF6-3561-C3D2AC284B42}"/>
-                </a:ext>
-              </a:extLst>
-            </p:cNvPr>
-            <p:cNvSpPr/>
-            <p:nvPr/>
-          </p:nvSpPr>
-          <p:spPr>
-            <a:xfrm>
-              <a:off x="3041046" y="2879117"/>
-              <a:ext cx="91440" cy="293278"/>
-            </a:xfrm>
-            <a:custGeom>
-              <a:avLst/>
-              <a:gdLst/>
-              <a:ahLst/>
-              <a:cxnLst/>
-              <a:rect l="0" t="0" r="0" b="0"/>
-              <a:pathLst>
-                <a:path>
-                  <a:moveTo>
-                    <a:pt x="45720" y="0"/>
-                  </a:moveTo>
-                  <a:lnTo>
-                    <a:pt x="45720" y="293278"/>
-                  </a:lnTo>
-                </a:path>
-              </a:pathLst>
-            </a:custGeom>
-            <a:noFill/>
-          </p:spPr>
-          <p:style>
-            <a:lnRef idx="2">
-              <a:schemeClr val="accent1">
-                <a:shade val="80000"/>
-                <a:hueOff val="0"/>
-                <a:satOff val="0"/>
-                <a:lumOff val="0"/>
-                <a:alphaOff val="0"/>
-              </a:schemeClr>
-            </a:lnRef>
-            <a:fillRef idx="0">
-              <a:scrgbClr r="0" g="0" b="0"/>
-            </a:fillRef>
-            <a:effectRef idx="0">
-              <a:schemeClr val="accent1">
-                <a:hueOff val="0"/>
-                <a:satOff val="0"/>
-                <a:lumOff val="0"/>
-                <a:alphaOff val="0"/>
-              </a:schemeClr>
-            </a:effectRef>
-            <a:fontRef idx="minor">
-              <a:schemeClr val="tx1">
-                <a:hueOff val="0"/>
-                <a:satOff val="0"/>
-                <a:lumOff val="0"/>
-                <a:alphaOff val="0"/>
-              </a:schemeClr>
-            </a:fontRef>
-          </p:style>
-          <p:txBody>
-            <a:bodyPr/>
-            <a:lstStyle/>
-            <a:p>
-              <a:endParaRPr lang="en-US"/>
-            </a:p>
-          </p:txBody>
-        </p:sp>
-        <p:sp>
-          <p:nvSpPr>
-            <p:cNvPr id="28" name="Freeform 27">
-              <a:extLst>
-                <a:ext uri="{FF2B5EF4-FFF2-40B4-BE49-F238E27FC236}">
-                  <a16:creationId xmlns:a16="http://schemas.microsoft.com/office/drawing/2014/main" id="{D2553BCC-D5E0-93BE-A744-1B71074770A6}"/>
-                </a:ext>
-              </a:extLst>
-            </p:cNvPr>
-            <p:cNvSpPr/>
-            <p:nvPr/>
-          </p:nvSpPr>
-          <p:spPr>
-            <a:xfrm>
-              <a:off x="3041046" y="1945500"/>
-              <a:ext cx="91440" cy="293278"/>
-            </a:xfrm>
-            <a:custGeom>
-              <a:avLst/>
-              <a:gdLst/>
-              <a:ahLst/>
-              <a:cxnLst/>
-              <a:rect l="0" t="0" r="0" b="0"/>
-              <a:pathLst>
-                <a:path>
-                  <a:moveTo>
-                    <a:pt x="45720" y="0"/>
-                  </a:moveTo>
-                  <a:lnTo>
-                    <a:pt x="45720" y="293278"/>
-                  </a:lnTo>
-                </a:path>
-              </a:pathLst>
-            </a:custGeom>
-            <a:noFill/>
-          </p:spPr>
-          <p:style>
-            <a:lnRef idx="2">
-              <a:schemeClr val="accent1">
-                <a:shade val="80000"/>
-                <a:hueOff val="0"/>
-                <a:satOff val="0"/>
-                <a:lumOff val="0"/>
-                <a:alphaOff val="0"/>
-              </a:schemeClr>
-            </a:lnRef>
-            <a:fillRef idx="0">
-              <a:scrgbClr r="0" g="0" b="0"/>
-            </a:fillRef>
-            <a:effectRef idx="0">
-              <a:schemeClr val="accent1">
-                <a:hueOff val="0"/>
-                <a:satOff val="0"/>
-                <a:lumOff val="0"/>
-                <a:alphaOff val="0"/>
-              </a:schemeClr>
-            </a:effectRef>
-            <a:fontRef idx="minor">
-              <a:schemeClr val="tx1">
-                <a:hueOff val="0"/>
-                <a:satOff val="0"/>
-                <a:lumOff val="0"/>
-                <a:alphaOff val="0"/>
-              </a:schemeClr>
-            </a:fontRef>
-          </p:style>
-          <p:txBody>
-            <a:bodyPr/>
-            <a:lstStyle/>
-            <a:p>
-              <a:endParaRPr lang="en-US"/>
-            </a:p>
-          </p:txBody>
-        </p:sp>
-        <p:sp>
-          <p:nvSpPr>
-            <p:cNvPr id="29" name="Freeform 28">
-              <a:extLst>
-                <a:ext uri="{FF2B5EF4-FFF2-40B4-BE49-F238E27FC236}">
-                  <a16:creationId xmlns:a16="http://schemas.microsoft.com/office/drawing/2014/main" id="{B094BD41-AF21-355E-E85C-9B0D7DDB05C8}"/>
-                </a:ext>
-              </a:extLst>
-            </p:cNvPr>
-            <p:cNvSpPr/>
-            <p:nvPr/>
-          </p:nvSpPr>
-          <p:spPr>
-            <a:xfrm>
-              <a:off x="3086766" y="1011883"/>
-              <a:ext cx="2773120" cy="293278"/>
-            </a:xfrm>
-            <a:custGeom>
-              <a:avLst/>
-              <a:gdLst/>
-              <a:ahLst/>
-              <a:cxnLst/>
-              <a:rect l="0" t="0" r="0" b="0"/>
-              <a:pathLst>
-                <a:path>
-                  <a:moveTo>
-                    <a:pt x="2773120" y="0"/>
-                  </a:moveTo>
-                  <a:lnTo>
-                    <a:pt x="2773120" y="199860"/>
-                  </a:lnTo>
-                  <a:lnTo>
-                    <a:pt x="0" y="199860"/>
-                  </a:lnTo>
-                  <a:lnTo>
-                    <a:pt x="0" y="293278"/>
-                  </a:lnTo>
-                </a:path>
-              </a:pathLst>
-            </a:custGeom>
-            <a:noFill/>
-          </p:spPr>
-          <p:style>
-            <a:lnRef idx="2">
-              <a:schemeClr val="accent1">
-                <a:shade val="60000"/>
-                <a:hueOff val="0"/>
-                <a:satOff val="0"/>
-                <a:lumOff val="0"/>
-                <a:alphaOff val="0"/>
-              </a:schemeClr>
-            </a:lnRef>
-            <a:fillRef idx="0">
-              <a:scrgbClr r="0" g="0" b="0"/>
-            </a:fillRef>
-            <a:effectRef idx="0">
-              <a:schemeClr val="accent1">
-                <a:hueOff val="0"/>
-                <a:satOff val="0"/>
-                <a:lumOff val="0"/>
-                <a:alphaOff val="0"/>
-              </a:schemeClr>
-            </a:effectRef>
-            <a:fontRef idx="minor">
-              <a:schemeClr val="tx1">
-                <a:hueOff val="0"/>
-                <a:satOff val="0"/>
-                <a:lumOff val="0"/>
-                <a:alphaOff val="0"/>
-              </a:schemeClr>
-            </a:fontRef>
-          </p:style>
-          <p:txBody>
-            <a:bodyPr/>
-            <a:lstStyle/>
-            <a:p>
-              <a:endParaRPr lang="en-US"/>
-            </a:p>
-          </p:txBody>
-        </p:sp>
-        <p:sp>
-          <p:nvSpPr>
-            <p:cNvPr id="30" name="Rounded Rectangle 29">
-              <a:extLst>
-                <a:ext uri="{FF2B5EF4-FFF2-40B4-BE49-F238E27FC236}">
-                  <a16:creationId xmlns:a16="http://schemas.microsoft.com/office/drawing/2014/main" id="{466F14EF-BBA1-E895-D5B6-4FB124627169}"/>
-                </a:ext>
-              </a:extLst>
-            </p:cNvPr>
-            <p:cNvSpPr/>
-            <p:nvPr/>
-          </p:nvSpPr>
-          <p:spPr>
-            <a:xfrm>
-              <a:off x="5355683" y="371544"/>
-              <a:ext cx="1008407" cy="640338"/>
-            </a:xfrm>
-            <a:prstGeom prst="roundRect">
-              <a:avLst>
-                <a:gd name="adj" fmla="val 10000"/>
-              </a:avLst>
-            </a:prstGeom>
-          </p:spPr>
-          <p:style>
-            <a:lnRef idx="2">
-              <a:schemeClr val="lt1">
-                <a:hueOff val="0"/>
-                <a:satOff val="0"/>
-                <a:lumOff val="0"/>
-                <a:alphaOff val="0"/>
-              </a:schemeClr>
-            </a:lnRef>
-            <a:fillRef idx="1">
-              <a:schemeClr val="accent1">
-                <a:hueOff val="0"/>
-                <a:satOff val="0"/>
-                <a:lumOff val="0"/>
-                <a:alphaOff val="0"/>
-              </a:schemeClr>
-            </a:fillRef>
-            <a:effectRef idx="0">
-              <a:schemeClr val="accent1">
-                <a:hueOff val="0"/>
-                <a:satOff val="0"/>
-                <a:lumOff val="0"/>
-                <a:alphaOff val="0"/>
-              </a:schemeClr>
-            </a:effectRef>
-            <a:fontRef idx="minor">
-              <a:schemeClr val="lt1"/>
-            </a:fontRef>
-          </p:style>
-          <p:txBody>
-            <a:bodyPr/>
-            <a:lstStyle/>
-            <a:p>
-              <a:endParaRPr lang="en-US"/>
-            </a:p>
-          </p:txBody>
-        </p:sp>
-        <p:sp>
-          <p:nvSpPr>
-            <p:cNvPr id="31" name="Freeform 30">
-              <a:extLst>
-                <a:ext uri="{FF2B5EF4-FFF2-40B4-BE49-F238E27FC236}">
-                  <a16:creationId xmlns:a16="http://schemas.microsoft.com/office/drawing/2014/main" id="{0A5BCF3B-C4FE-B08E-E475-DA84AD66E994}"/>
-                </a:ext>
-              </a:extLst>
-            </p:cNvPr>
-            <p:cNvSpPr/>
-            <p:nvPr/>
-          </p:nvSpPr>
-          <p:spPr>
-            <a:xfrm>
-              <a:off x="5467728" y="477987"/>
-              <a:ext cx="1008407" cy="640338"/>
-            </a:xfrm>
-            <a:custGeom>
-              <a:avLst/>
-              <a:gdLst>
-                <a:gd name="connsiteX0" fmla="*/ 0 w 1008407"/>
-                <a:gd name="connsiteY0" fmla="*/ 64034 h 640338"/>
-                <a:gd name="connsiteX1" fmla="*/ 64034 w 1008407"/>
-                <a:gd name="connsiteY1" fmla="*/ 0 h 640338"/>
-                <a:gd name="connsiteX2" fmla="*/ 944373 w 1008407"/>
-                <a:gd name="connsiteY2" fmla="*/ 0 h 640338"/>
-                <a:gd name="connsiteX3" fmla="*/ 1008407 w 1008407"/>
-                <a:gd name="connsiteY3" fmla="*/ 64034 h 640338"/>
-                <a:gd name="connsiteX4" fmla="*/ 1008407 w 1008407"/>
-                <a:gd name="connsiteY4" fmla="*/ 576304 h 640338"/>
-                <a:gd name="connsiteX5" fmla="*/ 944373 w 1008407"/>
-                <a:gd name="connsiteY5" fmla="*/ 640338 h 640338"/>
-                <a:gd name="connsiteX6" fmla="*/ 64034 w 1008407"/>
-                <a:gd name="connsiteY6" fmla="*/ 640338 h 640338"/>
-                <a:gd name="connsiteX7" fmla="*/ 0 w 1008407"/>
-                <a:gd name="connsiteY7" fmla="*/ 576304 h 640338"/>
-                <a:gd name="connsiteX8" fmla="*/ 0 w 1008407"/>
-                <a:gd name="connsiteY8" fmla="*/ 64034 h 640338"/>
-              </a:gdLst>
-              <a:ahLst/>
-              <a:cxnLst>
-                <a:cxn ang="0">
-                  <a:pos x="connsiteX0" y="connsiteY0"/>
-                </a:cxn>
-                <a:cxn ang="0">
-                  <a:pos x="connsiteX1" y="connsiteY1"/>
-                </a:cxn>
-                <a:cxn ang="0">
-                  <a:pos x="connsiteX2" y="connsiteY2"/>
-                </a:cxn>
-                <a:cxn ang="0">
-                  <a:pos x="connsiteX3" y="connsiteY3"/>
-                </a:cxn>
-                <a:cxn ang="0">
-                  <a:pos x="connsiteX4" y="connsiteY4"/>
-                </a:cxn>
-                <a:cxn ang="0">
-                  <a:pos x="connsiteX5" y="connsiteY5"/>
-                </a:cxn>
-                <a:cxn ang="0">
-                  <a:pos x="connsiteX6" y="connsiteY6"/>
-                </a:cxn>
-                <a:cxn ang="0">
-                  <a:pos x="connsiteX7" y="connsiteY7"/>
-                </a:cxn>
-                <a:cxn ang="0">
-                  <a:pos x="connsiteX8" y="connsiteY8"/>
-                </a:cxn>
-              </a:cxnLst>
-              <a:rect l="l" t="t" r="r" b="b"/>
-              <a:pathLst>
-                <a:path w="1008407" h="640338">
-                  <a:moveTo>
-                    <a:pt x="0" y="64034"/>
-                  </a:moveTo>
-                  <a:cubicBezTo>
-                    <a:pt x="0" y="28669"/>
-                    <a:pt x="28669" y="0"/>
-                    <a:pt x="64034" y="0"/>
-                  </a:cubicBezTo>
-                  <a:lnTo>
-                    <a:pt x="944373" y="0"/>
-                  </a:lnTo>
-                  <a:cubicBezTo>
-                    <a:pt x="979738" y="0"/>
-                    <a:pt x="1008407" y="28669"/>
-                    <a:pt x="1008407" y="64034"/>
-                  </a:cubicBezTo>
-                  <a:lnTo>
-                    <a:pt x="1008407" y="576304"/>
-                  </a:lnTo>
-                  <a:cubicBezTo>
-                    <a:pt x="1008407" y="611669"/>
-                    <a:pt x="979738" y="640338"/>
-                    <a:pt x="944373" y="640338"/>
-                  </a:cubicBezTo>
-                  <a:lnTo>
-                    <a:pt x="64034" y="640338"/>
-                  </a:lnTo>
-                  <a:cubicBezTo>
-                    <a:pt x="28669" y="640338"/>
-                    <a:pt x="0" y="611669"/>
-                    <a:pt x="0" y="576304"/>
-                  </a:cubicBezTo>
-                  <a:lnTo>
-                    <a:pt x="0" y="64034"/>
-                  </a:lnTo>
-                  <a:close/>
-                </a:path>
-              </a:pathLst>
-            </a:custGeom>
-          </p:spPr>
-          <p:style>
-            <a:lnRef idx="2">
-              <a:schemeClr val="accent1">
-                <a:hueOff val="0"/>
-                <a:satOff val="0"/>
-                <a:lumOff val="0"/>
-                <a:alphaOff val="0"/>
-              </a:schemeClr>
-            </a:lnRef>
-            <a:fillRef idx="1">
-              <a:schemeClr val="lt1">
-                <a:alpha val="90000"/>
-                <a:hueOff val="0"/>
-                <a:satOff val="0"/>
-                <a:lumOff val="0"/>
-                <a:alphaOff val="0"/>
-              </a:schemeClr>
-            </a:fillRef>
-            <a:effectRef idx="0">
-              <a:schemeClr val="lt1">
-                <a:alpha val="90000"/>
-                <a:hueOff val="0"/>
-                <a:satOff val="0"/>
-                <a:lumOff val="0"/>
-                <a:alphaOff val="0"/>
-              </a:schemeClr>
-            </a:effectRef>
-            <a:fontRef idx="minor">
-              <a:schemeClr val="dk1">
-                <a:hueOff val="0"/>
-                <a:satOff val="0"/>
-                <a:lumOff val="0"/>
-                <a:alphaOff val="0"/>
-              </a:schemeClr>
-            </a:fontRef>
-          </p:style>
-          <p:txBody>
-            <a:bodyPr spcFirstLastPara="0" vert="horz" wrap="square" lIns="64475" tIns="64475" rIns="64475" bIns="64475" numCol="1" spcCol="1270" anchor="ctr" anchorCtr="0">
-              <a:noAutofit/>
-            </a:bodyPr>
-            <a:lstStyle/>
-            <a:p>
-              <a:pPr marL="0" lvl="0" indent="0" algn="ctr" defTabSz="533400">
-                <a:lnSpc>
-                  <a:spcPct val="90000"/>
-                </a:lnSpc>
-                <a:spcBef>
-                  <a:spcPct val="0"/>
-                </a:spcBef>
-                <a:spcAft>
-                  <a:spcPct val="35000"/>
-                </a:spcAft>
-                <a:buNone/>
-              </a:pPr>
-              <a:r>
-                <a:rPr lang="en-US" sz="1200" kern="1200" dirty="0"/>
-                <a:t>Plasma Variants</a:t>
-              </a:r>
-            </a:p>
-          </p:txBody>
-        </p:sp>
-        <p:sp>
-          <p:nvSpPr>
-            <p:cNvPr id="32" name="Rounded Rectangle 31">
-              <a:extLst>
-                <a:ext uri="{FF2B5EF4-FFF2-40B4-BE49-F238E27FC236}">
-                  <a16:creationId xmlns:a16="http://schemas.microsoft.com/office/drawing/2014/main" id="{C2A4D51F-6221-1F79-CA7E-C764D934FA5B}"/>
-                </a:ext>
-              </a:extLst>
-            </p:cNvPr>
-            <p:cNvSpPr/>
-            <p:nvPr/>
-          </p:nvSpPr>
-          <p:spPr>
-            <a:xfrm>
-              <a:off x="2582562" y="1305161"/>
-              <a:ext cx="1008407" cy="640338"/>
-            </a:xfrm>
-            <a:prstGeom prst="roundRect">
-              <a:avLst>
-                <a:gd name="adj" fmla="val 10000"/>
-              </a:avLst>
-            </a:prstGeom>
-            <a:solidFill>
-              <a:srgbClr val="00B0F0"/>
-            </a:solidFill>
-          </p:spPr>
-          <p:style>
-            <a:lnRef idx="2">
-              <a:schemeClr val="lt1">
-                <a:hueOff val="0"/>
-                <a:satOff val="0"/>
-                <a:lumOff val="0"/>
-                <a:alphaOff val="0"/>
-              </a:schemeClr>
-            </a:lnRef>
-            <a:fillRef idx="1">
-              <a:scrgbClr r="0" g="0" b="0"/>
-            </a:fillRef>
-            <a:effectRef idx="0">
-              <a:schemeClr val="accent1">
-                <a:hueOff val="0"/>
-                <a:satOff val="0"/>
-                <a:lumOff val="0"/>
-                <a:alphaOff val="0"/>
-              </a:schemeClr>
-            </a:effectRef>
-            <a:fontRef idx="minor">
-              <a:schemeClr val="lt1"/>
-            </a:fontRef>
-          </p:style>
-          <p:txBody>
-            <a:bodyPr/>
-            <a:lstStyle/>
-            <a:p>
-              <a:endParaRPr lang="en-US"/>
-            </a:p>
-          </p:txBody>
-        </p:sp>
-        <p:sp>
-          <p:nvSpPr>
-            <p:cNvPr id="33" name="Freeform 32">
-              <a:extLst>
-                <a:ext uri="{FF2B5EF4-FFF2-40B4-BE49-F238E27FC236}">
-                  <a16:creationId xmlns:a16="http://schemas.microsoft.com/office/drawing/2014/main" id="{F71884EC-8E0C-2AE6-7AA3-EC64BC11059A}"/>
-                </a:ext>
-              </a:extLst>
-            </p:cNvPr>
-            <p:cNvSpPr/>
-            <p:nvPr/>
-          </p:nvSpPr>
-          <p:spPr>
-            <a:xfrm>
-              <a:off x="2694608" y="1411604"/>
-              <a:ext cx="1008407" cy="640338"/>
-            </a:xfrm>
-            <a:custGeom>
-              <a:avLst/>
-              <a:gdLst>
-                <a:gd name="connsiteX0" fmla="*/ 0 w 1008407"/>
-                <a:gd name="connsiteY0" fmla="*/ 64034 h 640338"/>
-                <a:gd name="connsiteX1" fmla="*/ 64034 w 1008407"/>
-                <a:gd name="connsiteY1" fmla="*/ 0 h 640338"/>
-                <a:gd name="connsiteX2" fmla="*/ 944373 w 1008407"/>
-                <a:gd name="connsiteY2" fmla="*/ 0 h 640338"/>
-                <a:gd name="connsiteX3" fmla="*/ 1008407 w 1008407"/>
-                <a:gd name="connsiteY3" fmla="*/ 64034 h 640338"/>
-                <a:gd name="connsiteX4" fmla="*/ 1008407 w 1008407"/>
-                <a:gd name="connsiteY4" fmla="*/ 576304 h 640338"/>
-                <a:gd name="connsiteX5" fmla="*/ 944373 w 1008407"/>
-                <a:gd name="connsiteY5" fmla="*/ 640338 h 640338"/>
-                <a:gd name="connsiteX6" fmla="*/ 64034 w 1008407"/>
-                <a:gd name="connsiteY6" fmla="*/ 640338 h 640338"/>
-                <a:gd name="connsiteX7" fmla="*/ 0 w 1008407"/>
-                <a:gd name="connsiteY7" fmla="*/ 576304 h 640338"/>
-                <a:gd name="connsiteX8" fmla="*/ 0 w 1008407"/>
-                <a:gd name="connsiteY8" fmla="*/ 64034 h 640338"/>
-              </a:gdLst>
-              <a:ahLst/>
-              <a:cxnLst>
-                <a:cxn ang="0">
-                  <a:pos x="connsiteX0" y="connsiteY0"/>
-                </a:cxn>
-                <a:cxn ang="0">
-                  <a:pos x="connsiteX1" y="connsiteY1"/>
-                </a:cxn>
-                <a:cxn ang="0">
-                  <a:pos x="connsiteX2" y="connsiteY2"/>
-                </a:cxn>
-                <a:cxn ang="0">
-                  <a:pos x="connsiteX3" y="connsiteY3"/>
-                </a:cxn>
-                <a:cxn ang="0">
-                  <a:pos x="connsiteX4" y="connsiteY4"/>
-                </a:cxn>
-                <a:cxn ang="0">
-                  <a:pos x="connsiteX5" y="connsiteY5"/>
-                </a:cxn>
-                <a:cxn ang="0">
-                  <a:pos x="connsiteX6" y="connsiteY6"/>
-                </a:cxn>
-                <a:cxn ang="0">
-                  <a:pos x="connsiteX7" y="connsiteY7"/>
-                </a:cxn>
-                <a:cxn ang="0">
-                  <a:pos x="connsiteX8" y="connsiteY8"/>
-                </a:cxn>
-              </a:cxnLst>
-              <a:rect l="l" t="t" r="r" b="b"/>
-              <a:pathLst>
-                <a:path w="1008407" h="640338">
-                  <a:moveTo>
-                    <a:pt x="0" y="64034"/>
-                  </a:moveTo>
-                  <a:cubicBezTo>
-                    <a:pt x="0" y="28669"/>
-                    <a:pt x="28669" y="0"/>
-                    <a:pt x="64034" y="0"/>
-                  </a:cubicBezTo>
-                  <a:lnTo>
-                    <a:pt x="944373" y="0"/>
-                  </a:lnTo>
-                  <a:cubicBezTo>
-                    <a:pt x="979738" y="0"/>
-                    <a:pt x="1008407" y="28669"/>
-                    <a:pt x="1008407" y="64034"/>
-                  </a:cubicBezTo>
-                  <a:lnTo>
-                    <a:pt x="1008407" y="576304"/>
-                  </a:lnTo>
-                  <a:cubicBezTo>
-                    <a:pt x="1008407" y="611669"/>
-                    <a:pt x="979738" y="640338"/>
-                    <a:pt x="944373" y="640338"/>
-                  </a:cubicBezTo>
-                  <a:lnTo>
-                    <a:pt x="64034" y="640338"/>
-                  </a:lnTo>
-                  <a:cubicBezTo>
-                    <a:pt x="28669" y="640338"/>
-                    <a:pt x="0" y="611669"/>
-                    <a:pt x="0" y="576304"/>
-                  </a:cubicBezTo>
-                  <a:lnTo>
-                    <a:pt x="0" y="64034"/>
-                  </a:lnTo>
-                  <a:close/>
-                </a:path>
-              </a:pathLst>
-            </a:custGeom>
-          </p:spPr>
-          <p:style>
-            <a:lnRef idx="2">
-              <a:schemeClr val="accent1">
-                <a:hueOff val="0"/>
-                <a:satOff val="0"/>
-                <a:lumOff val="0"/>
-                <a:alphaOff val="0"/>
-              </a:schemeClr>
-            </a:lnRef>
-            <a:fillRef idx="1">
-              <a:schemeClr val="lt1">
-                <a:alpha val="90000"/>
-                <a:hueOff val="0"/>
-                <a:satOff val="0"/>
-                <a:lumOff val="0"/>
-                <a:alphaOff val="0"/>
-              </a:schemeClr>
-            </a:fillRef>
-            <a:effectRef idx="0">
-              <a:schemeClr val="lt1">
-                <a:alpha val="90000"/>
-                <a:hueOff val="0"/>
-                <a:satOff val="0"/>
-                <a:lumOff val="0"/>
-                <a:alphaOff val="0"/>
-              </a:schemeClr>
-            </a:effectRef>
-            <a:fontRef idx="minor">
-              <a:schemeClr val="dk1">
-                <a:hueOff val="0"/>
-                <a:satOff val="0"/>
-                <a:lumOff val="0"/>
-                <a:alphaOff val="0"/>
-              </a:schemeClr>
-            </a:fontRef>
-          </p:style>
-          <p:txBody>
-            <a:bodyPr spcFirstLastPara="0" vert="horz" wrap="square" lIns="64475" tIns="64475" rIns="64475" bIns="64475" numCol="1" spcCol="1270" anchor="ctr" anchorCtr="0">
-              <a:noAutofit/>
-            </a:bodyPr>
-            <a:lstStyle/>
-            <a:p>
-              <a:pPr marL="0" lvl="0" indent="0" algn="ctr" defTabSz="533400">
-                <a:lnSpc>
-                  <a:spcPct val="90000"/>
-                </a:lnSpc>
-                <a:spcBef>
-                  <a:spcPct val="0"/>
-                </a:spcBef>
-                <a:spcAft>
-                  <a:spcPct val="35000"/>
-                </a:spcAft>
-                <a:buNone/>
-              </a:pPr>
-              <a:r>
-                <a:rPr lang="en-US" b="1" kern="1200" dirty="0"/>
-                <a:t>Tumor</a:t>
-              </a:r>
-            </a:p>
-          </p:txBody>
-        </p:sp>
-        <p:sp>
-          <p:nvSpPr>
-            <p:cNvPr id="34" name="Rounded Rectangle 33">
-              <a:extLst>
-                <a:ext uri="{FF2B5EF4-FFF2-40B4-BE49-F238E27FC236}">
-                  <a16:creationId xmlns:a16="http://schemas.microsoft.com/office/drawing/2014/main" id="{071D40DD-98C0-6277-61EB-FF80B264A5DA}"/>
-                </a:ext>
-              </a:extLst>
-            </p:cNvPr>
-            <p:cNvSpPr/>
-            <p:nvPr/>
-          </p:nvSpPr>
-          <p:spPr>
-            <a:xfrm>
-              <a:off x="2582562" y="2238779"/>
-              <a:ext cx="1008407" cy="640338"/>
-            </a:xfrm>
-            <a:prstGeom prst="roundRect">
-              <a:avLst>
-                <a:gd name="adj" fmla="val 10000"/>
-              </a:avLst>
-            </a:prstGeom>
-            <a:solidFill>
-              <a:srgbClr val="00B0F0"/>
-            </a:solidFill>
-          </p:spPr>
-          <p:style>
-            <a:lnRef idx="2">
-              <a:schemeClr val="lt1">
-                <a:hueOff val="0"/>
-                <a:satOff val="0"/>
-                <a:lumOff val="0"/>
-                <a:alphaOff val="0"/>
-              </a:schemeClr>
-            </a:lnRef>
-            <a:fillRef idx="1">
-              <a:scrgbClr r="0" g="0" b="0"/>
-            </a:fillRef>
-            <a:effectRef idx="0">
-              <a:schemeClr val="accent1">
-                <a:hueOff val="0"/>
-                <a:satOff val="0"/>
-                <a:lumOff val="0"/>
-                <a:alphaOff val="0"/>
-              </a:schemeClr>
-            </a:effectRef>
-            <a:fontRef idx="minor">
-              <a:schemeClr val="lt1"/>
-            </a:fontRef>
-          </p:style>
-          <p:txBody>
-            <a:bodyPr/>
-            <a:lstStyle/>
-            <a:p>
-              <a:endParaRPr lang="en-US"/>
-            </a:p>
-          </p:txBody>
-        </p:sp>
-        <p:sp>
-          <p:nvSpPr>
-            <p:cNvPr id="35" name="Freeform 34">
-              <a:extLst>
-                <a:ext uri="{FF2B5EF4-FFF2-40B4-BE49-F238E27FC236}">
-                  <a16:creationId xmlns:a16="http://schemas.microsoft.com/office/drawing/2014/main" id="{A3318067-062C-9B9F-B32D-1E1318C68348}"/>
-                </a:ext>
-              </a:extLst>
-            </p:cNvPr>
-            <p:cNvSpPr/>
-            <p:nvPr/>
-          </p:nvSpPr>
-          <p:spPr>
-            <a:xfrm>
-              <a:off x="2694608" y="2345222"/>
-              <a:ext cx="1008407" cy="640338"/>
-            </a:xfrm>
-            <a:custGeom>
-              <a:avLst/>
-              <a:gdLst>
-                <a:gd name="connsiteX0" fmla="*/ 0 w 1008407"/>
-                <a:gd name="connsiteY0" fmla="*/ 64034 h 640338"/>
-                <a:gd name="connsiteX1" fmla="*/ 64034 w 1008407"/>
-                <a:gd name="connsiteY1" fmla="*/ 0 h 640338"/>
-                <a:gd name="connsiteX2" fmla="*/ 944373 w 1008407"/>
-                <a:gd name="connsiteY2" fmla="*/ 0 h 640338"/>
-                <a:gd name="connsiteX3" fmla="*/ 1008407 w 1008407"/>
-                <a:gd name="connsiteY3" fmla="*/ 64034 h 640338"/>
-                <a:gd name="connsiteX4" fmla="*/ 1008407 w 1008407"/>
-                <a:gd name="connsiteY4" fmla="*/ 576304 h 640338"/>
-                <a:gd name="connsiteX5" fmla="*/ 944373 w 1008407"/>
-                <a:gd name="connsiteY5" fmla="*/ 640338 h 640338"/>
-                <a:gd name="connsiteX6" fmla="*/ 64034 w 1008407"/>
-                <a:gd name="connsiteY6" fmla="*/ 640338 h 640338"/>
-                <a:gd name="connsiteX7" fmla="*/ 0 w 1008407"/>
-                <a:gd name="connsiteY7" fmla="*/ 576304 h 640338"/>
-                <a:gd name="connsiteX8" fmla="*/ 0 w 1008407"/>
-                <a:gd name="connsiteY8" fmla="*/ 64034 h 640338"/>
-              </a:gdLst>
-              <a:ahLst/>
-              <a:cxnLst>
-                <a:cxn ang="0">
-                  <a:pos x="connsiteX0" y="connsiteY0"/>
-                </a:cxn>
-                <a:cxn ang="0">
-                  <a:pos x="connsiteX1" y="connsiteY1"/>
-                </a:cxn>
-                <a:cxn ang="0">
-                  <a:pos x="connsiteX2" y="connsiteY2"/>
-                </a:cxn>
-                <a:cxn ang="0">
-                  <a:pos x="connsiteX3" y="connsiteY3"/>
-                </a:cxn>
-                <a:cxn ang="0">
-                  <a:pos x="connsiteX4" y="connsiteY4"/>
-                </a:cxn>
-                <a:cxn ang="0">
-                  <a:pos x="connsiteX5" y="connsiteY5"/>
-                </a:cxn>
-                <a:cxn ang="0">
-                  <a:pos x="connsiteX6" y="connsiteY6"/>
-                </a:cxn>
-                <a:cxn ang="0">
-                  <a:pos x="connsiteX7" y="connsiteY7"/>
-                </a:cxn>
-                <a:cxn ang="0">
-                  <a:pos x="connsiteX8" y="connsiteY8"/>
-                </a:cxn>
-              </a:cxnLst>
-              <a:rect l="l" t="t" r="r" b="b"/>
-              <a:pathLst>
-                <a:path w="1008407" h="640338">
-                  <a:moveTo>
-                    <a:pt x="0" y="64034"/>
-                  </a:moveTo>
-                  <a:cubicBezTo>
-                    <a:pt x="0" y="28669"/>
-                    <a:pt x="28669" y="0"/>
-                    <a:pt x="64034" y="0"/>
-                  </a:cubicBezTo>
-                  <a:lnTo>
-                    <a:pt x="944373" y="0"/>
-                  </a:lnTo>
-                  <a:cubicBezTo>
-                    <a:pt x="979738" y="0"/>
-                    <a:pt x="1008407" y="28669"/>
-                    <a:pt x="1008407" y="64034"/>
-                  </a:cubicBezTo>
-                  <a:lnTo>
-                    <a:pt x="1008407" y="576304"/>
-                  </a:lnTo>
-                  <a:cubicBezTo>
-                    <a:pt x="1008407" y="611669"/>
-                    <a:pt x="979738" y="640338"/>
-                    <a:pt x="944373" y="640338"/>
-                  </a:cubicBezTo>
-                  <a:lnTo>
-                    <a:pt x="64034" y="640338"/>
-                  </a:lnTo>
-                  <a:cubicBezTo>
-                    <a:pt x="28669" y="640338"/>
-                    <a:pt x="0" y="611669"/>
-                    <a:pt x="0" y="576304"/>
-                  </a:cubicBezTo>
-                  <a:lnTo>
-                    <a:pt x="0" y="64034"/>
-                  </a:lnTo>
-                  <a:close/>
-                </a:path>
-              </a:pathLst>
-            </a:custGeom>
-          </p:spPr>
-          <p:style>
-            <a:lnRef idx="2">
-              <a:schemeClr val="accent1">
-                <a:hueOff val="0"/>
-                <a:satOff val="0"/>
-                <a:lumOff val="0"/>
-                <a:alphaOff val="0"/>
-              </a:schemeClr>
-            </a:lnRef>
-            <a:fillRef idx="1">
-              <a:schemeClr val="lt1">
-                <a:alpha val="90000"/>
-                <a:hueOff val="0"/>
-                <a:satOff val="0"/>
-                <a:lumOff val="0"/>
-                <a:alphaOff val="0"/>
-              </a:schemeClr>
-            </a:fillRef>
-            <a:effectRef idx="0">
-              <a:schemeClr val="lt1">
-                <a:alpha val="90000"/>
-                <a:hueOff val="0"/>
-                <a:satOff val="0"/>
-                <a:lumOff val="0"/>
-                <a:alphaOff val="0"/>
-              </a:schemeClr>
-            </a:effectRef>
-            <a:fontRef idx="minor">
-              <a:schemeClr val="dk1">
-                <a:hueOff val="0"/>
-                <a:satOff val="0"/>
-                <a:lumOff val="0"/>
-                <a:alphaOff val="0"/>
-              </a:schemeClr>
-            </a:fontRef>
-          </p:style>
-          <p:txBody>
-            <a:bodyPr spcFirstLastPara="0" vert="horz" wrap="square" lIns="64475" tIns="64475" rIns="64475" bIns="64475" numCol="1" spcCol="1270" anchor="ctr" anchorCtr="0">
-              <a:noAutofit/>
-            </a:bodyPr>
-            <a:lstStyle/>
-            <a:p>
-              <a:pPr marL="0" lvl="0" indent="0" algn="ctr" defTabSz="533400">
-                <a:lnSpc>
-                  <a:spcPct val="90000"/>
-                </a:lnSpc>
-                <a:spcBef>
-                  <a:spcPct val="0"/>
-                </a:spcBef>
-                <a:spcAft>
-                  <a:spcPct val="35000"/>
-                </a:spcAft>
-                <a:buNone/>
-              </a:pPr>
-              <a:r>
-                <a:rPr lang="en-US" sz="1200" kern="1200" dirty="0"/>
-                <a:t>1 ≤ WBC Fragment</a:t>
-              </a:r>
-            </a:p>
-          </p:txBody>
-        </p:sp>
-        <p:sp>
-          <p:nvSpPr>
-            <p:cNvPr id="36" name="Rounded Rectangle 35">
-              <a:extLst>
-                <a:ext uri="{FF2B5EF4-FFF2-40B4-BE49-F238E27FC236}">
-                  <a16:creationId xmlns:a16="http://schemas.microsoft.com/office/drawing/2014/main" id="{5E62B631-9944-F469-7514-D10585D45BF1}"/>
-                </a:ext>
-              </a:extLst>
-            </p:cNvPr>
-            <p:cNvSpPr/>
-            <p:nvPr/>
-          </p:nvSpPr>
-          <p:spPr>
-            <a:xfrm>
-              <a:off x="2582562" y="3172396"/>
-              <a:ext cx="1008407" cy="640338"/>
-            </a:xfrm>
-            <a:prstGeom prst="roundRect">
-              <a:avLst>
-                <a:gd name="adj" fmla="val 10000"/>
-              </a:avLst>
-            </a:prstGeom>
-            <a:solidFill>
-              <a:srgbClr val="00B0F0"/>
-            </a:solidFill>
-          </p:spPr>
-          <p:style>
-            <a:lnRef idx="2">
-              <a:schemeClr val="lt1">
-                <a:hueOff val="0"/>
-                <a:satOff val="0"/>
-                <a:lumOff val="0"/>
-                <a:alphaOff val="0"/>
-              </a:schemeClr>
-            </a:lnRef>
-            <a:fillRef idx="1">
-              <a:scrgbClr r="0" g="0" b="0"/>
-            </a:fillRef>
-            <a:effectRef idx="0">
-              <a:schemeClr val="accent1">
-                <a:hueOff val="0"/>
-                <a:satOff val="0"/>
-                <a:lumOff val="0"/>
-                <a:alphaOff val="0"/>
-              </a:schemeClr>
-            </a:effectRef>
-            <a:fontRef idx="minor">
-              <a:schemeClr val="lt1"/>
-            </a:fontRef>
-          </p:style>
-          <p:txBody>
-            <a:bodyPr/>
-            <a:lstStyle/>
-            <a:p>
-              <a:endParaRPr lang="en-US" dirty="0"/>
-            </a:p>
-          </p:txBody>
-        </p:sp>
-        <p:sp>
-          <p:nvSpPr>
-            <p:cNvPr id="37" name="Freeform 36">
-              <a:extLst>
-                <a:ext uri="{FF2B5EF4-FFF2-40B4-BE49-F238E27FC236}">
-                  <a16:creationId xmlns:a16="http://schemas.microsoft.com/office/drawing/2014/main" id="{22D69C8C-51DA-CBE3-C627-8EEE68525BC9}"/>
-                </a:ext>
-              </a:extLst>
-            </p:cNvPr>
-            <p:cNvSpPr/>
-            <p:nvPr/>
-          </p:nvSpPr>
-          <p:spPr>
-            <a:xfrm>
-              <a:off x="2694608" y="3278839"/>
-              <a:ext cx="1008407" cy="640338"/>
-            </a:xfrm>
-            <a:custGeom>
-              <a:avLst/>
-              <a:gdLst>
-                <a:gd name="connsiteX0" fmla="*/ 0 w 1008407"/>
-                <a:gd name="connsiteY0" fmla="*/ 64034 h 640338"/>
-                <a:gd name="connsiteX1" fmla="*/ 64034 w 1008407"/>
-                <a:gd name="connsiteY1" fmla="*/ 0 h 640338"/>
-                <a:gd name="connsiteX2" fmla="*/ 944373 w 1008407"/>
-                <a:gd name="connsiteY2" fmla="*/ 0 h 640338"/>
-                <a:gd name="connsiteX3" fmla="*/ 1008407 w 1008407"/>
-                <a:gd name="connsiteY3" fmla="*/ 64034 h 640338"/>
-                <a:gd name="connsiteX4" fmla="*/ 1008407 w 1008407"/>
-                <a:gd name="connsiteY4" fmla="*/ 576304 h 640338"/>
-                <a:gd name="connsiteX5" fmla="*/ 944373 w 1008407"/>
-                <a:gd name="connsiteY5" fmla="*/ 640338 h 640338"/>
-                <a:gd name="connsiteX6" fmla="*/ 64034 w 1008407"/>
-                <a:gd name="connsiteY6" fmla="*/ 640338 h 640338"/>
-                <a:gd name="connsiteX7" fmla="*/ 0 w 1008407"/>
-                <a:gd name="connsiteY7" fmla="*/ 576304 h 640338"/>
-                <a:gd name="connsiteX8" fmla="*/ 0 w 1008407"/>
-                <a:gd name="connsiteY8" fmla="*/ 64034 h 640338"/>
-              </a:gdLst>
-              <a:ahLst/>
-              <a:cxnLst>
-                <a:cxn ang="0">
-                  <a:pos x="connsiteX0" y="connsiteY0"/>
-                </a:cxn>
-                <a:cxn ang="0">
-                  <a:pos x="connsiteX1" y="connsiteY1"/>
-                </a:cxn>
-                <a:cxn ang="0">
-                  <a:pos x="connsiteX2" y="connsiteY2"/>
-                </a:cxn>
-                <a:cxn ang="0">
-                  <a:pos x="connsiteX3" y="connsiteY3"/>
-                </a:cxn>
-                <a:cxn ang="0">
-                  <a:pos x="connsiteX4" y="connsiteY4"/>
-                </a:cxn>
-                <a:cxn ang="0">
-                  <a:pos x="connsiteX5" y="connsiteY5"/>
-                </a:cxn>
-                <a:cxn ang="0">
-                  <a:pos x="connsiteX6" y="connsiteY6"/>
-                </a:cxn>
-                <a:cxn ang="0">
-                  <a:pos x="connsiteX7" y="connsiteY7"/>
-                </a:cxn>
-                <a:cxn ang="0">
-                  <a:pos x="connsiteX8" y="connsiteY8"/>
-                </a:cxn>
-              </a:cxnLst>
-              <a:rect l="l" t="t" r="r" b="b"/>
-              <a:pathLst>
-                <a:path w="1008407" h="640338">
-                  <a:moveTo>
-                    <a:pt x="0" y="64034"/>
-                  </a:moveTo>
-                  <a:cubicBezTo>
-                    <a:pt x="0" y="28669"/>
-                    <a:pt x="28669" y="0"/>
-                    <a:pt x="64034" y="0"/>
-                  </a:cubicBezTo>
-                  <a:lnTo>
-                    <a:pt x="944373" y="0"/>
-                  </a:lnTo>
-                  <a:cubicBezTo>
-                    <a:pt x="979738" y="0"/>
-                    <a:pt x="1008407" y="28669"/>
-                    <a:pt x="1008407" y="64034"/>
-                  </a:cubicBezTo>
-                  <a:lnTo>
-                    <a:pt x="1008407" y="576304"/>
-                  </a:lnTo>
-                  <a:cubicBezTo>
-                    <a:pt x="1008407" y="611669"/>
-                    <a:pt x="979738" y="640338"/>
-                    <a:pt x="944373" y="640338"/>
-                  </a:cubicBezTo>
-                  <a:lnTo>
-                    <a:pt x="64034" y="640338"/>
-                  </a:lnTo>
-                  <a:cubicBezTo>
-                    <a:pt x="28669" y="640338"/>
-                    <a:pt x="0" y="611669"/>
-                    <a:pt x="0" y="576304"/>
-                  </a:cubicBezTo>
-                  <a:lnTo>
-                    <a:pt x="0" y="64034"/>
-                  </a:lnTo>
-                  <a:close/>
-                </a:path>
-              </a:pathLst>
-            </a:custGeom>
-            <a:solidFill>
-              <a:schemeClr val="bg1">
-                <a:alpha val="90000"/>
-              </a:schemeClr>
-            </a:solidFill>
-            <a:ln>
-              <a:solidFill>
-                <a:schemeClr val="accent1"/>
-              </a:solidFill>
-              <a:extLst>
-                <a:ext uri="{C807C97D-BFC1-408E-A445-0C87EB9F89A2}">
-                  <ask:lineSketchStyleProps xmlns:ask="http://schemas.microsoft.com/office/drawing/2018/sketchyshapes" sd="1219033472">
-                    <a:custGeom>
-                      <a:avLst/>
-                      <a:gdLst>
-                        <a:gd name="connsiteX0" fmla="*/ 0 w 1008407"/>
-                        <a:gd name="connsiteY0" fmla="*/ 64034 h 640338"/>
-                        <a:gd name="connsiteX1" fmla="*/ 64034 w 1008407"/>
-                        <a:gd name="connsiteY1" fmla="*/ 0 h 640338"/>
-                        <a:gd name="connsiteX2" fmla="*/ 944373 w 1008407"/>
-                        <a:gd name="connsiteY2" fmla="*/ 0 h 640338"/>
-                        <a:gd name="connsiteX3" fmla="*/ 1008407 w 1008407"/>
-                        <a:gd name="connsiteY3" fmla="*/ 64034 h 640338"/>
-                        <a:gd name="connsiteX4" fmla="*/ 1008407 w 1008407"/>
-                        <a:gd name="connsiteY4" fmla="*/ 576304 h 640338"/>
-                        <a:gd name="connsiteX5" fmla="*/ 944373 w 1008407"/>
-                        <a:gd name="connsiteY5" fmla="*/ 640338 h 640338"/>
-                        <a:gd name="connsiteX6" fmla="*/ 64034 w 1008407"/>
-                        <a:gd name="connsiteY6" fmla="*/ 640338 h 640338"/>
-                        <a:gd name="connsiteX7" fmla="*/ 0 w 1008407"/>
-                        <a:gd name="connsiteY7" fmla="*/ 576304 h 640338"/>
-                        <a:gd name="connsiteX8" fmla="*/ 0 w 1008407"/>
-                        <a:gd name="connsiteY8" fmla="*/ 64034 h 640338"/>
-                      </a:gdLst>
-                      <a:ahLst/>
-                      <a:cxnLst>
-                        <a:cxn ang="0">
-                          <a:pos x="connsiteX0" y="connsiteY0"/>
-                        </a:cxn>
-                        <a:cxn ang="0">
-                          <a:pos x="connsiteX1" y="connsiteY1"/>
-                        </a:cxn>
-                        <a:cxn ang="0">
-                          <a:pos x="connsiteX2" y="connsiteY2"/>
-                        </a:cxn>
-                        <a:cxn ang="0">
-                          <a:pos x="connsiteX3" y="connsiteY3"/>
-                        </a:cxn>
-                        <a:cxn ang="0">
-                          <a:pos x="connsiteX4" y="connsiteY4"/>
-                        </a:cxn>
-                        <a:cxn ang="0">
-                          <a:pos x="connsiteX5" y="connsiteY5"/>
-                        </a:cxn>
-                        <a:cxn ang="0">
-                          <a:pos x="connsiteX6" y="connsiteY6"/>
-                        </a:cxn>
-                        <a:cxn ang="0">
-                          <a:pos x="connsiteX7" y="connsiteY7"/>
-                        </a:cxn>
-                        <a:cxn ang="0">
-                          <a:pos x="connsiteX8" y="connsiteY8"/>
-                        </a:cxn>
-                      </a:cxnLst>
-                      <a:rect l="l" t="t" r="r" b="b"/>
-                      <a:pathLst>
-                        <a:path w="1008407" h="640338" fill="none" extrusionOk="0">
-                          <a:moveTo>
-                            <a:pt x="0" y="64034"/>
-                          </a:moveTo>
-                          <a:cubicBezTo>
-                            <a:pt x="-5078" y="27848"/>
-                            <a:pt x="31185" y="2058"/>
-                            <a:pt x="64034" y="0"/>
-                          </a:cubicBezTo>
-                          <a:cubicBezTo>
-                            <a:pt x="238725" y="-44125"/>
-                            <a:pt x="640434" y="-45908"/>
-                            <a:pt x="944373" y="0"/>
-                          </a:cubicBezTo>
-                          <a:cubicBezTo>
-                            <a:pt x="983491" y="5781"/>
-                            <a:pt x="1009049" y="29455"/>
-                            <a:pt x="1008407" y="64034"/>
-                          </a:cubicBezTo>
-                          <a:cubicBezTo>
-                            <a:pt x="1018419" y="174111"/>
-                            <a:pt x="985858" y="451185"/>
-                            <a:pt x="1008407" y="576304"/>
-                          </a:cubicBezTo>
-                          <a:cubicBezTo>
-                            <a:pt x="1003253" y="612515"/>
-                            <a:pt x="974881" y="636987"/>
-                            <a:pt x="944373" y="640338"/>
-                          </a:cubicBezTo>
-                          <a:cubicBezTo>
-                            <a:pt x="685348" y="636637"/>
-                            <a:pt x="329068" y="634889"/>
-                            <a:pt x="64034" y="640338"/>
-                          </a:cubicBezTo>
-                          <a:cubicBezTo>
-                            <a:pt x="28945" y="636606"/>
-                            <a:pt x="-3932" y="613965"/>
-                            <a:pt x="0" y="576304"/>
-                          </a:cubicBezTo>
-                          <a:cubicBezTo>
-                            <a:pt x="2955" y="439232"/>
-                            <a:pt x="-17376" y="199154"/>
-                            <a:pt x="0" y="64034"/>
-                          </a:cubicBezTo>
-                          <a:close/>
-                        </a:path>
-                        <a:path w="1008407" h="640338" stroke="0" extrusionOk="0">
-                          <a:moveTo>
-                            <a:pt x="0" y="64034"/>
-                          </a:moveTo>
-                          <a:cubicBezTo>
-                            <a:pt x="-2068" y="27393"/>
-                            <a:pt x="27903" y="287"/>
-                            <a:pt x="64034" y="0"/>
-                          </a:cubicBezTo>
-                          <a:cubicBezTo>
-                            <a:pt x="295103" y="61331"/>
-                            <a:pt x="798189" y="-30827"/>
-                            <a:pt x="944373" y="0"/>
-                          </a:cubicBezTo>
-                          <a:cubicBezTo>
-                            <a:pt x="976103" y="3549"/>
-                            <a:pt x="1008160" y="30036"/>
-                            <a:pt x="1008407" y="64034"/>
-                          </a:cubicBezTo>
-                          <a:cubicBezTo>
-                            <a:pt x="968687" y="205808"/>
-                            <a:pt x="979445" y="416546"/>
-                            <a:pt x="1008407" y="576304"/>
-                          </a:cubicBezTo>
-                          <a:cubicBezTo>
-                            <a:pt x="1010424" y="611908"/>
-                            <a:pt x="981766" y="636165"/>
-                            <a:pt x="944373" y="640338"/>
-                          </a:cubicBezTo>
-                          <a:cubicBezTo>
-                            <a:pt x="536832" y="682777"/>
-                            <a:pt x="498811" y="610302"/>
-                            <a:pt x="64034" y="640338"/>
-                          </a:cubicBezTo>
-                          <a:cubicBezTo>
-                            <a:pt x="28560" y="639300"/>
-                            <a:pt x="-348" y="612152"/>
-                            <a:pt x="0" y="576304"/>
-                          </a:cubicBezTo>
-                          <a:cubicBezTo>
-                            <a:pt x="21068" y="326317"/>
-                            <a:pt x="1125" y="303666"/>
-                            <a:pt x="0" y="64034"/>
-                          </a:cubicBezTo>
-                          <a:close/>
-                        </a:path>
-                      </a:pathLst>
-                    </a:custGeom>
-                    <ask:type>
-                      <ask:lineSketchNone/>
-                    </ask:type>
-                  </ask:lineSketchStyleProps>
-                </a:ext>
-              </a:extLst>
-            </a:ln>
-          </p:spPr>
-          <p:style>
-            <a:lnRef idx="2">
-              <a:scrgbClr r="0" g="0" b="0"/>
-            </a:lnRef>
-            <a:fillRef idx="1">
-              <a:schemeClr val="lt1">
-                <a:alpha val="90000"/>
-                <a:hueOff val="0"/>
-                <a:satOff val="0"/>
-                <a:lumOff val="0"/>
-                <a:alphaOff val="0"/>
-              </a:schemeClr>
-            </a:fillRef>
-            <a:effectRef idx="0">
-              <a:schemeClr val="lt1">
-                <a:alpha val="90000"/>
-                <a:hueOff val="0"/>
-                <a:satOff val="0"/>
-                <a:lumOff val="0"/>
-                <a:alphaOff val="0"/>
-              </a:schemeClr>
-            </a:effectRef>
-            <a:fontRef idx="minor">
-              <a:schemeClr val="dk1">
-                <a:hueOff val="0"/>
-                <a:satOff val="0"/>
-                <a:lumOff val="0"/>
-                <a:alphaOff val="0"/>
-              </a:schemeClr>
-            </a:fontRef>
-          </p:style>
-          <p:txBody>
-            <a:bodyPr spcFirstLastPara="0" vert="horz" wrap="square" lIns="64475" tIns="64475" rIns="64475" bIns="64475" numCol="1" spcCol="1270" anchor="ctr" anchorCtr="0">
-              <a:noAutofit/>
-            </a:bodyPr>
-            <a:lstStyle/>
-            <a:p>
-              <a:pPr marL="0" lvl="0" indent="0" algn="ctr" defTabSz="533400">
-                <a:lnSpc>
-                  <a:spcPct val="90000"/>
-                </a:lnSpc>
-                <a:spcBef>
-                  <a:spcPct val="0"/>
-                </a:spcBef>
-                <a:spcAft>
-                  <a:spcPct val="35000"/>
-                </a:spcAft>
-                <a:buNone/>
-              </a:pPr>
-              <a:r>
-                <a:rPr lang="en-US" sz="1200" b="1" kern="1200" dirty="0"/>
-                <a:t>Tumor Derived</a:t>
-              </a:r>
-            </a:p>
-          </p:txBody>
-        </p:sp>
-        <p:sp>
-          <p:nvSpPr>
-            <p:cNvPr id="38" name="Rounded Rectangle 37">
-              <a:extLst>
-                <a:ext uri="{FF2B5EF4-FFF2-40B4-BE49-F238E27FC236}">
-                  <a16:creationId xmlns:a16="http://schemas.microsoft.com/office/drawing/2014/main" id="{516777C3-EF7B-5C11-CA0D-B8F1FBF1536D}"/>
-                </a:ext>
-              </a:extLst>
-            </p:cNvPr>
-            <p:cNvSpPr/>
-            <p:nvPr/>
-          </p:nvSpPr>
-          <p:spPr>
-            <a:xfrm>
-              <a:off x="4739434" y="1305161"/>
-              <a:ext cx="1008407" cy="640338"/>
-            </a:xfrm>
-            <a:prstGeom prst="roundRect">
-              <a:avLst>
-                <a:gd name="adj" fmla="val 10000"/>
-              </a:avLst>
-            </a:prstGeom>
-            <a:solidFill>
-              <a:srgbClr val="00B050"/>
-            </a:solidFill>
-          </p:spPr>
-          <p:style>
-            <a:lnRef idx="2">
-              <a:schemeClr val="lt1">
-                <a:hueOff val="0"/>
-                <a:satOff val="0"/>
-                <a:lumOff val="0"/>
-                <a:alphaOff val="0"/>
-              </a:schemeClr>
-            </a:lnRef>
-            <a:fillRef idx="1">
-              <a:scrgbClr r="0" g="0" b="0"/>
-            </a:fillRef>
-            <a:effectRef idx="0">
-              <a:schemeClr val="accent1">
-                <a:hueOff val="0"/>
-                <a:satOff val="0"/>
-                <a:lumOff val="0"/>
-                <a:alphaOff val="0"/>
-              </a:schemeClr>
-            </a:effectRef>
-            <a:fontRef idx="minor">
-              <a:schemeClr val="lt1"/>
-            </a:fontRef>
-          </p:style>
-          <p:txBody>
-            <a:bodyPr/>
-            <a:lstStyle/>
-            <a:p>
-              <a:endParaRPr lang="en-US"/>
-            </a:p>
-          </p:txBody>
-        </p:sp>
-        <p:sp>
-          <p:nvSpPr>
-            <p:cNvPr id="39" name="Freeform 38">
-              <a:extLst>
-                <a:ext uri="{FF2B5EF4-FFF2-40B4-BE49-F238E27FC236}">
-                  <a16:creationId xmlns:a16="http://schemas.microsoft.com/office/drawing/2014/main" id="{0A02B983-D5D2-33FB-1C69-5E44964C3FBA}"/>
-                </a:ext>
-              </a:extLst>
-            </p:cNvPr>
-            <p:cNvSpPr/>
-            <p:nvPr/>
-          </p:nvSpPr>
-          <p:spPr>
-            <a:xfrm>
-              <a:off x="4851479" y="1411604"/>
-              <a:ext cx="1008407" cy="640338"/>
-            </a:xfrm>
-            <a:custGeom>
-              <a:avLst/>
-              <a:gdLst>
-                <a:gd name="connsiteX0" fmla="*/ 0 w 1008407"/>
-                <a:gd name="connsiteY0" fmla="*/ 64034 h 640338"/>
-                <a:gd name="connsiteX1" fmla="*/ 64034 w 1008407"/>
-                <a:gd name="connsiteY1" fmla="*/ 0 h 640338"/>
-                <a:gd name="connsiteX2" fmla="*/ 944373 w 1008407"/>
-                <a:gd name="connsiteY2" fmla="*/ 0 h 640338"/>
-                <a:gd name="connsiteX3" fmla="*/ 1008407 w 1008407"/>
-                <a:gd name="connsiteY3" fmla="*/ 64034 h 640338"/>
-                <a:gd name="connsiteX4" fmla="*/ 1008407 w 1008407"/>
-                <a:gd name="connsiteY4" fmla="*/ 576304 h 640338"/>
-                <a:gd name="connsiteX5" fmla="*/ 944373 w 1008407"/>
-                <a:gd name="connsiteY5" fmla="*/ 640338 h 640338"/>
-                <a:gd name="connsiteX6" fmla="*/ 64034 w 1008407"/>
-                <a:gd name="connsiteY6" fmla="*/ 640338 h 640338"/>
-                <a:gd name="connsiteX7" fmla="*/ 0 w 1008407"/>
-                <a:gd name="connsiteY7" fmla="*/ 576304 h 640338"/>
-                <a:gd name="connsiteX8" fmla="*/ 0 w 1008407"/>
-                <a:gd name="connsiteY8" fmla="*/ 64034 h 640338"/>
-              </a:gdLst>
-              <a:ahLst/>
-              <a:cxnLst>
-                <a:cxn ang="0">
-                  <a:pos x="connsiteX0" y="connsiteY0"/>
-                </a:cxn>
-                <a:cxn ang="0">
-                  <a:pos x="connsiteX1" y="connsiteY1"/>
-                </a:cxn>
-                <a:cxn ang="0">
-                  <a:pos x="connsiteX2" y="connsiteY2"/>
-                </a:cxn>
-                <a:cxn ang="0">
-                  <a:pos x="connsiteX3" y="connsiteY3"/>
-                </a:cxn>
-                <a:cxn ang="0">
-                  <a:pos x="connsiteX4" y="connsiteY4"/>
-                </a:cxn>
-                <a:cxn ang="0">
-                  <a:pos x="connsiteX5" y="connsiteY5"/>
-                </a:cxn>
-                <a:cxn ang="0">
-                  <a:pos x="connsiteX6" y="connsiteY6"/>
-                </a:cxn>
-                <a:cxn ang="0">
-                  <a:pos x="connsiteX7" y="connsiteY7"/>
-                </a:cxn>
-                <a:cxn ang="0">
-                  <a:pos x="connsiteX8" y="connsiteY8"/>
-                </a:cxn>
-              </a:cxnLst>
-              <a:rect l="l" t="t" r="r" b="b"/>
-              <a:pathLst>
-                <a:path w="1008407" h="640338">
-                  <a:moveTo>
-                    <a:pt x="0" y="64034"/>
-                  </a:moveTo>
-                  <a:cubicBezTo>
-                    <a:pt x="0" y="28669"/>
-                    <a:pt x="28669" y="0"/>
-                    <a:pt x="64034" y="0"/>
-                  </a:cubicBezTo>
-                  <a:lnTo>
-                    <a:pt x="944373" y="0"/>
-                  </a:lnTo>
-                  <a:cubicBezTo>
-                    <a:pt x="979738" y="0"/>
-                    <a:pt x="1008407" y="28669"/>
-                    <a:pt x="1008407" y="64034"/>
-                  </a:cubicBezTo>
-                  <a:lnTo>
-                    <a:pt x="1008407" y="576304"/>
-                  </a:lnTo>
-                  <a:cubicBezTo>
-                    <a:pt x="1008407" y="611669"/>
-                    <a:pt x="979738" y="640338"/>
-                    <a:pt x="944373" y="640338"/>
-                  </a:cubicBezTo>
-                  <a:lnTo>
-                    <a:pt x="64034" y="640338"/>
-                  </a:lnTo>
-                  <a:cubicBezTo>
-                    <a:pt x="28669" y="640338"/>
-                    <a:pt x="0" y="611669"/>
-                    <a:pt x="0" y="576304"/>
-                  </a:cubicBezTo>
-                  <a:lnTo>
-                    <a:pt x="0" y="64034"/>
-                  </a:lnTo>
-                  <a:close/>
-                </a:path>
-              </a:pathLst>
-            </a:custGeom>
-          </p:spPr>
-          <p:style>
-            <a:lnRef idx="2">
-              <a:schemeClr val="accent1">
-                <a:hueOff val="0"/>
-                <a:satOff val="0"/>
-                <a:lumOff val="0"/>
-                <a:alphaOff val="0"/>
-              </a:schemeClr>
-            </a:lnRef>
-            <a:fillRef idx="1">
-              <a:schemeClr val="lt1">
-                <a:alpha val="90000"/>
-                <a:hueOff val="0"/>
-                <a:satOff val="0"/>
-                <a:lumOff val="0"/>
-                <a:alphaOff val="0"/>
-              </a:schemeClr>
-            </a:fillRef>
-            <a:effectRef idx="0">
-              <a:schemeClr val="lt1">
-                <a:alpha val="90000"/>
-                <a:hueOff val="0"/>
-                <a:satOff val="0"/>
-                <a:lumOff val="0"/>
-                <a:alphaOff val="0"/>
-              </a:schemeClr>
-            </a:effectRef>
-            <a:fontRef idx="minor">
-              <a:schemeClr val="dk1">
-                <a:hueOff val="0"/>
-                <a:satOff val="0"/>
-                <a:lumOff val="0"/>
-                <a:alphaOff val="0"/>
-              </a:schemeClr>
-            </a:fontRef>
-          </p:style>
-          <p:txBody>
-            <a:bodyPr spcFirstLastPara="0" vert="horz" wrap="square" lIns="64475" tIns="64475" rIns="64475" bIns="64475" numCol="1" spcCol="1270" anchor="ctr" anchorCtr="0">
-              <a:noAutofit/>
-            </a:bodyPr>
-            <a:lstStyle/>
-            <a:p>
-              <a:pPr marL="0" lvl="0" indent="0" algn="ctr" defTabSz="533400">
-                <a:lnSpc>
-                  <a:spcPct val="90000"/>
-                </a:lnSpc>
-                <a:spcBef>
-                  <a:spcPct val="0"/>
-                </a:spcBef>
-                <a:spcAft>
-                  <a:spcPct val="35000"/>
-                </a:spcAft>
-                <a:buNone/>
-              </a:pPr>
-              <a:r>
-                <a:rPr lang="en-US" b="1" kern="1200" dirty="0"/>
-                <a:t>WBC</a:t>
-              </a:r>
-            </a:p>
-          </p:txBody>
-        </p:sp>
-        <p:sp>
-          <p:nvSpPr>
-            <p:cNvPr id="40" name="Rounded Rectangle 39">
-              <a:extLst>
-                <a:ext uri="{FF2B5EF4-FFF2-40B4-BE49-F238E27FC236}">
-                  <a16:creationId xmlns:a16="http://schemas.microsoft.com/office/drawing/2014/main" id="{7A760EEB-79F4-5163-A9D1-DDC2D1AF5B5B}"/>
-                </a:ext>
-              </a:extLst>
-            </p:cNvPr>
-            <p:cNvSpPr/>
-            <p:nvPr/>
-          </p:nvSpPr>
-          <p:spPr>
-            <a:xfrm>
-              <a:off x="3815060" y="2238779"/>
-              <a:ext cx="1008407" cy="640338"/>
-            </a:xfrm>
-            <a:prstGeom prst="roundRect">
-              <a:avLst>
-                <a:gd name="adj" fmla="val 10000"/>
-              </a:avLst>
-            </a:prstGeom>
-            <a:solidFill>
-              <a:srgbClr val="00B050"/>
-            </a:solidFill>
-          </p:spPr>
-          <p:style>
-            <a:lnRef idx="2">
-              <a:schemeClr val="lt1">
-                <a:hueOff val="0"/>
-                <a:satOff val="0"/>
-                <a:lumOff val="0"/>
-                <a:alphaOff val="0"/>
-              </a:schemeClr>
-            </a:lnRef>
-            <a:fillRef idx="1">
-              <a:scrgbClr r="0" g="0" b="0"/>
-            </a:fillRef>
-            <a:effectRef idx="0">
-              <a:schemeClr val="accent1">
-                <a:hueOff val="0"/>
-                <a:satOff val="0"/>
-                <a:lumOff val="0"/>
-                <a:alphaOff val="0"/>
-              </a:schemeClr>
-            </a:effectRef>
-            <a:fontRef idx="minor">
-              <a:schemeClr val="lt1"/>
-            </a:fontRef>
-          </p:style>
-          <p:txBody>
-            <a:bodyPr/>
-            <a:lstStyle/>
-            <a:p>
-              <a:endParaRPr lang="en-US"/>
-            </a:p>
-          </p:txBody>
-        </p:sp>
-        <p:sp>
-          <p:nvSpPr>
-            <p:cNvPr id="41" name="Freeform 40">
-              <a:extLst>
-                <a:ext uri="{FF2B5EF4-FFF2-40B4-BE49-F238E27FC236}">
-                  <a16:creationId xmlns:a16="http://schemas.microsoft.com/office/drawing/2014/main" id="{88C9795B-CBD3-7744-52CA-E59E64A5B66B}"/>
-                </a:ext>
-              </a:extLst>
-            </p:cNvPr>
-            <p:cNvSpPr/>
-            <p:nvPr/>
-          </p:nvSpPr>
-          <p:spPr>
-            <a:xfrm>
-              <a:off x="3927106" y="2345222"/>
-              <a:ext cx="1008407" cy="640338"/>
-            </a:xfrm>
-            <a:custGeom>
-              <a:avLst/>
-              <a:gdLst>
-                <a:gd name="connsiteX0" fmla="*/ 0 w 1008407"/>
-                <a:gd name="connsiteY0" fmla="*/ 64034 h 640338"/>
-                <a:gd name="connsiteX1" fmla="*/ 64034 w 1008407"/>
-                <a:gd name="connsiteY1" fmla="*/ 0 h 640338"/>
-                <a:gd name="connsiteX2" fmla="*/ 944373 w 1008407"/>
-                <a:gd name="connsiteY2" fmla="*/ 0 h 640338"/>
-                <a:gd name="connsiteX3" fmla="*/ 1008407 w 1008407"/>
-                <a:gd name="connsiteY3" fmla="*/ 64034 h 640338"/>
-                <a:gd name="connsiteX4" fmla="*/ 1008407 w 1008407"/>
-                <a:gd name="connsiteY4" fmla="*/ 576304 h 640338"/>
-                <a:gd name="connsiteX5" fmla="*/ 944373 w 1008407"/>
-                <a:gd name="connsiteY5" fmla="*/ 640338 h 640338"/>
-                <a:gd name="connsiteX6" fmla="*/ 64034 w 1008407"/>
-                <a:gd name="connsiteY6" fmla="*/ 640338 h 640338"/>
-                <a:gd name="connsiteX7" fmla="*/ 0 w 1008407"/>
-                <a:gd name="connsiteY7" fmla="*/ 576304 h 640338"/>
-                <a:gd name="connsiteX8" fmla="*/ 0 w 1008407"/>
-                <a:gd name="connsiteY8" fmla="*/ 64034 h 640338"/>
-              </a:gdLst>
-              <a:ahLst/>
-              <a:cxnLst>
-                <a:cxn ang="0">
-                  <a:pos x="connsiteX0" y="connsiteY0"/>
-                </a:cxn>
-                <a:cxn ang="0">
-                  <a:pos x="connsiteX1" y="connsiteY1"/>
-                </a:cxn>
-                <a:cxn ang="0">
-                  <a:pos x="connsiteX2" y="connsiteY2"/>
-                </a:cxn>
-                <a:cxn ang="0">
-                  <a:pos x="connsiteX3" y="connsiteY3"/>
-                </a:cxn>
-                <a:cxn ang="0">
-                  <a:pos x="connsiteX4" y="connsiteY4"/>
-                </a:cxn>
-                <a:cxn ang="0">
-                  <a:pos x="connsiteX5" y="connsiteY5"/>
-                </a:cxn>
-                <a:cxn ang="0">
-                  <a:pos x="connsiteX6" y="connsiteY6"/>
-                </a:cxn>
-                <a:cxn ang="0">
-                  <a:pos x="connsiteX7" y="connsiteY7"/>
-                </a:cxn>
-                <a:cxn ang="0">
-                  <a:pos x="connsiteX8" y="connsiteY8"/>
-                </a:cxn>
-              </a:cxnLst>
-              <a:rect l="l" t="t" r="r" b="b"/>
-              <a:pathLst>
-                <a:path w="1008407" h="640338">
-                  <a:moveTo>
-                    <a:pt x="0" y="64034"/>
-                  </a:moveTo>
-                  <a:cubicBezTo>
-                    <a:pt x="0" y="28669"/>
-                    <a:pt x="28669" y="0"/>
-                    <a:pt x="64034" y="0"/>
-                  </a:cubicBezTo>
-                  <a:lnTo>
-                    <a:pt x="944373" y="0"/>
-                  </a:lnTo>
-                  <a:cubicBezTo>
-                    <a:pt x="979738" y="0"/>
-                    <a:pt x="1008407" y="28669"/>
-                    <a:pt x="1008407" y="64034"/>
-                  </a:cubicBezTo>
-                  <a:lnTo>
-                    <a:pt x="1008407" y="576304"/>
-                  </a:lnTo>
-                  <a:cubicBezTo>
-                    <a:pt x="1008407" y="611669"/>
-                    <a:pt x="979738" y="640338"/>
-                    <a:pt x="944373" y="640338"/>
-                  </a:cubicBezTo>
-                  <a:lnTo>
-                    <a:pt x="64034" y="640338"/>
-                  </a:lnTo>
-                  <a:cubicBezTo>
-                    <a:pt x="28669" y="640338"/>
-                    <a:pt x="0" y="611669"/>
-                    <a:pt x="0" y="576304"/>
-                  </a:cubicBezTo>
-                  <a:lnTo>
-                    <a:pt x="0" y="64034"/>
-                  </a:lnTo>
-                  <a:close/>
-                </a:path>
-              </a:pathLst>
-            </a:custGeom>
-          </p:spPr>
-          <p:style>
-            <a:lnRef idx="2">
-              <a:schemeClr val="accent1">
-                <a:hueOff val="0"/>
-                <a:satOff val="0"/>
-                <a:lumOff val="0"/>
-                <a:alphaOff val="0"/>
-              </a:schemeClr>
-            </a:lnRef>
-            <a:fillRef idx="1">
-              <a:schemeClr val="lt1">
-                <a:alpha val="90000"/>
-                <a:hueOff val="0"/>
-                <a:satOff val="0"/>
-                <a:lumOff val="0"/>
-                <a:alphaOff val="0"/>
-              </a:schemeClr>
-            </a:fillRef>
-            <a:effectRef idx="0">
-              <a:schemeClr val="lt1">
-                <a:alpha val="90000"/>
-                <a:hueOff val="0"/>
-                <a:satOff val="0"/>
-                <a:lumOff val="0"/>
-                <a:alphaOff val="0"/>
-              </a:schemeClr>
-            </a:effectRef>
-            <a:fontRef idx="minor">
-              <a:schemeClr val="dk1">
-                <a:hueOff val="0"/>
-                <a:satOff val="0"/>
-                <a:lumOff val="0"/>
-                <a:alphaOff val="0"/>
-              </a:schemeClr>
-            </a:fontRef>
-          </p:style>
-          <p:txBody>
-            <a:bodyPr spcFirstLastPara="0" vert="horz" wrap="square" lIns="64475" tIns="64475" rIns="64475" bIns="64475" numCol="1" spcCol="1270" anchor="ctr" anchorCtr="0">
-              <a:noAutofit/>
-            </a:bodyPr>
-            <a:lstStyle/>
-            <a:p>
-              <a:pPr marL="0" lvl="0" indent="0" algn="ctr" defTabSz="533400">
-                <a:lnSpc>
-                  <a:spcPct val="90000"/>
-                </a:lnSpc>
-                <a:spcBef>
-                  <a:spcPct val="0"/>
-                </a:spcBef>
-                <a:spcAft>
-                  <a:spcPct val="35000"/>
-                </a:spcAft>
-                <a:buNone/>
-              </a:pPr>
-              <a:r>
-                <a:rPr lang="en-US" sz="1200" kern="1200" dirty="0"/>
-                <a:t>≥ 5 fragments</a:t>
-              </a:r>
-            </a:p>
-          </p:txBody>
-        </p:sp>
-        <p:sp>
-          <p:nvSpPr>
-            <p:cNvPr id="42" name="Rounded Rectangle 41">
-              <a:extLst>
-                <a:ext uri="{FF2B5EF4-FFF2-40B4-BE49-F238E27FC236}">
-                  <a16:creationId xmlns:a16="http://schemas.microsoft.com/office/drawing/2014/main" id="{BA729F01-F42A-ABAF-93AD-869AA49BA132}"/>
-                </a:ext>
-              </a:extLst>
-            </p:cNvPr>
-            <p:cNvSpPr/>
-            <p:nvPr/>
-          </p:nvSpPr>
-          <p:spPr>
-            <a:xfrm>
-              <a:off x="3815060" y="3172396"/>
-              <a:ext cx="1008407" cy="640338"/>
-            </a:xfrm>
-            <a:prstGeom prst="roundRect">
-              <a:avLst>
-                <a:gd name="adj" fmla="val 10000"/>
-              </a:avLst>
-            </a:prstGeom>
-            <a:solidFill>
-              <a:srgbClr val="00B050"/>
-            </a:solidFill>
-          </p:spPr>
-          <p:style>
-            <a:lnRef idx="2">
-              <a:schemeClr val="lt1">
-                <a:hueOff val="0"/>
-                <a:satOff val="0"/>
-                <a:lumOff val="0"/>
-                <a:alphaOff val="0"/>
-              </a:schemeClr>
-            </a:lnRef>
-            <a:fillRef idx="1">
-              <a:scrgbClr r="0" g="0" b="0"/>
-            </a:fillRef>
-            <a:effectRef idx="0">
-              <a:schemeClr val="accent1">
-                <a:hueOff val="0"/>
-                <a:satOff val="0"/>
-                <a:lumOff val="0"/>
-                <a:alphaOff val="0"/>
-              </a:schemeClr>
-            </a:effectRef>
-            <a:fontRef idx="minor">
-              <a:schemeClr val="lt1"/>
-            </a:fontRef>
-          </p:style>
-          <p:txBody>
-            <a:bodyPr/>
-            <a:lstStyle/>
-            <a:p>
-              <a:endParaRPr lang="en-US"/>
-            </a:p>
-          </p:txBody>
-        </p:sp>
-        <p:sp>
-          <p:nvSpPr>
-            <p:cNvPr id="43" name="Freeform 42">
-              <a:extLst>
-                <a:ext uri="{FF2B5EF4-FFF2-40B4-BE49-F238E27FC236}">
-                  <a16:creationId xmlns:a16="http://schemas.microsoft.com/office/drawing/2014/main" id="{06040E80-1E7F-4A7F-0050-048A6555BA7F}"/>
-                </a:ext>
-              </a:extLst>
-            </p:cNvPr>
-            <p:cNvSpPr/>
-            <p:nvPr/>
-          </p:nvSpPr>
-          <p:spPr>
-            <a:xfrm>
-              <a:off x="3927106" y="3278839"/>
-              <a:ext cx="1008407" cy="640338"/>
-            </a:xfrm>
-            <a:custGeom>
-              <a:avLst/>
-              <a:gdLst>
-                <a:gd name="connsiteX0" fmla="*/ 0 w 1008407"/>
-                <a:gd name="connsiteY0" fmla="*/ 64034 h 640338"/>
-                <a:gd name="connsiteX1" fmla="*/ 64034 w 1008407"/>
-                <a:gd name="connsiteY1" fmla="*/ 0 h 640338"/>
-                <a:gd name="connsiteX2" fmla="*/ 944373 w 1008407"/>
-                <a:gd name="connsiteY2" fmla="*/ 0 h 640338"/>
-                <a:gd name="connsiteX3" fmla="*/ 1008407 w 1008407"/>
-                <a:gd name="connsiteY3" fmla="*/ 64034 h 640338"/>
-                <a:gd name="connsiteX4" fmla="*/ 1008407 w 1008407"/>
-                <a:gd name="connsiteY4" fmla="*/ 576304 h 640338"/>
-                <a:gd name="connsiteX5" fmla="*/ 944373 w 1008407"/>
-                <a:gd name="connsiteY5" fmla="*/ 640338 h 640338"/>
-                <a:gd name="connsiteX6" fmla="*/ 64034 w 1008407"/>
-                <a:gd name="connsiteY6" fmla="*/ 640338 h 640338"/>
-                <a:gd name="connsiteX7" fmla="*/ 0 w 1008407"/>
-                <a:gd name="connsiteY7" fmla="*/ 576304 h 640338"/>
-                <a:gd name="connsiteX8" fmla="*/ 0 w 1008407"/>
-                <a:gd name="connsiteY8" fmla="*/ 64034 h 640338"/>
-              </a:gdLst>
-              <a:ahLst/>
-              <a:cxnLst>
-                <a:cxn ang="0">
-                  <a:pos x="connsiteX0" y="connsiteY0"/>
-                </a:cxn>
-                <a:cxn ang="0">
-                  <a:pos x="connsiteX1" y="connsiteY1"/>
-                </a:cxn>
-                <a:cxn ang="0">
-                  <a:pos x="connsiteX2" y="connsiteY2"/>
-                </a:cxn>
-                <a:cxn ang="0">
-                  <a:pos x="connsiteX3" y="connsiteY3"/>
-                </a:cxn>
-                <a:cxn ang="0">
-                  <a:pos x="connsiteX4" y="connsiteY4"/>
-                </a:cxn>
-                <a:cxn ang="0">
-                  <a:pos x="connsiteX5" y="connsiteY5"/>
-                </a:cxn>
-                <a:cxn ang="0">
-                  <a:pos x="connsiteX6" y="connsiteY6"/>
-                </a:cxn>
-                <a:cxn ang="0">
-                  <a:pos x="connsiteX7" y="connsiteY7"/>
-                </a:cxn>
-                <a:cxn ang="0">
-                  <a:pos x="connsiteX8" y="connsiteY8"/>
-                </a:cxn>
-              </a:cxnLst>
-              <a:rect l="l" t="t" r="r" b="b"/>
-              <a:pathLst>
-                <a:path w="1008407" h="640338">
-                  <a:moveTo>
-                    <a:pt x="0" y="64034"/>
-                  </a:moveTo>
-                  <a:cubicBezTo>
-                    <a:pt x="0" y="28669"/>
-                    <a:pt x="28669" y="0"/>
-                    <a:pt x="64034" y="0"/>
-                  </a:cubicBezTo>
-                  <a:lnTo>
-                    <a:pt x="944373" y="0"/>
-                  </a:lnTo>
-                  <a:cubicBezTo>
-                    <a:pt x="979738" y="0"/>
-                    <a:pt x="1008407" y="28669"/>
-                    <a:pt x="1008407" y="64034"/>
-                  </a:cubicBezTo>
-                  <a:lnTo>
-                    <a:pt x="1008407" y="576304"/>
-                  </a:lnTo>
-                  <a:cubicBezTo>
-                    <a:pt x="1008407" y="611669"/>
-                    <a:pt x="979738" y="640338"/>
-                    <a:pt x="944373" y="640338"/>
-                  </a:cubicBezTo>
-                  <a:lnTo>
-                    <a:pt x="64034" y="640338"/>
-                  </a:lnTo>
-                  <a:cubicBezTo>
-                    <a:pt x="28669" y="640338"/>
-                    <a:pt x="0" y="611669"/>
-                    <a:pt x="0" y="576304"/>
-                  </a:cubicBezTo>
-                  <a:lnTo>
-                    <a:pt x="0" y="64034"/>
-                  </a:lnTo>
-                  <a:close/>
-                </a:path>
-              </a:pathLst>
-            </a:custGeom>
-          </p:spPr>
-          <p:style>
-            <a:lnRef idx="2">
-              <a:schemeClr val="accent1">
-                <a:hueOff val="0"/>
-                <a:satOff val="0"/>
-                <a:lumOff val="0"/>
-                <a:alphaOff val="0"/>
-              </a:schemeClr>
-            </a:lnRef>
-            <a:fillRef idx="1">
-              <a:schemeClr val="lt1">
-                <a:alpha val="90000"/>
-                <a:hueOff val="0"/>
-                <a:satOff val="0"/>
-                <a:lumOff val="0"/>
-                <a:alphaOff val="0"/>
-              </a:schemeClr>
-            </a:fillRef>
-            <a:effectRef idx="0">
-              <a:schemeClr val="lt1">
-                <a:alpha val="90000"/>
-                <a:hueOff val="0"/>
-                <a:satOff val="0"/>
-                <a:lumOff val="0"/>
-                <a:alphaOff val="0"/>
-              </a:schemeClr>
-            </a:effectRef>
-            <a:fontRef idx="minor">
-              <a:schemeClr val="dk1">
-                <a:hueOff val="0"/>
-                <a:satOff val="0"/>
-                <a:lumOff val="0"/>
-                <a:alphaOff val="0"/>
-              </a:schemeClr>
-            </a:fontRef>
-          </p:style>
-          <p:txBody>
-            <a:bodyPr spcFirstLastPara="0" vert="horz" wrap="square" lIns="64475" tIns="64475" rIns="64475" bIns="64475" numCol="1" spcCol="1270" anchor="ctr" anchorCtr="0">
-              <a:noAutofit/>
-            </a:bodyPr>
-            <a:lstStyle/>
-            <a:p>
-              <a:pPr marL="0" lvl="0" indent="0" algn="ctr" defTabSz="533400">
-                <a:lnSpc>
-                  <a:spcPct val="90000"/>
-                </a:lnSpc>
-                <a:spcBef>
-                  <a:spcPct val="0"/>
-                </a:spcBef>
-                <a:spcAft>
-                  <a:spcPct val="35000"/>
-                </a:spcAft>
-                <a:buNone/>
-              </a:pPr>
-              <a:r>
-                <a:rPr lang="en-US" sz="1200" kern="1200" dirty="0"/>
-                <a:t>WBC derived</a:t>
-              </a:r>
-            </a:p>
-          </p:txBody>
-        </p:sp>
-        <p:sp>
-          <p:nvSpPr>
-            <p:cNvPr id="44" name="Rounded Rectangle 43">
-              <a:extLst>
-                <a:ext uri="{FF2B5EF4-FFF2-40B4-BE49-F238E27FC236}">
-                  <a16:creationId xmlns:a16="http://schemas.microsoft.com/office/drawing/2014/main" id="{0232C638-C4F5-D174-2B9D-126DDB209DBE}"/>
-                </a:ext>
-              </a:extLst>
-            </p:cNvPr>
-            <p:cNvSpPr/>
-            <p:nvPr/>
-          </p:nvSpPr>
-          <p:spPr>
-            <a:xfrm>
-              <a:off x="5663807" y="2238779"/>
-              <a:ext cx="1008407" cy="640338"/>
-            </a:xfrm>
-            <a:prstGeom prst="roundRect">
-              <a:avLst>
-                <a:gd name="adj" fmla="val 10000"/>
-              </a:avLst>
-            </a:prstGeom>
-            <a:solidFill>
-              <a:srgbClr val="00B050"/>
-            </a:solidFill>
-          </p:spPr>
-          <p:style>
-            <a:lnRef idx="2">
-              <a:schemeClr val="lt1">
-                <a:hueOff val="0"/>
-                <a:satOff val="0"/>
-                <a:lumOff val="0"/>
-                <a:alphaOff val="0"/>
-              </a:schemeClr>
-            </a:lnRef>
-            <a:fillRef idx="1">
-              <a:scrgbClr r="0" g="0" b="0"/>
-            </a:fillRef>
-            <a:effectRef idx="0">
-              <a:schemeClr val="accent1">
-                <a:hueOff val="0"/>
-                <a:satOff val="0"/>
-                <a:lumOff val="0"/>
-                <a:alphaOff val="0"/>
-              </a:schemeClr>
-            </a:effectRef>
-            <a:fontRef idx="minor">
-              <a:schemeClr val="lt1"/>
-            </a:fontRef>
-          </p:style>
-          <p:txBody>
-            <a:bodyPr/>
-            <a:lstStyle/>
-            <a:p>
-              <a:endParaRPr lang="en-US"/>
-            </a:p>
-          </p:txBody>
-        </p:sp>
-        <p:sp>
-          <p:nvSpPr>
-            <p:cNvPr id="45" name="Freeform 44">
-              <a:extLst>
-                <a:ext uri="{FF2B5EF4-FFF2-40B4-BE49-F238E27FC236}">
-                  <a16:creationId xmlns:a16="http://schemas.microsoft.com/office/drawing/2014/main" id="{D2D2579E-8557-1200-A0D2-7889D8E214F6}"/>
-                </a:ext>
-              </a:extLst>
-            </p:cNvPr>
-            <p:cNvSpPr/>
-            <p:nvPr/>
-          </p:nvSpPr>
-          <p:spPr>
-            <a:xfrm>
-              <a:off x="5775852" y="2345222"/>
-              <a:ext cx="1008407" cy="640338"/>
-            </a:xfrm>
-            <a:custGeom>
-              <a:avLst/>
-              <a:gdLst>
-                <a:gd name="connsiteX0" fmla="*/ 0 w 1008407"/>
-                <a:gd name="connsiteY0" fmla="*/ 64034 h 640338"/>
-                <a:gd name="connsiteX1" fmla="*/ 64034 w 1008407"/>
-                <a:gd name="connsiteY1" fmla="*/ 0 h 640338"/>
-                <a:gd name="connsiteX2" fmla="*/ 944373 w 1008407"/>
-                <a:gd name="connsiteY2" fmla="*/ 0 h 640338"/>
-                <a:gd name="connsiteX3" fmla="*/ 1008407 w 1008407"/>
-                <a:gd name="connsiteY3" fmla="*/ 64034 h 640338"/>
-                <a:gd name="connsiteX4" fmla="*/ 1008407 w 1008407"/>
-                <a:gd name="connsiteY4" fmla="*/ 576304 h 640338"/>
-                <a:gd name="connsiteX5" fmla="*/ 944373 w 1008407"/>
-                <a:gd name="connsiteY5" fmla="*/ 640338 h 640338"/>
-                <a:gd name="connsiteX6" fmla="*/ 64034 w 1008407"/>
-                <a:gd name="connsiteY6" fmla="*/ 640338 h 640338"/>
-                <a:gd name="connsiteX7" fmla="*/ 0 w 1008407"/>
-                <a:gd name="connsiteY7" fmla="*/ 576304 h 640338"/>
-                <a:gd name="connsiteX8" fmla="*/ 0 w 1008407"/>
-                <a:gd name="connsiteY8" fmla="*/ 64034 h 640338"/>
-              </a:gdLst>
-              <a:ahLst/>
-              <a:cxnLst>
-                <a:cxn ang="0">
-                  <a:pos x="connsiteX0" y="connsiteY0"/>
-                </a:cxn>
-                <a:cxn ang="0">
-                  <a:pos x="connsiteX1" y="connsiteY1"/>
-                </a:cxn>
-                <a:cxn ang="0">
-                  <a:pos x="connsiteX2" y="connsiteY2"/>
-                </a:cxn>
-                <a:cxn ang="0">
-                  <a:pos x="connsiteX3" y="connsiteY3"/>
-                </a:cxn>
-                <a:cxn ang="0">
-                  <a:pos x="connsiteX4" y="connsiteY4"/>
-                </a:cxn>
-                <a:cxn ang="0">
-                  <a:pos x="connsiteX5" y="connsiteY5"/>
-                </a:cxn>
-                <a:cxn ang="0">
-                  <a:pos x="connsiteX6" y="connsiteY6"/>
-                </a:cxn>
-                <a:cxn ang="0">
-                  <a:pos x="connsiteX7" y="connsiteY7"/>
-                </a:cxn>
-                <a:cxn ang="0">
-                  <a:pos x="connsiteX8" y="connsiteY8"/>
-                </a:cxn>
-              </a:cxnLst>
-              <a:rect l="l" t="t" r="r" b="b"/>
-              <a:pathLst>
-                <a:path w="1008407" h="640338">
-                  <a:moveTo>
-                    <a:pt x="0" y="64034"/>
-                  </a:moveTo>
-                  <a:cubicBezTo>
-                    <a:pt x="0" y="28669"/>
-                    <a:pt x="28669" y="0"/>
-                    <a:pt x="64034" y="0"/>
-                  </a:cubicBezTo>
-                  <a:lnTo>
-                    <a:pt x="944373" y="0"/>
-                  </a:lnTo>
-                  <a:cubicBezTo>
-                    <a:pt x="979738" y="0"/>
-                    <a:pt x="1008407" y="28669"/>
-                    <a:pt x="1008407" y="64034"/>
-                  </a:cubicBezTo>
-                  <a:lnTo>
-                    <a:pt x="1008407" y="576304"/>
-                  </a:lnTo>
-                  <a:cubicBezTo>
-                    <a:pt x="1008407" y="611669"/>
-                    <a:pt x="979738" y="640338"/>
-                    <a:pt x="944373" y="640338"/>
-                  </a:cubicBezTo>
-                  <a:lnTo>
-                    <a:pt x="64034" y="640338"/>
-                  </a:lnTo>
-                  <a:cubicBezTo>
-                    <a:pt x="28669" y="640338"/>
-                    <a:pt x="0" y="611669"/>
-                    <a:pt x="0" y="576304"/>
-                  </a:cubicBezTo>
-                  <a:lnTo>
-                    <a:pt x="0" y="64034"/>
-                  </a:lnTo>
-                  <a:close/>
-                </a:path>
-              </a:pathLst>
-            </a:custGeom>
-          </p:spPr>
-          <p:style>
-            <a:lnRef idx="2">
-              <a:schemeClr val="accent1">
-                <a:hueOff val="0"/>
-                <a:satOff val="0"/>
-                <a:lumOff val="0"/>
-                <a:alphaOff val="0"/>
-              </a:schemeClr>
-            </a:lnRef>
-            <a:fillRef idx="1">
-              <a:schemeClr val="lt1">
-                <a:alpha val="90000"/>
-                <a:hueOff val="0"/>
-                <a:satOff val="0"/>
-                <a:lumOff val="0"/>
-                <a:alphaOff val="0"/>
-              </a:schemeClr>
-            </a:fillRef>
-            <a:effectRef idx="0">
-              <a:schemeClr val="lt1">
-                <a:alpha val="90000"/>
-                <a:hueOff val="0"/>
-                <a:satOff val="0"/>
-                <a:lumOff val="0"/>
-                <a:alphaOff val="0"/>
-              </a:schemeClr>
-            </a:effectRef>
-            <a:fontRef idx="minor">
-              <a:schemeClr val="dk1">
-                <a:hueOff val="0"/>
-                <a:satOff val="0"/>
-                <a:lumOff val="0"/>
-                <a:alphaOff val="0"/>
-              </a:schemeClr>
-            </a:fontRef>
-          </p:style>
-          <p:txBody>
-            <a:bodyPr spcFirstLastPara="0" vert="horz" wrap="square" lIns="64475" tIns="64475" rIns="64475" bIns="64475" numCol="1" spcCol="1270" anchor="ctr" anchorCtr="0">
-              <a:noAutofit/>
-            </a:bodyPr>
-            <a:lstStyle/>
-            <a:p>
-              <a:pPr marL="0" lvl="0" indent="0" algn="ctr" defTabSz="533400">
-                <a:lnSpc>
-                  <a:spcPct val="90000"/>
-                </a:lnSpc>
-                <a:spcBef>
-                  <a:spcPct val="0"/>
-                </a:spcBef>
-                <a:spcAft>
-                  <a:spcPct val="35000"/>
-                </a:spcAft>
-                <a:buNone/>
-              </a:pPr>
-              <a:r>
-                <a:rPr lang="en-US" sz="1200" kern="1200" dirty="0"/>
-                <a:t>2-4 Fragments</a:t>
-              </a:r>
-            </a:p>
-          </p:txBody>
-        </p:sp>
-        <p:sp>
-          <p:nvSpPr>
-            <p:cNvPr id="46" name="Rounded Rectangle 45">
-              <a:extLst>
-                <a:ext uri="{FF2B5EF4-FFF2-40B4-BE49-F238E27FC236}">
-                  <a16:creationId xmlns:a16="http://schemas.microsoft.com/office/drawing/2014/main" id="{153D9570-9F7B-3A9C-4BB7-7E2C4EF37177}"/>
-                </a:ext>
-              </a:extLst>
-            </p:cNvPr>
-            <p:cNvSpPr/>
-            <p:nvPr/>
-          </p:nvSpPr>
-          <p:spPr>
-            <a:xfrm>
-              <a:off x="5047558" y="3172396"/>
-              <a:ext cx="1008407" cy="640338"/>
-            </a:xfrm>
-            <a:prstGeom prst="roundRect">
-              <a:avLst>
-                <a:gd name="adj" fmla="val 10000"/>
-              </a:avLst>
-            </a:prstGeom>
-            <a:solidFill>
-              <a:srgbClr val="00B050"/>
-            </a:solidFill>
-          </p:spPr>
-          <p:style>
-            <a:lnRef idx="2">
-              <a:schemeClr val="lt1">
-                <a:hueOff val="0"/>
-                <a:satOff val="0"/>
-                <a:lumOff val="0"/>
-                <a:alphaOff val="0"/>
-              </a:schemeClr>
-            </a:lnRef>
-            <a:fillRef idx="1">
-              <a:scrgbClr r="0" g="0" b="0"/>
-            </a:fillRef>
-            <a:effectRef idx="0">
-              <a:schemeClr val="accent1">
-                <a:hueOff val="0"/>
-                <a:satOff val="0"/>
-                <a:lumOff val="0"/>
-                <a:alphaOff val="0"/>
-              </a:schemeClr>
-            </a:effectRef>
-            <a:fontRef idx="minor">
-              <a:schemeClr val="lt1"/>
-            </a:fontRef>
-          </p:style>
-          <p:txBody>
-            <a:bodyPr/>
-            <a:lstStyle/>
-            <a:p>
-              <a:endParaRPr lang="en-US"/>
-            </a:p>
-          </p:txBody>
-        </p:sp>
-        <p:sp>
-          <p:nvSpPr>
-            <p:cNvPr id="47" name="Freeform 46">
-              <a:extLst>
-                <a:ext uri="{FF2B5EF4-FFF2-40B4-BE49-F238E27FC236}">
-                  <a16:creationId xmlns:a16="http://schemas.microsoft.com/office/drawing/2014/main" id="{788D65B3-1AAF-7CF5-2E76-850E8B117651}"/>
-                </a:ext>
-              </a:extLst>
-            </p:cNvPr>
-            <p:cNvSpPr/>
-            <p:nvPr/>
-          </p:nvSpPr>
-          <p:spPr>
-            <a:xfrm>
-              <a:off x="5159603" y="3278839"/>
-              <a:ext cx="1008407" cy="640338"/>
-            </a:xfrm>
-            <a:custGeom>
-              <a:avLst/>
-              <a:gdLst>
-                <a:gd name="connsiteX0" fmla="*/ 0 w 1008407"/>
-                <a:gd name="connsiteY0" fmla="*/ 64034 h 640338"/>
-                <a:gd name="connsiteX1" fmla="*/ 64034 w 1008407"/>
-                <a:gd name="connsiteY1" fmla="*/ 0 h 640338"/>
-                <a:gd name="connsiteX2" fmla="*/ 944373 w 1008407"/>
-                <a:gd name="connsiteY2" fmla="*/ 0 h 640338"/>
-                <a:gd name="connsiteX3" fmla="*/ 1008407 w 1008407"/>
-                <a:gd name="connsiteY3" fmla="*/ 64034 h 640338"/>
-                <a:gd name="connsiteX4" fmla="*/ 1008407 w 1008407"/>
-                <a:gd name="connsiteY4" fmla="*/ 576304 h 640338"/>
-                <a:gd name="connsiteX5" fmla="*/ 944373 w 1008407"/>
-                <a:gd name="connsiteY5" fmla="*/ 640338 h 640338"/>
-                <a:gd name="connsiteX6" fmla="*/ 64034 w 1008407"/>
-                <a:gd name="connsiteY6" fmla="*/ 640338 h 640338"/>
-                <a:gd name="connsiteX7" fmla="*/ 0 w 1008407"/>
-                <a:gd name="connsiteY7" fmla="*/ 576304 h 640338"/>
-                <a:gd name="connsiteX8" fmla="*/ 0 w 1008407"/>
-                <a:gd name="connsiteY8" fmla="*/ 64034 h 640338"/>
-              </a:gdLst>
-              <a:ahLst/>
-              <a:cxnLst>
-                <a:cxn ang="0">
-                  <a:pos x="connsiteX0" y="connsiteY0"/>
-                </a:cxn>
-                <a:cxn ang="0">
-                  <a:pos x="connsiteX1" y="connsiteY1"/>
-                </a:cxn>
-                <a:cxn ang="0">
-                  <a:pos x="connsiteX2" y="connsiteY2"/>
-                </a:cxn>
-                <a:cxn ang="0">
-                  <a:pos x="connsiteX3" y="connsiteY3"/>
-                </a:cxn>
-                <a:cxn ang="0">
-                  <a:pos x="connsiteX4" y="connsiteY4"/>
-                </a:cxn>
-                <a:cxn ang="0">
-                  <a:pos x="connsiteX5" y="connsiteY5"/>
-                </a:cxn>
-                <a:cxn ang="0">
-                  <a:pos x="connsiteX6" y="connsiteY6"/>
-                </a:cxn>
-                <a:cxn ang="0">
-                  <a:pos x="connsiteX7" y="connsiteY7"/>
-                </a:cxn>
-                <a:cxn ang="0">
-                  <a:pos x="connsiteX8" y="connsiteY8"/>
-                </a:cxn>
-              </a:cxnLst>
-              <a:rect l="l" t="t" r="r" b="b"/>
-              <a:pathLst>
-                <a:path w="1008407" h="640338">
-                  <a:moveTo>
-                    <a:pt x="0" y="64034"/>
-                  </a:moveTo>
-                  <a:cubicBezTo>
-                    <a:pt x="0" y="28669"/>
-                    <a:pt x="28669" y="0"/>
-                    <a:pt x="64034" y="0"/>
-                  </a:cubicBezTo>
-                  <a:lnTo>
-                    <a:pt x="944373" y="0"/>
-                  </a:lnTo>
-                  <a:cubicBezTo>
-                    <a:pt x="979738" y="0"/>
-                    <a:pt x="1008407" y="28669"/>
-                    <a:pt x="1008407" y="64034"/>
-                  </a:cubicBezTo>
-                  <a:lnTo>
-                    <a:pt x="1008407" y="576304"/>
-                  </a:lnTo>
-                  <a:cubicBezTo>
-                    <a:pt x="1008407" y="611669"/>
-                    <a:pt x="979738" y="640338"/>
-                    <a:pt x="944373" y="640338"/>
-                  </a:cubicBezTo>
-                  <a:lnTo>
-                    <a:pt x="64034" y="640338"/>
-                  </a:lnTo>
-                  <a:cubicBezTo>
-                    <a:pt x="28669" y="640338"/>
-                    <a:pt x="0" y="611669"/>
-                    <a:pt x="0" y="576304"/>
-                  </a:cubicBezTo>
-                  <a:lnTo>
-                    <a:pt x="0" y="64034"/>
-                  </a:lnTo>
-                  <a:close/>
-                </a:path>
-              </a:pathLst>
-            </a:custGeom>
-          </p:spPr>
-          <p:style>
-            <a:lnRef idx="2">
-              <a:schemeClr val="accent1">
-                <a:hueOff val="0"/>
-                <a:satOff val="0"/>
-                <a:lumOff val="0"/>
-                <a:alphaOff val="0"/>
-              </a:schemeClr>
-            </a:lnRef>
-            <a:fillRef idx="1">
-              <a:schemeClr val="lt1">
-                <a:alpha val="90000"/>
-                <a:hueOff val="0"/>
-                <a:satOff val="0"/>
-                <a:lumOff val="0"/>
-                <a:alphaOff val="0"/>
-              </a:schemeClr>
-            </a:fillRef>
-            <a:effectRef idx="0">
-              <a:schemeClr val="lt1">
-                <a:alpha val="90000"/>
-                <a:hueOff val="0"/>
-                <a:satOff val="0"/>
-                <a:lumOff val="0"/>
-                <a:alphaOff val="0"/>
-              </a:schemeClr>
-            </a:effectRef>
-            <a:fontRef idx="minor">
-              <a:schemeClr val="dk1">
-                <a:hueOff val="0"/>
-                <a:satOff val="0"/>
-                <a:lumOff val="0"/>
-                <a:alphaOff val="0"/>
-              </a:schemeClr>
-            </a:fontRef>
-          </p:style>
-          <p:txBody>
-            <a:bodyPr spcFirstLastPara="0" vert="horz" wrap="square" lIns="64475" tIns="64475" rIns="64475" bIns="64475" numCol="1" spcCol="1270" anchor="ctr" anchorCtr="0">
-              <a:noAutofit/>
-            </a:bodyPr>
-            <a:lstStyle/>
-            <a:p>
-              <a:pPr marL="0" lvl="0" indent="0" algn="ctr" defTabSz="533400">
-                <a:lnSpc>
-                  <a:spcPct val="90000"/>
-                </a:lnSpc>
-                <a:spcBef>
-                  <a:spcPct val="0"/>
-                </a:spcBef>
-                <a:spcAft>
-                  <a:spcPct val="35000"/>
-                </a:spcAft>
-                <a:buNone/>
-              </a:pPr>
-              <a:r>
-                <a:rPr lang="en-US" sz="1200" kern="1200" dirty="0"/>
-                <a:t>COSMIC</a:t>
-              </a:r>
-            </a:p>
-          </p:txBody>
-        </p:sp>
-        <p:sp>
-          <p:nvSpPr>
-            <p:cNvPr id="48" name="Rounded Rectangle 47">
-              <a:extLst>
-                <a:ext uri="{FF2B5EF4-FFF2-40B4-BE49-F238E27FC236}">
-                  <a16:creationId xmlns:a16="http://schemas.microsoft.com/office/drawing/2014/main" id="{E6647665-F0A1-75C7-8FDD-241D9DAF4787}"/>
-                </a:ext>
-              </a:extLst>
-            </p:cNvPr>
-            <p:cNvSpPr/>
-            <p:nvPr/>
-          </p:nvSpPr>
-          <p:spPr>
-            <a:xfrm>
-              <a:off x="5047558" y="4106013"/>
-              <a:ext cx="1008407" cy="640338"/>
-            </a:xfrm>
-            <a:prstGeom prst="roundRect">
-              <a:avLst>
-                <a:gd name="adj" fmla="val 10000"/>
-              </a:avLst>
-            </a:prstGeom>
-            <a:solidFill>
-              <a:srgbClr val="00B050"/>
-            </a:solidFill>
-          </p:spPr>
-          <p:style>
-            <a:lnRef idx="2">
-              <a:schemeClr val="lt1">
-                <a:hueOff val="0"/>
-                <a:satOff val="0"/>
-                <a:lumOff val="0"/>
-                <a:alphaOff val="0"/>
-              </a:schemeClr>
-            </a:lnRef>
-            <a:fillRef idx="1">
-              <a:scrgbClr r="0" g="0" b="0"/>
-            </a:fillRef>
-            <a:effectRef idx="0">
-              <a:schemeClr val="accent1">
-                <a:hueOff val="0"/>
-                <a:satOff val="0"/>
-                <a:lumOff val="0"/>
-                <a:alphaOff val="0"/>
-              </a:schemeClr>
-            </a:effectRef>
-            <a:fontRef idx="minor">
-              <a:schemeClr val="lt1"/>
-            </a:fontRef>
-          </p:style>
-          <p:txBody>
-            <a:bodyPr/>
-            <a:lstStyle/>
-            <a:p>
-              <a:endParaRPr lang="en-US"/>
-            </a:p>
-          </p:txBody>
-        </p:sp>
-        <p:sp>
-          <p:nvSpPr>
-            <p:cNvPr id="49" name="Freeform 48">
-              <a:extLst>
-                <a:ext uri="{FF2B5EF4-FFF2-40B4-BE49-F238E27FC236}">
-                  <a16:creationId xmlns:a16="http://schemas.microsoft.com/office/drawing/2014/main" id="{DDE6CA84-0CAD-E12A-FD36-B240D35462B6}"/>
-                </a:ext>
-              </a:extLst>
-            </p:cNvPr>
-            <p:cNvSpPr/>
-            <p:nvPr/>
-          </p:nvSpPr>
-          <p:spPr>
-            <a:xfrm>
-              <a:off x="5159603" y="4212456"/>
-              <a:ext cx="1008407" cy="640338"/>
-            </a:xfrm>
-            <a:custGeom>
-              <a:avLst/>
-              <a:gdLst>
-                <a:gd name="connsiteX0" fmla="*/ 0 w 1008407"/>
-                <a:gd name="connsiteY0" fmla="*/ 64034 h 640338"/>
-                <a:gd name="connsiteX1" fmla="*/ 64034 w 1008407"/>
-                <a:gd name="connsiteY1" fmla="*/ 0 h 640338"/>
-                <a:gd name="connsiteX2" fmla="*/ 944373 w 1008407"/>
-                <a:gd name="connsiteY2" fmla="*/ 0 h 640338"/>
-                <a:gd name="connsiteX3" fmla="*/ 1008407 w 1008407"/>
-                <a:gd name="connsiteY3" fmla="*/ 64034 h 640338"/>
-                <a:gd name="connsiteX4" fmla="*/ 1008407 w 1008407"/>
-                <a:gd name="connsiteY4" fmla="*/ 576304 h 640338"/>
-                <a:gd name="connsiteX5" fmla="*/ 944373 w 1008407"/>
-                <a:gd name="connsiteY5" fmla="*/ 640338 h 640338"/>
-                <a:gd name="connsiteX6" fmla="*/ 64034 w 1008407"/>
-                <a:gd name="connsiteY6" fmla="*/ 640338 h 640338"/>
-                <a:gd name="connsiteX7" fmla="*/ 0 w 1008407"/>
-                <a:gd name="connsiteY7" fmla="*/ 576304 h 640338"/>
-                <a:gd name="connsiteX8" fmla="*/ 0 w 1008407"/>
-                <a:gd name="connsiteY8" fmla="*/ 64034 h 640338"/>
-              </a:gdLst>
-              <a:ahLst/>
-              <a:cxnLst>
-                <a:cxn ang="0">
-                  <a:pos x="connsiteX0" y="connsiteY0"/>
-                </a:cxn>
-                <a:cxn ang="0">
-                  <a:pos x="connsiteX1" y="connsiteY1"/>
-                </a:cxn>
-                <a:cxn ang="0">
-                  <a:pos x="connsiteX2" y="connsiteY2"/>
-                </a:cxn>
-                <a:cxn ang="0">
-                  <a:pos x="connsiteX3" y="connsiteY3"/>
-                </a:cxn>
-                <a:cxn ang="0">
-                  <a:pos x="connsiteX4" y="connsiteY4"/>
-                </a:cxn>
-                <a:cxn ang="0">
-                  <a:pos x="connsiteX5" y="connsiteY5"/>
-                </a:cxn>
-                <a:cxn ang="0">
-                  <a:pos x="connsiteX6" y="connsiteY6"/>
-                </a:cxn>
-                <a:cxn ang="0">
-                  <a:pos x="connsiteX7" y="connsiteY7"/>
-                </a:cxn>
-                <a:cxn ang="0">
-                  <a:pos x="connsiteX8" y="connsiteY8"/>
-                </a:cxn>
-              </a:cxnLst>
-              <a:rect l="l" t="t" r="r" b="b"/>
-              <a:pathLst>
-                <a:path w="1008407" h="640338">
-                  <a:moveTo>
-                    <a:pt x="0" y="64034"/>
-                  </a:moveTo>
-                  <a:cubicBezTo>
-                    <a:pt x="0" y="28669"/>
-                    <a:pt x="28669" y="0"/>
-                    <a:pt x="64034" y="0"/>
-                  </a:cubicBezTo>
-                  <a:lnTo>
-                    <a:pt x="944373" y="0"/>
-                  </a:lnTo>
-                  <a:cubicBezTo>
-                    <a:pt x="979738" y="0"/>
-                    <a:pt x="1008407" y="28669"/>
-                    <a:pt x="1008407" y="64034"/>
-                  </a:cubicBezTo>
-                  <a:lnTo>
-                    <a:pt x="1008407" y="576304"/>
-                  </a:lnTo>
-                  <a:cubicBezTo>
-                    <a:pt x="1008407" y="611669"/>
-                    <a:pt x="979738" y="640338"/>
-                    <a:pt x="944373" y="640338"/>
-                  </a:cubicBezTo>
-                  <a:lnTo>
-                    <a:pt x="64034" y="640338"/>
-                  </a:lnTo>
-                  <a:cubicBezTo>
-                    <a:pt x="28669" y="640338"/>
-                    <a:pt x="0" y="611669"/>
-                    <a:pt x="0" y="576304"/>
-                  </a:cubicBezTo>
-                  <a:lnTo>
-                    <a:pt x="0" y="64034"/>
-                  </a:lnTo>
-                  <a:close/>
-                </a:path>
-              </a:pathLst>
-            </a:custGeom>
-          </p:spPr>
-          <p:style>
-            <a:lnRef idx="2">
-              <a:schemeClr val="accent1">
-                <a:hueOff val="0"/>
-                <a:satOff val="0"/>
-                <a:lumOff val="0"/>
-                <a:alphaOff val="0"/>
-              </a:schemeClr>
-            </a:lnRef>
-            <a:fillRef idx="1">
-              <a:schemeClr val="lt1">
-                <a:alpha val="90000"/>
-                <a:hueOff val="0"/>
-                <a:satOff val="0"/>
-                <a:lumOff val="0"/>
-                <a:alphaOff val="0"/>
-              </a:schemeClr>
-            </a:fillRef>
-            <a:effectRef idx="0">
-              <a:schemeClr val="lt1">
-                <a:alpha val="90000"/>
-                <a:hueOff val="0"/>
-                <a:satOff val="0"/>
-                <a:lumOff val="0"/>
-                <a:alphaOff val="0"/>
-              </a:schemeClr>
-            </a:effectRef>
-            <a:fontRef idx="minor">
-              <a:schemeClr val="dk1">
-                <a:hueOff val="0"/>
-                <a:satOff val="0"/>
-                <a:lumOff val="0"/>
-                <a:alphaOff val="0"/>
-              </a:schemeClr>
-            </a:fontRef>
-          </p:style>
-          <p:txBody>
-            <a:bodyPr spcFirstLastPara="0" vert="horz" wrap="square" lIns="64475" tIns="64475" rIns="64475" bIns="64475" numCol="1" spcCol="1270" anchor="ctr" anchorCtr="0">
-              <a:noAutofit/>
-            </a:bodyPr>
-            <a:lstStyle/>
-            <a:p>
-              <a:pPr marL="0" lvl="0" indent="0" algn="ctr" defTabSz="533400">
-                <a:lnSpc>
-                  <a:spcPct val="90000"/>
-                </a:lnSpc>
-                <a:spcBef>
-                  <a:spcPct val="0"/>
-                </a:spcBef>
-                <a:spcAft>
-                  <a:spcPct val="35000"/>
-                </a:spcAft>
-                <a:buNone/>
-              </a:pPr>
-              <a:r>
-                <a:rPr lang="en-US" sz="1200" kern="1200" dirty="0"/>
-                <a:t>Labeled </a:t>
-              </a:r>
-              <a:r>
-                <a:rPr lang="en-US" sz="1200" kern="1200" dirty="0" err="1"/>
-                <a:t>Hemat</a:t>
-              </a:r>
-              <a:r>
-                <a:rPr lang="en-US" sz="1200" kern="1200" dirty="0"/>
-                <a:t>.</a:t>
-              </a:r>
-            </a:p>
-          </p:txBody>
-        </p:sp>
-        <p:sp>
-          <p:nvSpPr>
-            <p:cNvPr id="50" name="Rounded Rectangle 49">
-              <a:extLst>
-                <a:ext uri="{FF2B5EF4-FFF2-40B4-BE49-F238E27FC236}">
-                  <a16:creationId xmlns:a16="http://schemas.microsoft.com/office/drawing/2014/main" id="{7C0DA566-C1C5-AF49-2B18-6DAE9E2C1431}"/>
-                </a:ext>
-              </a:extLst>
-            </p:cNvPr>
-            <p:cNvSpPr/>
-            <p:nvPr/>
-          </p:nvSpPr>
-          <p:spPr>
-            <a:xfrm>
-              <a:off x="5047558" y="5039630"/>
-              <a:ext cx="1008407" cy="640338"/>
-            </a:xfrm>
-            <a:prstGeom prst="roundRect">
-              <a:avLst>
-                <a:gd name="adj" fmla="val 10000"/>
-              </a:avLst>
-            </a:prstGeom>
-            <a:solidFill>
-              <a:srgbClr val="00B050"/>
-            </a:solidFill>
-          </p:spPr>
-          <p:style>
-            <a:lnRef idx="2">
-              <a:schemeClr val="lt1">
-                <a:hueOff val="0"/>
-                <a:satOff val="0"/>
-                <a:lumOff val="0"/>
-                <a:alphaOff val="0"/>
-              </a:schemeClr>
-            </a:lnRef>
-            <a:fillRef idx="1">
-              <a:scrgbClr r="0" g="0" b="0"/>
-            </a:fillRef>
-            <a:effectRef idx="0">
-              <a:schemeClr val="accent1">
-                <a:hueOff val="0"/>
-                <a:satOff val="0"/>
-                <a:lumOff val="0"/>
-                <a:alphaOff val="0"/>
-              </a:schemeClr>
-            </a:effectRef>
-            <a:fontRef idx="minor">
-              <a:schemeClr val="lt1"/>
-            </a:fontRef>
-          </p:style>
-          <p:txBody>
-            <a:bodyPr/>
-            <a:lstStyle/>
-            <a:p>
-              <a:endParaRPr lang="en-US"/>
-            </a:p>
-          </p:txBody>
-        </p:sp>
-        <p:sp>
-          <p:nvSpPr>
-            <p:cNvPr id="51" name="Freeform 50">
-              <a:extLst>
-                <a:ext uri="{FF2B5EF4-FFF2-40B4-BE49-F238E27FC236}">
-                  <a16:creationId xmlns:a16="http://schemas.microsoft.com/office/drawing/2014/main" id="{9C6E3039-A0B3-7260-0DA6-E29F4D133BB6}"/>
-                </a:ext>
-              </a:extLst>
-            </p:cNvPr>
-            <p:cNvSpPr/>
-            <p:nvPr/>
-          </p:nvSpPr>
-          <p:spPr>
-            <a:xfrm>
-              <a:off x="5159603" y="5146073"/>
-              <a:ext cx="1008407" cy="640338"/>
-            </a:xfrm>
-            <a:custGeom>
-              <a:avLst/>
-              <a:gdLst>
-                <a:gd name="connsiteX0" fmla="*/ 0 w 1008407"/>
-                <a:gd name="connsiteY0" fmla="*/ 64034 h 640338"/>
-                <a:gd name="connsiteX1" fmla="*/ 64034 w 1008407"/>
-                <a:gd name="connsiteY1" fmla="*/ 0 h 640338"/>
-                <a:gd name="connsiteX2" fmla="*/ 944373 w 1008407"/>
-                <a:gd name="connsiteY2" fmla="*/ 0 h 640338"/>
-                <a:gd name="connsiteX3" fmla="*/ 1008407 w 1008407"/>
-                <a:gd name="connsiteY3" fmla="*/ 64034 h 640338"/>
-                <a:gd name="connsiteX4" fmla="*/ 1008407 w 1008407"/>
-                <a:gd name="connsiteY4" fmla="*/ 576304 h 640338"/>
-                <a:gd name="connsiteX5" fmla="*/ 944373 w 1008407"/>
-                <a:gd name="connsiteY5" fmla="*/ 640338 h 640338"/>
-                <a:gd name="connsiteX6" fmla="*/ 64034 w 1008407"/>
-                <a:gd name="connsiteY6" fmla="*/ 640338 h 640338"/>
-                <a:gd name="connsiteX7" fmla="*/ 0 w 1008407"/>
-                <a:gd name="connsiteY7" fmla="*/ 576304 h 640338"/>
-                <a:gd name="connsiteX8" fmla="*/ 0 w 1008407"/>
-                <a:gd name="connsiteY8" fmla="*/ 64034 h 640338"/>
-              </a:gdLst>
-              <a:ahLst/>
-              <a:cxnLst>
-                <a:cxn ang="0">
-                  <a:pos x="connsiteX0" y="connsiteY0"/>
-                </a:cxn>
-                <a:cxn ang="0">
-                  <a:pos x="connsiteX1" y="connsiteY1"/>
-                </a:cxn>
-                <a:cxn ang="0">
-                  <a:pos x="connsiteX2" y="connsiteY2"/>
-                </a:cxn>
-                <a:cxn ang="0">
-                  <a:pos x="connsiteX3" y="connsiteY3"/>
-                </a:cxn>
-                <a:cxn ang="0">
-                  <a:pos x="connsiteX4" y="connsiteY4"/>
-                </a:cxn>
-                <a:cxn ang="0">
-                  <a:pos x="connsiteX5" y="connsiteY5"/>
-                </a:cxn>
-                <a:cxn ang="0">
-                  <a:pos x="connsiteX6" y="connsiteY6"/>
-                </a:cxn>
-                <a:cxn ang="0">
-                  <a:pos x="connsiteX7" y="connsiteY7"/>
-                </a:cxn>
-                <a:cxn ang="0">
-                  <a:pos x="connsiteX8" y="connsiteY8"/>
-                </a:cxn>
-              </a:cxnLst>
-              <a:rect l="l" t="t" r="r" b="b"/>
-              <a:pathLst>
-                <a:path w="1008407" h="640338">
-                  <a:moveTo>
-                    <a:pt x="0" y="64034"/>
-                  </a:moveTo>
-                  <a:cubicBezTo>
-                    <a:pt x="0" y="28669"/>
-                    <a:pt x="28669" y="0"/>
-                    <a:pt x="64034" y="0"/>
-                  </a:cubicBezTo>
-                  <a:lnTo>
-                    <a:pt x="944373" y="0"/>
-                  </a:lnTo>
-                  <a:cubicBezTo>
-                    <a:pt x="979738" y="0"/>
-                    <a:pt x="1008407" y="28669"/>
-                    <a:pt x="1008407" y="64034"/>
-                  </a:cubicBezTo>
-                  <a:lnTo>
-                    <a:pt x="1008407" y="576304"/>
-                  </a:lnTo>
-                  <a:cubicBezTo>
-                    <a:pt x="1008407" y="611669"/>
-                    <a:pt x="979738" y="640338"/>
-                    <a:pt x="944373" y="640338"/>
-                  </a:cubicBezTo>
-                  <a:lnTo>
-                    <a:pt x="64034" y="640338"/>
-                  </a:lnTo>
-                  <a:cubicBezTo>
-                    <a:pt x="28669" y="640338"/>
-                    <a:pt x="0" y="611669"/>
-                    <a:pt x="0" y="576304"/>
-                  </a:cubicBezTo>
-                  <a:lnTo>
-                    <a:pt x="0" y="64034"/>
-                  </a:lnTo>
-                  <a:close/>
-                </a:path>
-              </a:pathLst>
-            </a:custGeom>
-          </p:spPr>
-          <p:style>
-            <a:lnRef idx="2">
-              <a:schemeClr val="accent1">
-                <a:hueOff val="0"/>
-                <a:satOff val="0"/>
-                <a:lumOff val="0"/>
-                <a:alphaOff val="0"/>
-              </a:schemeClr>
-            </a:lnRef>
-            <a:fillRef idx="1">
-              <a:schemeClr val="lt1">
-                <a:alpha val="90000"/>
-                <a:hueOff val="0"/>
-                <a:satOff val="0"/>
-                <a:lumOff val="0"/>
-                <a:alphaOff val="0"/>
-              </a:schemeClr>
-            </a:fillRef>
-            <a:effectRef idx="0">
-              <a:schemeClr val="lt1">
-                <a:alpha val="90000"/>
-                <a:hueOff val="0"/>
-                <a:satOff val="0"/>
-                <a:lumOff val="0"/>
-                <a:alphaOff val="0"/>
-              </a:schemeClr>
-            </a:effectRef>
-            <a:fontRef idx="minor">
-              <a:schemeClr val="dk1">
-                <a:hueOff val="0"/>
-                <a:satOff val="0"/>
-                <a:lumOff val="0"/>
-                <a:alphaOff val="0"/>
-              </a:schemeClr>
-            </a:fontRef>
-          </p:style>
-          <p:txBody>
-            <a:bodyPr spcFirstLastPara="0" vert="horz" wrap="square" lIns="64475" tIns="64475" rIns="64475" bIns="64475" numCol="1" spcCol="1270" anchor="ctr" anchorCtr="0">
-              <a:noAutofit/>
-            </a:bodyPr>
-            <a:lstStyle/>
-            <a:p>
-              <a:pPr marL="0" lvl="0" indent="0" algn="ctr" defTabSz="533400">
-                <a:lnSpc>
-                  <a:spcPct val="90000"/>
-                </a:lnSpc>
-                <a:spcBef>
-                  <a:spcPct val="0"/>
-                </a:spcBef>
-                <a:spcAft>
-                  <a:spcPct val="35000"/>
-                </a:spcAft>
-                <a:buNone/>
-              </a:pPr>
-              <a:r>
-                <a:rPr lang="en-US" sz="1200" kern="1200" dirty="0"/>
-                <a:t>WBC-derived</a:t>
-              </a:r>
-            </a:p>
-          </p:txBody>
-        </p:sp>
-        <p:sp>
-          <p:nvSpPr>
-            <p:cNvPr id="52" name="Rounded Rectangle 51">
-              <a:extLst>
-                <a:ext uri="{FF2B5EF4-FFF2-40B4-BE49-F238E27FC236}">
-                  <a16:creationId xmlns:a16="http://schemas.microsoft.com/office/drawing/2014/main" id="{1535FD10-E753-720E-DA5B-8EA21355F47C}"/>
-                </a:ext>
-              </a:extLst>
-            </p:cNvPr>
-            <p:cNvSpPr/>
-            <p:nvPr/>
-          </p:nvSpPr>
-          <p:spPr>
-            <a:xfrm>
-              <a:off x="6280056" y="3172396"/>
-              <a:ext cx="1008407" cy="640338"/>
-            </a:xfrm>
-            <a:prstGeom prst="roundRect">
-              <a:avLst>
-                <a:gd name="adj" fmla="val 10000"/>
-              </a:avLst>
-            </a:prstGeom>
-            <a:solidFill>
-              <a:srgbClr val="00B050"/>
-            </a:solidFill>
-          </p:spPr>
-          <p:style>
-            <a:lnRef idx="2">
-              <a:schemeClr val="lt1">
-                <a:hueOff val="0"/>
-                <a:satOff val="0"/>
-                <a:lumOff val="0"/>
-                <a:alphaOff val="0"/>
-              </a:schemeClr>
-            </a:lnRef>
-            <a:fillRef idx="1">
-              <a:scrgbClr r="0" g="0" b="0"/>
-            </a:fillRef>
-            <a:effectRef idx="0">
-              <a:schemeClr val="accent1">
-                <a:hueOff val="0"/>
-                <a:satOff val="0"/>
-                <a:lumOff val="0"/>
-                <a:alphaOff val="0"/>
-              </a:schemeClr>
-            </a:effectRef>
-            <a:fontRef idx="minor">
-              <a:schemeClr val="lt1"/>
-            </a:fontRef>
-          </p:style>
-          <p:txBody>
-            <a:bodyPr/>
-            <a:lstStyle/>
-            <a:p>
-              <a:endParaRPr lang="en-US"/>
-            </a:p>
-          </p:txBody>
-        </p:sp>
-        <p:sp>
-          <p:nvSpPr>
-            <p:cNvPr id="53" name="Freeform 52">
-              <a:extLst>
-                <a:ext uri="{FF2B5EF4-FFF2-40B4-BE49-F238E27FC236}">
-                  <a16:creationId xmlns:a16="http://schemas.microsoft.com/office/drawing/2014/main" id="{20AD6396-B6A1-2BFC-A5E4-6A6B24C985A6}"/>
-                </a:ext>
-              </a:extLst>
-            </p:cNvPr>
-            <p:cNvSpPr/>
-            <p:nvPr/>
-          </p:nvSpPr>
-          <p:spPr>
-            <a:xfrm>
-              <a:off x="6392101" y="3278839"/>
-              <a:ext cx="1008407" cy="640338"/>
-            </a:xfrm>
-            <a:custGeom>
-              <a:avLst/>
-              <a:gdLst>
-                <a:gd name="connsiteX0" fmla="*/ 0 w 1008407"/>
-                <a:gd name="connsiteY0" fmla="*/ 64034 h 640338"/>
-                <a:gd name="connsiteX1" fmla="*/ 64034 w 1008407"/>
-                <a:gd name="connsiteY1" fmla="*/ 0 h 640338"/>
-                <a:gd name="connsiteX2" fmla="*/ 944373 w 1008407"/>
-                <a:gd name="connsiteY2" fmla="*/ 0 h 640338"/>
-                <a:gd name="connsiteX3" fmla="*/ 1008407 w 1008407"/>
-                <a:gd name="connsiteY3" fmla="*/ 64034 h 640338"/>
-                <a:gd name="connsiteX4" fmla="*/ 1008407 w 1008407"/>
-                <a:gd name="connsiteY4" fmla="*/ 576304 h 640338"/>
-                <a:gd name="connsiteX5" fmla="*/ 944373 w 1008407"/>
-                <a:gd name="connsiteY5" fmla="*/ 640338 h 640338"/>
-                <a:gd name="connsiteX6" fmla="*/ 64034 w 1008407"/>
-                <a:gd name="connsiteY6" fmla="*/ 640338 h 640338"/>
-                <a:gd name="connsiteX7" fmla="*/ 0 w 1008407"/>
-                <a:gd name="connsiteY7" fmla="*/ 576304 h 640338"/>
-                <a:gd name="connsiteX8" fmla="*/ 0 w 1008407"/>
-                <a:gd name="connsiteY8" fmla="*/ 64034 h 640338"/>
-              </a:gdLst>
-              <a:ahLst/>
-              <a:cxnLst>
-                <a:cxn ang="0">
-                  <a:pos x="connsiteX0" y="connsiteY0"/>
-                </a:cxn>
-                <a:cxn ang="0">
-                  <a:pos x="connsiteX1" y="connsiteY1"/>
-                </a:cxn>
-                <a:cxn ang="0">
-                  <a:pos x="connsiteX2" y="connsiteY2"/>
-                </a:cxn>
-                <a:cxn ang="0">
-                  <a:pos x="connsiteX3" y="connsiteY3"/>
-                </a:cxn>
-                <a:cxn ang="0">
-                  <a:pos x="connsiteX4" y="connsiteY4"/>
-                </a:cxn>
-                <a:cxn ang="0">
-                  <a:pos x="connsiteX5" y="connsiteY5"/>
-                </a:cxn>
-                <a:cxn ang="0">
-                  <a:pos x="connsiteX6" y="connsiteY6"/>
-                </a:cxn>
-                <a:cxn ang="0">
-                  <a:pos x="connsiteX7" y="connsiteY7"/>
-                </a:cxn>
-                <a:cxn ang="0">
-                  <a:pos x="connsiteX8" y="connsiteY8"/>
-                </a:cxn>
-              </a:cxnLst>
-              <a:rect l="l" t="t" r="r" b="b"/>
-              <a:pathLst>
-                <a:path w="1008407" h="640338">
-                  <a:moveTo>
-                    <a:pt x="0" y="64034"/>
-                  </a:moveTo>
-                  <a:cubicBezTo>
-                    <a:pt x="0" y="28669"/>
-                    <a:pt x="28669" y="0"/>
-                    <a:pt x="64034" y="0"/>
-                  </a:cubicBezTo>
-                  <a:lnTo>
-                    <a:pt x="944373" y="0"/>
-                  </a:lnTo>
-                  <a:cubicBezTo>
-                    <a:pt x="979738" y="0"/>
-                    <a:pt x="1008407" y="28669"/>
-                    <a:pt x="1008407" y="64034"/>
-                  </a:cubicBezTo>
-                  <a:lnTo>
-                    <a:pt x="1008407" y="576304"/>
-                  </a:lnTo>
-                  <a:cubicBezTo>
-                    <a:pt x="1008407" y="611669"/>
-                    <a:pt x="979738" y="640338"/>
-                    <a:pt x="944373" y="640338"/>
-                  </a:cubicBezTo>
-                  <a:lnTo>
-                    <a:pt x="64034" y="640338"/>
-                  </a:lnTo>
-                  <a:cubicBezTo>
-                    <a:pt x="28669" y="640338"/>
-                    <a:pt x="0" y="611669"/>
-                    <a:pt x="0" y="576304"/>
-                  </a:cubicBezTo>
-                  <a:lnTo>
-                    <a:pt x="0" y="64034"/>
-                  </a:lnTo>
-                  <a:close/>
-                </a:path>
-              </a:pathLst>
-            </a:custGeom>
-          </p:spPr>
-          <p:style>
-            <a:lnRef idx="2">
-              <a:schemeClr val="accent1">
-                <a:hueOff val="0"/>
-                <a:satOff val="0"/>
-                <a:lumOff val="0"/>
-                <a:alphaOff val="0"/>
-              </a:schemeClr>
-            </a:lnRef>
-            <a:fillRef idx="1">
-              <a:schemeClr val="lt1">
-                <a:alpha val="90000"/>
-                <a:hueOff val="0"/>
-                <a:satOff val="0"/>
-                <a:lumOff val="0"/>
-                <a:alphaOff val="0"/>
-              </a:schemeClr>
-            </a:fillRef>
-            <a:effectRef idx="0">
-              <a:schemeClr val="lt1">
-                <a:alpha val="90000"/>
-                <a:hueOff val="0"/>
-                <a:satOff val="0"/>
-                <a:lumOff val="0"/>
-                <a:alphaOff val="0"/>
-              </a:schemeClr>
-            </a:effectRef>
-            <a:fontRef idx="minor">
-              <a:schemeClr val="dk1">
-                <a:hueOff val="0"/>
-                <a:satOff val="0"/>
-                <a:lumOff val="0"/>
-                <a:alphaOff val="0"/>
-              </a:schemeClr>
-            </a:fontRef>
-          </p:style>
-          <p:txBody>
-            <a:bodyPr spcFirstLastPara="0" vert="horz" wrap="square" lIns="64475" tIns="64475" rIns="64475" bIns="64475" numCol="1" spcCol="1270" anchor="ctr" anchorCtr="0">
-              <a:noAutofit/>
-            </a:bodyPr>
-            <a:lstStyle/>
-            <a:p>
-              <a:pPr marL="0" lvl="0" indent="0" algn="ctr" defTabSz="533400">
-                <a:lnSpc>
-                  <a:spcPct val="90000"/>
-                </a:lnSpc>
-                <a:spcBef>
-                  <a:spcPct val="0"/>
-                </a:spcBef>
-                <a:spcAft>
-                  <a:spcPct val="35000"/>
-                </a:spcAft>
-                <a:buNone/>
-              </a:pPr>
-              <a:r>
-                <a:rPr lang="en-US" sz="1200" kern="1200" dirty="0"/>
-                <a:t>Tumor Samples</a:t>
-              </a:r>
-            </a:p>
-          </p:txBody>
-        </p:sp>
-        <p:sp>
-          <p:nvSpPr>
-            <p:cNvPr id="54" name="Rounded Rectangle 53">
-              <a:extLst>
-                <a:ext uri="{FF2B5EF4-FFF2-40B4-BE49-F238E27FC236}">
-                  <a16:creationId xmlns:a16="http://schemas.microsoft.com/office/drawing/2014/main" id="{F0787387-8B8E-686D-32FB-D0CCEC4BD00D}"/>
-                </a:ext>
-              </a:extLst>
-            </p:cNvPr>
-            <p:cNvSpPr/>
-            <p:nvPr/>
-          </p:nvSpPr>
-          <p:spPr>
-            <a:xfrm>
-              <a:off x="6280056" y="4106013"/>
-              <a:ext cx="1008407" cy="640338"/>
-            </a:xfrm>
-            <a:prstGeom prst="roundRect">
-              <a:avLst>
-                <a:gd name="adj" fmla="val 10000"/>
-              </a:avLst>
-            </a:prstGeom>
-            <a:solidFill>
-              <a:srgbClr val="00B050"/>
-            </a:solidFill>
-          </p:spPr>
-          <p:style>
-            <a:lnRef idx="2">
-              <a:schemeClr val="lt1">
-                <a:hueOff val="0"/>
-                <a:satOff val="0"/>
-                <a:lumOff val="0"/>
-                <a:alphaOff val="0"/>
-              </a:schemeClr>
-            </a:lnRef>
-            <a:fillRef idx="1">
-              <a:scrgbClr r="0" g="0" b="0"/>
-            </a:fillRef>
-            <a:effectRef idx="0">
-              <a:schemeClr val="accent1">
-                <a:hueOff val="0"/>
-                <a:satOff val="0"/>
-                <a:lumOff val="0"/>
-                <a:alphaOff val="0"/>
-              </a:schemeClr>
-            </a:effectRef>
-            <a:fontRef idx="minor">
-              <a:schemeClr val="lt1"/>
-            </a:fontRef>
-          </p:style>
-          <p:txBody>
-            <a:bodyPr/>
-            <a:lstStyle/>
-            <a:p>
-              <a:endParaRPr lang="en-US"/>
-            </a:p>
-          </p:txBody>
-        </p:sp>
-        <p:sp>
-          <p:nvSpPr>
-            <p:cNvPr id="55" name="Freeform 54">
-              <a:extLst>
-                <a:ext uri="{FF2B5EF4-FFF2-40B4-BE49-F238E27FC236}">
-                  <a16:creationId xmlns:a16="http://schemas.microsoft.com/office/drawing/2014/main" id="{198355A8-C53D-2D10-EF35-1F8110CCC935}"/>
-                </a:ext>
-              </a:extLst>
-            </p:cNvPr>
-            <p:cNvSpPr/>
-            <p:nvPr/>
-          </p:nvSpPr>
-          <p:spPr>
-            <a:xfrm>
-              <a:off x="6392101" y="4212456"/>
-              <a:ext cx="1008407" cy="640338"/>
-            </a:xfrm>
-            <a:custGeom>
-              <a:avLst/>
-              <a:gdLst>
-                <a:gd name="connsiteX0" fmla="*/ 0 w 1008407"/>
-                <a:gd name="connsiteY0" fmla="*/ 64034 h 640338"/>
-                <a:gd name="connsiteX1" fmla="*/ 64034 w 1008407"/>
-                <a:gd name="connsiteY1" fmla="*/ 0 h 640338"/>
-                <a:gd name="connsiteX2" fmla="*/ 944373 w 1008407"/>
-                <a:gd name="connsiteY2" fmla="*/ 0 h 640338"/>
-                <a:gd name="connsiteX3" fmla="*/ 1008407 w 1008407"/>
-                <a:gd name="connsiteY3" fmla="*/ 64034 h 640338"/>
-                <a:gd name="connsiteX4" fmla="*/ 1008407 w 1008407"/>
-                <a:gd name="connsiteY4" fmla="*/ 576304 h 640338"/>
-                <a:gd name="connsiteX5" fmla="*/ 944373 w 1008407"/>
-                <a:gd name="connsiteY5" fmla="*/ 640338 h 640338"/>
-                <a:gd name="connsiteX6" fmla="*/ 64034 w 1008407"/>
-                <a:gd name="connsiteY6" fmla="*/ 640338 h 640338"/>
-                <a:gd name="connsiteX7" fmla="*/ 0 w 1008407"/>
-                <a:gd name="connsiteY7" fmla="*/ 576304 h 640338"/>
-                <a:gd name="connsiteX8" fmla="*/ 0 w 1008407"/>
-                <a:gd name="connsiteY8" fmla="*/ 64034 h 640338"/>
-              </a:gdLst>
-              <a:ahLst/>
-              <a:cxnLst>
-                <a:cxn ang="0">
-                  <a:pos x="connsiteX0" y="connsiteY0"/>
-                </a:cxn>
-                <a:cxn ang="0">
-                  <a:pos x="connsiteX1" y="connsiteY1"/>
-                </a:cxn>
-                <a:cxn ang="0">
-                  <a:pos x="connsiteX2" y="connsiteY2"/>
-                </a:cxn>
-                <a:cxn ang="0">
-                  <a:pos x="connsiteX3" y="connsiteY3"/>
-                </a:cxn>
-                <a:cxn ang="0">
-                  <a:pos x="connsiteX4" y="connsiteY4"/>
-                </a:cxn>
-                <a:cxn ang="0">
-                  <a:pos x="connsiteX5" y="connsiteY5"/>
-                </a:cxn>
-                <a:cxn ang="0">
-                  <a:pos x="connsiteX6" y="connsiteY6"/>
-                </a:cxn>
-                <a:cxn ang="0">
-                  <a:pos x="connsiteX7" y="connsiteY7"/>
-                </a:cxn>
-                <a:cxn ang="0">
-                  <a:pos x="connsiteX8" y="connsiteY8"/>
-                </a:cxn>
-              </a:cxnLst>
-              <a:rect l="l" t="t" r="r" b="b"/>
-              <a:pathLst>
-                <a:path w="1008407" h="640338">
-                  <a:moveTo>
-                    <a:pt x="0" y="64034"/>
-                  </a:moveTo>
-                  <a:cubicBezTo>
-                    <a:pt x="0" y="28669"/>
-                    <a:pt x="28669" y="0"/>
-                    <a:pt x="64034" y="0"/>
-                  </a:cubicBezTo>
-                  <a:lnTo>
-                    <a:pt x="944373" y="0"/>
-                  </a:lnTo>
-                  <a:cubicBezTo>
-                    <a:pt x="979738" y="0"/>
-                    <a:pt x="1008407" y="28669"/>
-                    <a:pt x="1008407" y="64034"/>
-                  </a:cubicBezTo>
-                  <a:lnTo>
-                    <a:pt x="1008407" y="576304"/>
-                  </a:lnTo>
-                  <a:cubicBezTo>
-                    <a:pt x="1008407" y="611669"/>
-                    <a:pt x="979738" y="640338"/>
-                    <a:pt x="944373" y="640338"/>
-                  </a:cubicBezTo>
-                  <a:lnTo>
-                    <a:pt x="64034" y="640338"/>
-                  </a:lnTo>
-                  <a:cubicBezTo>
-                    <a:pt x="28669" y="640338"/>
-                    <a:pt x="0" y="611669"/>
-                    <a:pt x="0" y="576304"/>
-                  </a:cubicBezTo>
-                  <a:lnTo>
-                    <a:pt x="0" y="64034"/>
-                  </a:lnTo>
-                  <a:close/>
-                </a:path>
-              </a:pathLst>
-            </a:custGeom>
-          </p:spPr>
-          <p:style>
-            <a:lnRef idx="2">
-              <a:schemeClr val="accent1">
-                <a:hueOff val="0"/>
-                <a:satOff val="0"/>
-                <a:lumOff val="0"/>
-                <a:alphaOff val="0"/>
-              </a:schemeClr>
-            </a:lnRef>
-            <a:fillRef idx="1">
-              <a:schemeClr val="lt1">
-                <a:alpha val="90000"/>
-                <a:hueOff val="0"/>
-                <a:satOff val="0"/>
-                <a:lumOff val="0"/>
-                <a:alphaOff val="0"/>
-              </a:schemeClr>
-            </a:fillRef>
-            <a:effectRef idx="0">
-              <a:schemeClr val="lt1">
-                <a:alpha val="90000"/>
-                <a:hueOff val="0"/>
-                <a:satOff val="0"/>
-                <a:lumOff val="0"/>
-                <a:alphaOff val="0"/>
-              </a:schemeClr>
-            </a:effectRef>
-            <a:fontRef idx="minor">
-              <a:schemeClr val="dk1">
-                <a:hueOff val="0"/>
-                <a:satOff val="0"/>
-                <a:lumOff val="0"/>
-                <a:alphaOff val="0"/>
-              </a:schemeClr>
-            </a:fontRef>
-          </p:style>
-          <p:txBody>
-            <a:bodyPr spcFirstLastPara="0" vert="horz" wrap="square" lIns="64475" tIns="64475" rIns="64475" bIns="64475" numCol="1" spcCol="1270" anchor="ctr" anchorCtr="0">
-              <a:noAutofit/>
-            </a:bodyPr>
-            <a:lstStyle/>
-            <a:p>
-              <a:pPr marL="0" lvl="0" indent="0" algn="ctr" defTabSz="533400">
-                <a:lnSpc>
-                  <a:spcPct val="90000"/>
-                </a:lnSpc>
-                <a:spcBef>
-                  <a:spcPct val="0"/>
-                </a:spcBef>
-                <a:spcAft>
-                  <a:spcPct val="35000"/>
-                </a:spcAft>
-                <a:buNone/>
-              </a:pPr>
-              <a:r>
-                <a:rPr lang="en-US" sz="1200" kern="1200" dirty="0"/>
-                <a:t>Not Detected</a:t>
-              </a:r>
-            </a:p>
-          </p:txBody>
-        </p:sp>
-        <p:sp>
-          <p:nvSpPr>
-            <p:cNvPr id="56" name="Rounded Rectangle 55">
-              <a:extLst>
-                <a:ext uri="{FF2B5EF4-FFF2-40B4-BE49-F238E27FC236}">
-                  <a16:creationId xmlns:a16="http://schemas.microsoft.com/office/drawing/2014/main" id="{70DE52E5-1FD7-28F9-4BC8-DF79106087A5}"/>
-                </a:ext>
-              </a:extLst>
-            </p:cNvPr>
-            <p:cNvSpPr/>
-            <p:nvPr/>
-          </p:nvSpPr>
-          <p:spPr>
-            <a:xfrm>
-              <a:off x="6280056" y="5039630"/>
-              <a:ext cx="1008407" cy="640338"/>
-            </a:xfrm>
-            <a:prstGeom prst="roundRect">
-              <a:avLst>
-                <a:gd name="adj" fmla="val 10000"/>
-              </a:avLst>
-            </a:prstGeom>
-            <a:solidFill>
-              <a:srgbClr val="00B050"/>
-            </a:solidFill>
-          </p:spPr>
-          <p:style>
-            <a:lnRef idx="2">
-              <a:schemeClr val="lt1">
-                <a:hueOff val="0"/>
-                <a:satOff val="0"/>
-                <a:lumOff val="0"/>
-                <a:alphaOff val="0"/>
-              </a:schemeClr>
-            </a:lnRef>
-            <a:fillRef idx="1">
-              <a:scrgbClr r="0" g="0" b="0"/>
-            </a:fillRef>
-            <a:effectRef idx="0">
-              <a:schemeClr val="accent1">
-                <a:hueOff val="0"/>
-                <a:satOff val="0"/>
-                <a:lumOff val="0"/>
-                <a:alphaOff val="0"/>
-              </a:schemeClr>
-            </a:effectRef>
-            <a:fontRef idx="minor">
-              <a:schemeClr val="lt1"/>
-            </a:fontRef>
-          </p:style>
-          <p:txBody>
-            <a:bodyPr/>
-            <a:lstStyle/>
-            <a:p>
-              <a:endParaRPr lang="en-US"/>
-            </a:p>
-          </p:txBody>
-        </p:sp>
-        <p:sp>
-          <p:nvSpPr>
-            <p:cNvPr id="57" name="Freeform 56">
-              <a:extLst>
-                <a:ext uri="{FF2B5EF4-FFF2-40B4-BE49-F238E27FC236}">
-                  <a16:creationId xmlns:a16="http://schemas.microsoft.com/office/drawing/2014/main" id="{087410F6-C640-4CB4-B6FC-8FECCE835973}"/>
-                </a:ext>
-              </a:extLst>
-            </p:cNvPr>
-            <p:cNvSpPr/>
-            <p:nvPr/>
-          </p:nvSpPr>
-          <p:spPr>
-            <a:xfrm>
-              <a:off x="6392101" y="5146073"/>
-              <a:ext cx="1008407" cy="640338"/>
-            </a:xfrm>
-            <a:custGeom>
-              <a:avLst/>
-              <a:gdLst>
-                <a:gd name="connsiteX0" fmla="*/ 0 w 1008407"/>
-                <a:gd name="connsiteY0" fmla="*/ 64034 h 640338"/>
-                <a:gd name="connsiteX1" fmla="*/ 64034 w 1008407"/>
-                <a:gd name="connsiteY1" fmla="*/ 0 h 640338"/>
-                <a:gd name="connsiteX2" fmla="*/ 944373 w 1008407"/>
-                <a:gd name="connsiteY2" fmla="*/ 0 h 640338"/>
-                <a:gd name="connsiteX3" fmla="*/ 1008407 w 1008407"/>
-                <a:gd name="connsiteY3" fmla="*/ 64034 h 640338"/>
-                <a:gd name="connsiteX4" fmla="*/ 1008407 w 1008407"/>
-                <a:gd name="connsiteY4" fmla="*/ 576304 h 640338"/>
-                <a:gd name="connsiteX5" fmla="*/ 944373 w 1008407"/>
-                <a:gd name="connsiteY5" fmla="*/ 640338 h 640338"/>
-                <a:gd name="connsiteX6" fmla="*/ 64034 w 1008407"/>
-                <a:gd name="connsiteY6" fmla="*/ 640338 h 640338"/>
-                <a:gd name="connsiteX7" fmla="*/ 0 w 1008407"/>
-                <a:gd name="connsiteY7" fmla="*/ 576304 h 640338"/>
-                <a:gd name="connsiteX8" fmla="*/ 0 w 1008407"/>
-                <a:gd name="connsiteY8" fmla="*/ 64034 h 640338"/>
-              </a:gdLst>
-              <a:ahLst/>
-              <a:cxnLst>
-                <a:cxn ang="0">
-                  <a:pos x="connsiteX0" y="connsiteY0"/>
-                </a:cxn>
-                <a:cxn ang="0">
-                  <a:pos x="connsiteX1" y="connsiteY1"/>
-                </a:cxn>
-                <a:cxn ang="0">
-                  <a:pos x="connsiteX2" y="connsiteY2"/>
-                </a:cxn>
-                <a:cxn ang="0">
-                  <a:pos x="connsiteX3" y="connsiteY3"/>
-                </a:cxn>
-                <a:cxn ang="0">
-                  <a:pos x="connsiteX4" y="connsiteY4"/>
-                </a:cxn>
-                <a:cxn ang="0">
-                  <a:pos x="connsiteX5" y="connsiteY5"/>
-                </a:cxn>
-                <a:cxn ang="0">
-                  <a:pos x="connsiteX6" y="connsiteY6"/>
-                </a:cxn>
-                <a:cxn ang="0">
-                  <a:pos x="connsiteX7" y="connsiteY7"/>
-                </a:cxn>
-                <a:cxn ang="0">
-                  <a:pos x="connsiteX8" y="connsiteY8"/>
-                </a:cxn>
-              </a:cxnLst>
-              <a:rect l="l" t="t" r="r" b="b"/>
-              <a:pathLst>
-                <a:path w="1008407" h="640338">
-                  <a:moveTo>
-                    <a:pt x="0" y="64034"/>
-                  </a:moveTo>
-                  <a:cubicBezTo>
-                    <a:pt x="0" y="28669"/>
-                    <a:pt x="28669" y="0"/>
-                    <a:pt x="64034" y="0"/>
-                  </a:cubicBezTo>
-                  <a:lnTo>
-                    <a:pt x="944373" y="0"/>
-                  </a:lnTo>
-                  <a:cubicBezTo>
-                    <a:pt x="979738" y="0"/>
-                    <a:pt x="1008407" y="28669"/>
-                    <a:pt x="1008407" y="64034"/>
-                  </a:cubicBezTo>
-                  <a:lnTo>
-                    <a:pt x="1008407" y="576304"/>
-                  </a:lnTo>
-                  <a:cubicBezTo>
-                    <a:pt x="1008407" y="611669"/>
-                    <a:pt x="979738" y="640338"/>
-                    <a:pt x="944373" y="640338"/>
-                  </a:cubicBezTo>
-                  <a:lnTo>
-                    <a:pt x="64034" y="640338"/>
-                  </a:lnTo>
-                  <a:cubicBezTo>
-                    <a:pt x="28669" y="640338"/>
-                    <a:pt x="0" y="611669"/>
-                    <a:pt x="0" y="576304"/>
-                  </a:cubicBezTo>
-                  <a:lnTo>
-                    <a:pt x="0" y="64034"/>
-                  </a:lnTo>
-                  <a:close/>
-                </a:path>
-              </a:pathLst>
-            </a:custGeom>
-          </p:spPr>
-          <p:style>
-            <a:lnRef idx="2">
-              <a:schemeClr val="accent1">
-                <a:hueOff val="0"/>
-                <a:satOff val="0"/>
-                <a:lumOff val="0"/>
-                <a:alphaOff val="0"/>
-              </a:schemeClr>
-            </a:lnRef>
-            <a:fillRef idx="1">
-              <a:schemeClr val="lt1">
-                <a:alpha val="90000"/>
-                <a:hueOff val="0"/>
-                <a:satOff val="0"/>
-                <a:lumOff val="0"/>
-                <a:alphaOff val="0"/>
-              </a:schemeClr>
-            </a:fillRef>
-            <a:effectRef idx="0">
-              <a:schemeClr val="lt1">
-                <a:alpha val="90000"/>
-                <a:hueOff val="0"/>
-                <a:satOff val="0"/>
-                <a:lumOff val="0"/>
-                <a:alphaOff val="0"/>
-              </a:schemeClr>
-            </a:effectRef>
-            <a:fontRef idx="minor">
-              <a:schemeClr val="dk1">
-                <a:hueOff val="0"/>
-                <a:satOff val="0"/>
-                <a:lumOff val="0"/>
-                <a:alphaOff val="0"/>
-              </a:schemeClr>
-            </a:fontRef>
-          </p:style>
-          <p:txBody>
-            <a:bodyPr spcFirstLastPara="0" vert="horz" wrap="square" lIns="64475" tIns="64475" rIns="64475" bIns="64475" numCol="1" spcCol="1270" anchor="ctr" anchorCtr="0">
-              <a:noAutofit/>
-            </a:bodyPr>
-            <a:lstStyle/>
-            <a:p>
-              <a:pPr marL="0" lvl="0" indent="0" algn="ctr" defTabSz="533400">
-                <a:lnSpc>
-                  <a:spcPct val="90000"/>
-                </a:lnSpc>
-                <a:spcBef>
-                  <a:spcPct val="0"/>
-                </a:spcBef>
-                <a:spcAft>
-                  <a:spcPct val="35000"/>
-                </a:spcAft>
-                <a:buNone/>
-              </a:pPr>
-              <a:r>
-                <a:rPr lang="en-US" sz="1200" kern="1200" dirty="0"/>
-                <a:t>WBC derived</a:t>
-              </a:r>
-            </a:p>
-          </p:txBody>
-        </p:sp>
-        <p:sp>
-          <p:nvSpPr>
-            <p:cNvPr id="58" name="Rounded Rectangle 57">
-              <a:extLst>
-                <a:ext uri="{FF2B5EF4-FFF2-40B4-BE49-F238E27FC236}">
-                  <a16:creationId xmlns:a16="http://schemas.microsoft.com/office/drawing/2014/main" id="{815CC360-97D3-1A0E-4AB9-3853499A70B3}"/>
-                </a:ext>
-              </a:extLst>
-            </p:cNvPr>
-            <p:cNvSpPr/>
-            <p:nvPr/>
-          </p:nvSpPr>
-          <p:spPr>
-            <a:xfrm>
-              <a:off x="8128803" y="1305161"/>
-              <a:ext cx="1008407" cy="640338"/>
-            </a:xfrm>
-            <a:prstGeom prst="roundRect">
-              <a:avLst>
-                <a:gd name="adj" fmla="val 10000"/>
-              </a:avLst>
-            </a:prstGeom>
-            <a:solidFill>
-              <a:srgbClr val="FFC000"/>
-            </a:solidFill>
-          </p:spPr>
-          <p:style>
-            <a:lnRef idx="2">
-              <a:schemeClr val="lt1">
-                <a:hueOff val="0"/>
-                <a:satOff val="0"/>
-                <a:lumOff val="0"/>
-                <a:alphaOff val="0"/>
-              </a:schemeClr>
-            </a:lnRef>
-            <a:fillRef idx="1">
-              <a:scrgbClr r="0" g="0" b="0"/>
-            </a:fillRef>
-            <a:effectRef idx="0">
-              <a:schemeClr val="accent1">
-                <a:hueOff val="0"/>
-                <a:satOff val="0"/>
-                <a:lumOff val="0"/>
-                <a:alphaOff val="0"/>
-              </a:schemeClr>
-            </a:effectRef>
-            <a:fontRef idx="minor">
-              <a:schemeClr val="lt1"/>
-            </a:fontRef>
-          </p:style>
-          <p:txBody>
-            <a:bodyPr/>
-            <a:lstStyle/>
-            <a:p>
-              <a:endParaRPr lang="en-US"/>
-            </a:p>
-          </p:txBody>
-        </p:sp>
-        <p:sp>
-          <p:nvSpPr>
-            <p:cNvPr id="59" name="Freeform 58">
-              <a:extLst>
-                <a:ext uri="{FF2B5EF4-FFF2-40B4-BE49-F238E27FC236}">
-                  <a16:creationId xmlns:a16="http://schemas.microsoft.com/office/drawing/2014/main" id="{FD27F3B6-7EF9-1630-8975-17A975EB97CA}"/>
-                </a:ext>
-              </a:extLst>
-            </p:cNvPr>
-            <p:cNvSpPr/>
-            <p:nvPr/>
-          </p:nvSpPr>
-          <p:spPr>
-            <a:xfrm>
-              <a:off x="8240848" y="1411604"/>
-              <a:ext cx="1008407" cy="640338"/>
-            </a:xfrm>
-            <a:custGeom>
-              <a:avLst/>
-              <a:gdLst>
-                <a:gd name="connsiteX0" fmla="*/ 0 w 1008407"/>
-                <a:gd name="connsiteY0" fmla="*/ 64034 h 640338"/>
-                <a:gd name="connsiteX1" fmla="*/ 64034 w 1008407"/>
-                <a:gd name="connsiteY1" fmla="*/ 0 h 640338"/>
-                <a:gd name="connsiteX2" fmla="*/ 944373 w 1008407"/>
-                <a:gd name="connsiteY2" fmla="*/ 0 h 640338"/>
-                <a:gd name="connsiteX3" fmla="*/ 1008407 w 1008407"/>
-                <a:gd name="connsiteY3" fmla="*/ 64034 h 640338"/>
-                <a:gd name="connsiteX4" fmla="*/ 1008407 w 1008407"/>
-                <a:gd name="connsiteY4" fmla="*/ 576304 h 640338"/>
-                <a:gd name="connsiteX5" fmla="*/ 944373 w 1008407"/>
-                <a:gd name="connsiteY5" fmla="*/ 640338 h 640338"/>
-                <a:gd name="connsiteX6" fmla="*/ 64034 w 1008407"/>
-                <a:gd name="connsiteY6" fmla="*/ 640338 h 640338"/>
-                <a:gd name="connsiteX7" fmla="*/ 0 w 1008407"/>
-                <a:gd name="connsiteY7" fmla="*/ 576304 h 640338"/>
-                <a:gd name="connsiteX8" fmla="*/ 0 w 1008407"/>
-                <a:gd name="connsiteY8" fmla="*/ 64034 h 640338"/>
-              </a:gdLst>
-              <a:ahLst/>
-              <a:cxnLst>
-                <a:cxn ang="0">
-                  <a:pos x="connsiteX0" y="connsiteY0"/>
-                </a:cxn>
-                <a:cxn ang="0">
-                  <a:pos x="connsiteX1" y="connsiteY1"/>
-                </a:cxn>
-                <a:cxn ang="0">
-                  <a:pos x="connsiteX2" y="connsiteY2"/>
-                </a:cxn>
-                <a:cxn ang="0">
-                  <a:pos x="connsiteX3" y="connsiteY3"/>
-                </a:cxn>
-                <a:cxn ang="0">
-                  <a:pos x="connsiteX4" y="connsiteY4"/>
-                </a:cxn>
-                <a:cxn ang="0">
-                  <a:pos x="connsiteX5" y="connsiteY5"/>
-                </a:cxn>
-                <a:cxn ang="0">
-                  <a:pos x="connsiteX6" y="connsiteY6"/>
-                </a:cxn>
-                <a:cxn ang="0">
-                  <a:pos x="connsiteX7" y="connsiteY7"/>
-                </a:cxn>
-                <a:cxn ang="0">
-                  <a:pos x="connsiteX8" y="connsiteY8"/>
-                </a:cxn>
-              </a:cxnLst>
-              <a:rect l="l" t="t" r="r" b="b"/>
-              <a:pathLst>
-                <a:path w="1008407" h="640338">
-                  <a:moveTo>
-                    <a:pt x="0" y="64034"/>
-                  </a:moveTo>
-                  <a:cubicBezTo>
-                    <a:pt x="0" y="28669"/>
-                    <a:pt x="28669" y="0"/>
-                    <a:pt x="64034" y="0"/>
-                  </a:cubicBezTo>
-                  <a:lnTo>
-                    <a:pt x="944373" y="0"/>
-                  </a:lnTo>
-                  <a:cubicBezTo>
-                    <a:pt x="979738" y="0"/>
-                    <a:pt x="1008407" y="28669"/>
-                    <a:pt x="1008407" y="64034"/>
-                  </a:cubicBezTo>
-                  <a:lnTo>
-                    <a:pt x="1008407" y="576304"/>
-                  </a:lnTo>
-                  <a:cubicBezTo>
-                    <a:pt x="1008407" y="611669"/>
-                    <a:pt x="979738" y="640338"/>
-                    <a:pt x="944373" y="640338"/>
-                  </a:cubicBezTo>
-                  <a:lnTo>
-                    <a:pt x="64034" y="640338"/>
-                  </a:lnTo>
-                  <a:cubicBezTo>
-                    <a:pt x="28669" y="640338"/>
-                    <a:pt x="0" y="611669"/>
-                    <a:pt x="0" y="576304"/>
-                  </a:cubicBezTo>
-                  <a:lnTo>
-                    <a:pt x="0" y="64034"/>
-                  </a:lnTo>
-                  <a:close/>
-                </a:path>
-              </a:pathLst>
-            </a:custGeom>
-          </p:spPr>
-          <p:style>
-            <a:lnRef idx="2">
-              <a:schemeClr val="accent1">
-                <a:hueOff val="0"/>
-                <a:satOff val="0"/>
-                <a:lumOff val="0"/>
-                <a:alphaOff val="0"/>
-              </a:schemeClr>
-            </a:lnRef>
-            <a:fillRef idx="1">
-              <a:schemeClr val="lt1">
-                <a:alpha val="90000"/>
-                <a:hueOff val="0"/>
-                <a:satOff val="0"/>
-                <a:lumOff val="0"/>
-                <a:alphaOff val="0"/>
-              </a:schemeClr>
-            </a:fillRef>
-            <a:effectRef idx="0">
-              <a:schemeClr val="lt1">
-                <a:alpha val="90000"/>
-                <a:hueOff val="0"/>
-                <a:satOff val="0"/>
-                <a:lumOff val="0"/>
-                <a:alphaOff val="0"/>
-              </a:schemeClr>
-            </a:effectRef>
-            <a:fontRef idx="minor">
-              <a:schemeClr val="dk1">
-                <a:hueOff val="0"/>
-                <a:satOff val="0"/>
-                <a:lumOff val="0"/>
-                <a:alphaOff val="0"/>
-              </a:schemeClr>
-            </a:fontRef>
-          </p:style>
-          <p:txBody>
-            <a:bodyPr spcFirstLastPara="0" vert="horz" wrap="square" lIns="64475" tIns="64475" rIns="64475" bIns="64475" numCol="1" spcCol="1270" anchor="ctr" anchorCtr="0">
-              <a:noAutofit/>
-            </a:bodyPr>
-            <a:lstStyle/>
-            <a:p>
-              <a:pPr marL="0" lvl="0" indent="0" algn="ctr" defTabSz="533400">
-                <a:lnSpc>
-                  <a:spcPct val="90000"/>
-                </a:lnSpc>
-                <a:spcBef>
-                  <a:spcPct val="0"/>
-                </a:spcBef>
-                <a:spcAft>
-                  <a:spcPct val="35000"/>
-                </a:spcAft>
-                <a:buNone/>
-              </a:pPr>
-              <a:r>
-                <a:rPr lang="en-US" sz="1700" b="1" kern="1200" dirty="0"/>
-                <a:t>COSMIC</a:t>
-              </a:r>
-            </a:p>
-          </p:txBody>
-        </p:sp>
-        <p:sp>
-          <p:nvSpPr>
-            <p:cNvPr id="60" name="Rounded Rectangle 59">
-              <a:extLst>
-                <a:ext uri="{FF2B5EF4-FFF2-40B4-BE49-F238E27FC236}">
-                  <a16:creationId xmlns:a16="http://schemas.microsoft.com/office/drawing/2014/main" id="{DF7CC849-89BC-9A18-50F2-448F6C09E797}"/>
-                </a:ext>
-              </a:extLst>
-            </p:cNvPr>
-            <p:cNvSpPr/>
-            <p:nvPr/>
-          </p:nvSpPr>
-          <p:spPr>
-            <a:xfrm>
-              <a:off x="7512554" y="2238779"/>
-              <a:ext cx="1008407" cy="640338"/>
-            </a:xfrm>
-            <a:prstGeom prst="roundRect">
-              <a:avLst>
-                <a:gd name="adj" fmla="val 10000"/>
-              </a:avLst>
-            </a:prstGeom>
-            <a:solidFill>
-              <a:srgbClr val="FFC000"/>
-            </a:solidFill>
-          </p:spPr>
-          <p:style>
-            <a:lnRef idx="2">
-              <a:schemeClr val="lt1">
-                <a:hueOff val="0"/>
-                <a:satOff val="0"/>
-                <a:lumOff val="0"/>
-                <a:alphaOff val="0"/>
-              </a:schemeClr>
-            </a:lnRef>
-            <a:fillRef idx="1">
-              <a:scrgbClr r="0" g="0" b="0"/>
-            </a:fillRef>
-            <a:effectRef idx="0">
-              <a:schemeClr val="accent1">
-                <a:hueOff val="0"/>
-                <a:satOff val="0"/>
-                <a:lumOff val="0"/>
-                <a:alphaOff val="0"/>
-              </a:schemeClr>
-            </a:effectRef>
-            <a:fontRef idx="minor">
-              <a:schemeClr val="lt1"/>
-            </a:fontRef>
-          </p:style>
-          <p:txBody>
-            <a:bodyPr/>
-            <a:lstStyle/>
-            <a:p>
-              <a:endParaRPr lang="en-US"/>
-            </a:p>
-          </p:txBody>
-        </p:sp>
-        <p:sp>
-          <p:nvSpPr>
-            <p:cNvPr id="61" name="Freeform 60">
-              <a:extLst>
-                <a:ext uri="{FF2B5EF4-FFF2-40B4-BE49-F238E27FC236}">
-                  <a16:creationId xmlns:a16="http://schemas.microsoft.com/office/drawing/2014/main" id="{E8B56CED-0BC5-CAEE-E3A8-341BB0CEACC3}"/>
-                </a:ext>
-              </a:extLst>
-            </p:cNvPr>
-            <p:cNvSpPr/>
-            <p:nvPr/>
-          </p:nvSpPr>
-          <p:spPr>
-            <a:xfrm>
-              <a:off x="7624599" y="2345222"/>
-              <a:ext cx="1008407" cy="640338"/>
-            </a:xfrm>
-            <a:custGeom>
-              <a:avLst/>
-              <a:gdLst>
-                <a:gd name="connsiteX0" fmla="*/ 0 w 1008407"/>
-                <a:gd name="connsiteY0" fmla="*/ 64034 h 640338"/>
-                <a:gd name="connsiteX1" fmla="*/ 64034 w 1008407"/>
-                <a:gd name="connsiteY1" fmla="*/ 0 h 640338"/>
-                <a:gd name="connsiteX2" fmla="*/ 944373 w 1008407"/>
-                <a:gd name="connsiteY2" fmla="*/ 0 h 640338"/>
-                <a:gd name="connsiteX3" fmla="*/ 1008407 w 1008407"/>
-                <a:gd name="connsiteY3" fmla="*/ 64034 h 640338"/>
-                <a:gd name="connsiteX4" fmla="*/ 1008407 w 1008407"/>
-                <a:gd name="connsiteY4" fmla="*/ 576304 h 640338"/>
-                <a:gd name="connsiteX5" fmla="*/ 944373 w 1008407"/>
-                <a:gd name="connsiteY5" fmla="*/ 640338 h 640338"/>
-                <a:gd name="connsiteX6" fmla="*/ 64034 w 1008407"/>
-                <a:gd name="connsiteY6" fmla="*/ 640338 h 640338"/>
-                <a:gd name="connsiteX7" fmla="*/ 0 w 1008407"/>
-                <a:gd name="connsiteY7" fmla="*/ 576304 h 640338"/>
-                <a:gd name="connsiteX8" fmla="*/ 0 w 1008407"/>
-                <a:gd name="connsiteY8" fmla="*/ 64034 h 640338"/>
-              </a:gdLst>
-              <a:ahLst/>
-              <a:cxnLst>
-                <a:cxn ang="0">
-                  <a:pos x="connsiteX0" y="connsiteY0"/>
-                </a:cxn>
-                <a:cxn ang="0">
-                  <a:pos x="connsiteX1" y="connsiteY1"/>
-                </a:cxn>
-                <a:cxn ang="0">
-                  <a:pos x="connsiteX2" y="connsiteY2"/>
-                </a:cxn>
-                <a:cxn ang="0">
-                  <a:pos x="connsiteX3" y="connsiteY3"/>
-                </a:cxn>
-                <a:cxn ang="0">
-                  <a:pos x="connsiteX4" y="connsiteY4"/>
-                </a:cxn>
-                <a:cxn ang="0">
-                  <a:pos x="connsiteX5" y="connsiteY5"/>
-                </a:cxn>
-                <a:cxn ang="0">
-                  <a:pos x="connsiteX6" y="connsiteY6"/>
-                </a:cxn>
-                <a:cxn ang="0">
-                  <a:pos x="connsiteX7" y="connsiteY7"/>
-                </a:cxn>
-                <a:cxn ang="0">
-                  <a:pos x="connsiteX8" y="connsiteY8"/>
-                </a:cxn>
-              </a:cxnLst>
-              <a:rect l="l" t="t" r="r" b="b"/>
-              <a:pathLst>
-                <a:path w="1008407" h="640338">
-                  <a:moveTo>
-                    <a:pt x="0" y="64034"/>
-                  </a:moveTo>
-                  <a:cubicBezTo>
-                    <a:pt x="0" y="28669"/>
-                    <a:pt x="28669" y="0"/>
-                    <a:pt x="64034" y="0"/>
-                  </a:cubicBezTo>
-                  <a:lnTo>
-                    <a:pt x="944373" y="0"/>
-                  </a:lnTo>
-                  <a:cubicBezTo>
-                    <a:pt x="979738" y="0"/>
-                    <a:pt x="1008407" y="28669"/>
-                    <a:pt x="1008407" y="64034"/>
-                  </a:cubicBezTo>
-                  <a:lnTo>
-                    <a:pt x="1008407" y="576304"/>
-                  </a:lnTo>
-                  <a:cubicBezTo>
-                    <a:pt x="1008407" y="611669"/>
-                    <a:pt x="979738" y="640338"/>
-                    <a:pt x="944373" y="640338"/>
-                  </a:cubicBezTo>
-                  <a:lnTo>
-                    <a:pt x="64034" y="640338"/>
-                  </a:lnTo>
-                  <a:cubicBezTo>
-                    <a:pt x="28669" y="640338"/>
-                    <a:pt x="0" y="611669"/>
-                    <a:pt x="0" y="576304"/>
-                  </a:cubicBezTo>
-                  <a:lnTo>
-                    <a:pt x="0" y="64034"/>
-                  </a:lnTo>
-                  <a:close/>
-                </a:path>
-              </a:pathLst>
-            </a:custGeom>
-          </p:spPr>
-          <p:style>
-            <a:lnRef idx="2">
-              <a:schemeClr val="accent1">
-                <a:hueOff val="0"/>
-                <a:satOff val="0"/>
-                <a:lumOff val="0"/>
-                <a:alphaOff val="0"/>
-              </a:schemeClr>
-            </a:lnRef>
-            <a:fillRef idx="1">
-              <a:schemeClr val="lt1">
-                <a:alpha val="90000"/>
-                <a:hueOff val="0"/>
-                <a:satOff val="0"/>
-                <a:lumOff val="0"/>
-                <a:alphaOff val="0"/>
-              </a:schemeClr>
-            </a:fillRef>
-            <a:effectRef idx="0">
-              <a:schemeClr val="lt1">
-                <a:alpha val="90000"/>
-                <a:hueOff val="0"/>
-                <a:satOff val="0"/>
-                <a:lumOff val="0"/>
-                <a:alphaOff val="0"/>
-              </a:schemeClr>
-            </a:effectRef>
-            <a:fontRef idx="minor">
-              <a:schemeClr val="dk1">
-                <a:hueOff val="0"/>
-                <a:satOff val="0"/>
-                <a:lumOff val="0"/>
-                <a:alphaOff val="0"/>
-              </a:schemeClr>
-            </a:fontRef>
-          </p:style>
-          <p:txBody>
-            <a:bodyPr spcFirstLastPara="0" vert="horz" wrap="square" lIns="64475" tIns="64475" rIns="64475" bIns="64475" numCol="1" spcCol="1270" anchor="ctr" anchorCtr="0">
-              <a:noAutofit/>
-            </a:bodyPr>
-            <a:lstStyle/>
-            <a:p>
-              <a:pPr marL="0" lvl="0" indent="0" algn="ctr" defTabSz="533400">
-                <a:lnSpc>
-                  <a:spcPct val="90000"/>
-                </a:lnSpc>
-                <a:spcBef>
-                  <a:spcPct val="0"/>
-                </a:spcBef>
-                <a:spcAft>
-                  <a:spcPct val="35000"/>
-                </a:spcAft>
-                <a:buNone/>
-              </a:pPr>
-              <a:r>
-                <a:rPr lang="en-US" sz="1200" kern="1200" dirty="0"/>
-                <a:t>≥ 25 Occurrences</a:t>
-              </a:r>
-            </a:p>
-          </p:txBody>
-        </p:sp>
-        <p:sp>
-          <p:nvSpPr>
-            <p:cNvPr id="62" name="Rounded Rectangle 61">
-              <a:extLst>
-                <a:ext uri="{FF2B5EF4-FFF2-40B4-BE49-F238E27FC236}">
-                  <a16:creationId xmlns:a16="http://schemas.microsoft.com/office/drawing/2014/main" id="{2EB66D1F-DC1E-03A9-C73A-8E567E84791F}"/>
-                </a:ext>
-              </a:extLst>
-            </p:cNvPr>
-            <p:cNvSpPr/>
-            <p:nvPr/>
-          </p:nvSpPr>
-          <p:spPr>
-            <a:xfrm>
-              <a:off x="7512554" y="3172396"/>
-              <a:ext cx="1008407" cy="640338"/>
-            </a:xfrm>
-            <a:prstGeom prst="roundRect">
-              <a:avLst>
-                <a:gd name="adj" fmla="val 10000"/>
-              </a:avLst>
-            </a:prstGeom>
-            <a:solidFill>
-              <a:srgbClr val="FFC000"/>
-            </a:solidFill>
-          </p:spPr>
-          <p:style>
-            <a:lnRef idx="2">
-              <a:schemeClr val="lt1">
-                <a:hueOff val="0"/>
-                <a:satOff val="0"/>
-                <a:lumOff val="0"/>
-                <a:alphaOff val="0"/>
-              </a:schemeClr>
-            </a:lnRef>
-            <a:fillRef idx="1">
-              <a:scrgbClr r="0" g="0" b="0"/>
-            </a:fillRef>
-            <a:effectRef idx="0">
-              <a:schemeClr val="accent1">
-                <a:hueOff val="0"/>
-                <a:satOff val="0"/>
-                <a:lumOff val="0"/>
-                <a:alphaOff val="0"/>
-              </a:schemeClr>
-            </a:effectRef>
-            <a:fontRef idx="minor">
-              <a:schemeClr val="lt1"/>
-            </a:fontRef>
-          </p:style>
-          <p:txBody>
-            <a:bodyPr/>
-            <a:lstStyle/>
-            <a:p>
-              <a:endParaRPr lang="en-US"/>
-            </a:p>
-          </p:txBody>
-        </p:sp>
-        <p:sp>
-          <p:nvSpPr>
-            <p:cNvPr id="63" name="Freeform 62">
-              <a:extLst>
-                <a:ext uri="{FF2B5EF4-FFF2-40B4-BE49-F238E27FC236}">
-                  <a16:creationId xmlns:a16="http://schemas.microsoft.com/office/drawing/2014/main" id="{8EFEB95C-C55F-CF0B-3D1F-8456EB692BEE}"/>
-                </a:ext>
-              </a:extLst>
-            </p:cNvPr>
-            <p:cNvSpPr/>
-            <p:nvPr/>
-          </p:nvSpPr>
-          <p:spPr>
-            <a:xfrm>
-              <a:off x="7624599" y="3278839"/>
-              <a:ext cx="1008407" cy="640338"/>
-            </a:xfrm>
-            <a:custGeom>
-              <a:avLst/>
-              <a:gdLst>
-                <a:gd name="connsiteX0" fmla="*/ 0 w 1008407"/>
-                <a:gd name="connsiteY0" fmla="*/ 64034 h 640338"/>
-                <a:gd name="connsiteX1" fmla="*/ 64034 w 1008407"/>
-                <a:gd name="connsiteY1" fmla="*/ 0 h 640338"/>
-                <a:gd name="connsiteX2" fmla="*/ 944373 w 1008407"/>
-                <a:gd name="connsiteY2" fmla="*/ 0 h 640338"/>
-                <a:gd name="connsiteX3" fmla="*/ 1008407 w 1008407"/>
-                <a:gd name="connsiteY3" fmla="*/ 64034 h 640338"/>
-                <a:gd name="connsiteX4" fmla="*/ 1008407 w 1008407"/>
-                <a:gd name="connsiteY4" fmla="*/ 576304 h 640338"/>
-                <a:gd name="connsiteX5" fmla="*/ 944373 w 1008407"/>
-                <a:gd name="connsiteY5" fmla="*/ 640338 h 640338"/>
-                <a:gd name="connsiteX6" fmla="*/ 64034 w 1008407"/>
-                <a:gd name="connsiteY6" fmla="*/ 640338 h 640338"/>
-                <a:gd name="connsiteX7" fmla="*/ 0 w 1008407"/>
-                <a:gd name="connsiteY7" fmla="*/ 576304 h 640338"/>
-                <a:gd name="connsiteX8" fmla="*/ 0 w 1008407"/>
-                <a:gd name="connsiteY8" fmla="*/ 64034 h 640338"/>
-              </a:gdLst>
-              <a:ahLst/>
-              <a:cxnLst>
-                <a:cxn ang="0">
-                  <a:pos x="connsiteX0" y="connsiteY0"/>
-                </a:cxn>
-                <a:cxn ang="0">
-                  <a:pos x="connsiteX1" y="connsiteY1"/>
-                </a:cxn>
-                <a:cxn ang="0">
-                  <a:pos x="connsiteX2" y="connsiteY2"/>
-                </a:cxn>
-                <a:cxn ang="0">
-                  <a:pos x="connsiteX3" y="connsiteY3"/>
-                </a:cxn>
-                <a:cxn ang="0">
-                  <a:pos x="connsiteX4" y="connsiteY4"/>
-                </a:cxn>
-                <a:cxn ang="0">
-                  <a:pos x="connsiteX5" y="connsiteY5"/>
-                </a:cxn>
-                <a:cxn ang="0">
-                  <a:pos x="connsiteX6" y="connsiteY6"/>
-                </a:cxn>
-                <a:cxn ang="0">
-                  <a:pos x="connsiteX7" y="connsiteY7"/>
-                </a:cxn>
-                <a:cxn ang="0">
-                  <a:pos x="connsiteX8" y="connsiteY8"/>
-                </a:cxn>
-              </a:cxnLst>
-              <a:rect l="l" t="t" r="r" b="b"/>
-              <a:pathLst>
-                <a:path w="1008407" h="640338">
-                  <a:moveTo>
-                    <a:pt x="0" y="64034"/>
-                  </a:moveTo>
-                  <a:cubicBezTo>
-                    <a:pt x="0" y="28669"/>
-                    <a:pt x="28669" y="0"/>
-                    <a:pt x="64034" y="0"/>
-                  </a:cubicBezTo>
-                  <a:lnTo>
-                    <a:pt x="944373" y="0"/>
-                  </a:lnTo>
-                  <a:cubicBezTo>
-                    <a:pt x="979738" y="0"/>
-                    <a:pt x="1008407" y="28669"/>
-                    <a:pt x="1008407" y="64034"/>
-                  </a:cubicBezTo>
-                  <a:lnTo>
-                    <a:pt x="1008407" y="576304"/>
-                  </a:lnTo>
-                  <a:cubicBezTo>
-                    <a:pt x="1008407" y="611669"/>
-                    <a:pt x="979738" y="640338"/>
-                    <a:pt x="944373" y="640338"/>
-                  </a:cubicBezTo>
-                  <a:lnTo>
-                    <a:pt x="64034" y="640338"/>
-                  </a:lnTo>
-                  <a:cubicBezTo>
-                    <a:pt x="28669" y="640338"/>
-                    <a:pt x="0" y="611669"/>
-                    <a:pt x="0" y="576304"/>
-                  </a:cubicBezTo>
-                  <a:lnTo>
-                    <a:pt x="0" y="64034"/>
-                  </a:lnTo>
-                  <a:close/>
-                </a:path>
-              </a:pathLst>
-            </a:custGeom>
-          </p:spPr>
-          <p:style>
-            <a:lnRef idx="2">
-              <a:schemeClr val="accent1">
-                <a:hueOff val="0"/>
-                <a:satOff val="0"/>
-                <a:lumOff val="0"/>
-                <a:alphaOff val="0"/>
-              </a:schemeClr>
-            </a:lnRef>
-            <a:fillRef idx="1">
-              <a:schemeClr val="lt1">
-                <a:alpha val="90000"/>
-                <a:hueOff val="0"/>
-                <a:satOff val="0"/>
-                <a:lumOff val="0"/>
-                <a:alphaOff val="0"/>
-              </a:schemeClr>
-            </a:fillRef>
-            <a:effectRef idx="0">
-              <a:schemeClr val="lt1">
-                <a:alpha val="90000"/>
-                <a:hueOff val="0"/>
-                <a:satOff val="0"/>
-                <a:lumOff val="0"/>
-                <a:alphaOff val="0"/>
-              </a:schemeClr>
-            </a:effectRef>
-            <a:fontRef idx="minor">
-              <a:schemeClr val="dk1">
-                <a:hueOff val="0"/>
-                <a:satOff val="0"/>
-                <a:lumOff val="0"/>
-                <a:alphaOff val="0"/>
-              </a:schemeClr>
-            </a:fontRef>
-          </p:style>
-          <p:txBody>
-            <a:bodyPr spcFirstLastPara="0" vert="horz" wrap="square" lIns="64475" tIns="64475" rIns="64475" bIns="64475" numCol="1" spcCol="1270" anchor="ctr" anchorCtr="0">
-              <a:noAutofit/>
-            </a:bodyPr>
-            <a:lstStyle/>
-            <a:p>
-              <a:pPr marL="0" lvl="0" indent="0" algn="ctr" defTabSz="533400">
-                <a:lnSpc>
-                  <a:spcPct val="90000"/>
-                </a:lnSpc>
-                <a:spcBef>
-                  <a:spcPct val="0"/>
-                </a:spcBef>
-                <a:spcAft>
-                  <a:spcPct val="35000"/>
-                </a:spcAft>
-                <a:buNone/>
-              </a:pPr>
-              <a:r>
-                <a:rPr lang="en-US" sz="1200" kern="1200" dirty="0"/>
-                <a:t>Hotspot</a:t>
-              </a:r>
-            </a:p>
-          </p:txBody>
-        </p:sp>
-        <p:sp>
-          <p:nvSpPr>
-            <p:cNvPr id="64" name="Rounded Rectangle 63">
-              <a:extLst>
-                <a:ext uri="{FF2B5EF4-FFF2-40B4-BE49-F238E27FC236}">
-                  <a16:creationId xmlns:a16="http://schemas.microsoft.com/office/drawing/2014/main" id="{FA01A151-48AF-2747-627A-275A515DBBF8}"/>
-                </a:ext>
-              </a:extLst>
-            </p:cNvPr>
-            <p:cNvSpPr/>
-            <p:nvPr/>
-          </p:nvSpPr>
-          <p:spPr>
-            <a:xfrm>
-              <a:off x="8745052" y="2238779"/>
-              <a:ext cx="1008407" cy="640338"/>
-            </a:xfrm>
-            <a:prstGeom prst="roundRect">
-              <a:avLst>
-                <a:gd name="adj" fmla="val 10000"/>
-              </a:avLst>
-            </a:prstGeom>
-            <a:solidFill>
-              <a:srgbClr val="FFC000"/>
-            </a:solidFill>
-          </p:spPr>
-          <p:style>
-            <a:lnRef idx="2">
-              <a:schemeClr val="lt1">
-                <a:hueOff val="0"/>
-                <a:satOff val="0"/>
-                <a:lumOff val="0"/>
-                <a:alphaOff val="0"/>
-              </a:schemeClr>
-            </a:lnRef>
-            <a:fillRef idx="1">
-              <a:scrgbClr r="0" g="0" b="0"/>
-            </a:fillRef>
-            <a:effectRef idx="0">
-              <a:schemeClr val="accent1">
-                <a:hueOff val="0"/>
-                <a:satOff val="0"/>
-                <a:lumOff val="0"/>
-                <a:alphaOff val="0"/>
-              </a:schemeClr>
-            </a:effectRef>
-            <a:fontRef idx="minor">
-              <a:schemeClr val="lt1"/>
-            </a:fontRef>
-          </p:style>
-          <p:txBody>
-            <a:bodyPr/>
-            <a:lstStyle/>
-            <a:p>
-              <a:endParaRPr lang="en-US"/>
-            </a:p>
-          </p:txBody>
-        </p:sp>
-        <p:sp>
-          <p:nvSpPr>
-            <p:cNvPr id="65" name="Freeform 64">
-              <a:extLst>
-                <a:ext uri="{FF2B5EF4-FFF2-40B4-BE49-F238E27FC236}">
-                  <a16:creationId xmlns:a16="http://schemas.microsoft.com/office/drawing/2014/main" id="{F2B1F67A-0130-1D09-D9A1-F48D391C6FA9}"/>
-                </a:ext>
-              </a:extLst>
-            </p:cNvPr>
-            <p:cNvSpPr/>
-            <p:nvPr/>
-          </p:nvSpPr>
-          <p:spPr>
-            <a:xfrm>
-              <a:off x="8857097" y="2345222"/>
-              <a:ext cx="1008407" cy="640338"/>
-            </a:xfrm>
-            <a:custGeom>
-              <a:avLst/>
-              <a:gdLst>
-                <a:gd name="connsiteX0" fmla="*/ 0 w 1008407"/>
-                <a:gd name="connsiteY0" fmla="*/ 64034 h 640338"/>
-                <a:gd name="connsiteX1" fmla="*/ 64034 w 1008407"/>
-                <a:gd name="connsiteY1" fmla="*/ 0 h 640338"/>
-                <a:gd name="connsiteX2" fmla="*/ 944373 w 1008407"/>
-                <a:gd name="connsiteY2" fmla="*/ 0 h 640338"/>
-                <a:gd name="connsiteX3" fmla="*/ 1008407 w 1008407"/>
-                <a:gd name="connsiteY3" fmla="*/ 64034 h 640338"/>
-                <a:gd name="connsiteX4" fmla="*/ 1008407 w 1008407"/>
-                <a:gd name="connsiteY4" fmla="*/ 576304 h 640338"/>
-                <a:gd name="connsiteX5" fmla="*/ 944373 w 1008407"/>
-                <a:gd name="connsiteY5" fmla="*/ 640338 h 640338"/>
-                <a:gd name="connsiteX6" fmla="*/ 64034 w 1008407"/>
-                <a:gd name="connsiteY6" fmla="*/ 640338 h 640338"/>
-                <a:gd name="connsiteX7" fmla="*/ 0 w 1008407"/>
-                <a:gd name="connsiteY7" fmla="*/ 576304 h 640338"/>
-                <a:gd name="connsiteX8" fmla="*/ 0 w 1008407"/>
-                <a:gd name="connsiteY8" fmla="*/ 64034 h 640338"/>
-              </a:gdLst>
-              <a:ahLst/>
-              <a:cxnLst>
-                <a:cxn ang="0">
-                  <a:pos x="connsiteX0" y="connsiteY0"/>
-                </a:cxn>
-                <a:cxn ang="0">
-                  <a:pos x="connsiteX1" y="connsiteY1"/>
-                </a:cxn>
-                <a:cxn ang="0">
-                  <a:pos x="connsiteX2" y="connsiteY2"/>
-                </a:cxn>
-                <a:cxn ang="0">
-                  <a:pos x="connsiteX3" y="connsiteY3"/>
-                </a:cxn>
-                <a:cxn ang="0">
-                  <a:pos x="connsiteX4" y="connsiteY4"/>
-                </a:cxn>
-                <a:cxn ang="0">
-                  <a:pos x="connsiteX5" y="connsiteY5"/>
-                </a:cxn>
-                <a:cxn ang="0">
-                  <a:pos x="connsiteX6" y="connsiteY6"/>
-                </a:cxn>
-                <a:cxn ang="0">
-                  <a:pos x="connsiteX7" y="connsiteY7"/>
-                </a:cxn>
-                <a:cxn ang="0">
-                  <a:pos x="connsiteX8" y="connsiteY8"/>
-                </a:cxn>
-              </a:cxnLst>
-              <a:rect l="l" t="t" r="r" b="b"/>
-              <a:pathLst>
-                <a:path w="1008407" h="640338">
-                  <a:moveTo>
-                    <a:pt x="0" y="64034"/>
-                  </a:moveTo>
-                  <a:cubicBezTo>
-                    <a:pt x="0" y="28669"/>
-                    <a:pt x="28669" y="0"/>
-                    <a:pt x="64034" y="0"/>
-                  </a:cubicBezTo>
-                  <a:lnTo>
-                    <a:pt x="944373" y="0"/>
-                  </a:lnTo>
-                  <a:cubicBezTo>
-                    <a:pt x="979738" y="0"/>
-                    <a:pt x="1008407" y="28669"/>
-                    <a:pt x="1008407" y="64034"/>
-                  </a:cubicBezTo>
-                  <a:lnTo>
-                    <a:pt x="1008407" y="576304"/>
-                  </a:lnTo>
-                  <a:cubicBezTo>
-                    <a:pt x="1008407" y="611669"/>
-                    <a:pt x="979738" y="640338"/>
-                    <a:pt x="944373" y="640338"/>
-                  </a:cubicBezTo>
-                  <a:lnTo>
-                    <a:pt x="64034" y="640338"/>
-                  </a:lnTo>
-                  <a:cubicBezTo>
-                    <a:pt x="28669" y="640338"/>
-                    <a:pt x="0" y="611669"/>
-                    <a:pt x="0" y="576304"/>
-                  </a:cubicBezTo>
-                  <a:lnTo>
-                    <a:pt x="0" y="64034"/>
-                  </a:lnTo>
-                  <a:close/>
-                </a:path>
-              </a:pathLst>
-            </a:custGeom>
-          </p:spPr>
-          <p:style>
-            <a:lnRef idx="2">
-              <a:schemeClr val="accent1">
-                <a:hueOff val="0"/>
-                <a:satOff val="0"/>
-                <a:lumOff val="0"/>
-                <a:alphaOff val="0"/>
-              </a:schemeClr>
-            </a:lnRef>
-            <a:fillRef idx="1">
-              <a:schemeClr val="lt1">
-                <a:alpha val="90000"/>
-                <a:hueOff val="0"/>
-                <a:satOff val="0"/>
-                <a:lumOff val="0"/>
-                <a:alphaOff val="0"/>
-              </a:schemeClr>
-            </a:fillRef>
-            <a:effectRef idx="0">
-              <a:schemeClr val="lt1">
-                <a:alpha val="90000"/>
-                <a:hueOff val="0"/>
-                <a:satOff val="0"/>
-                <a:lumOff val="0"/>
-                <a:alphaOff val="0"/>
-              </a:schemeClr>
-            </a:effectRef>
-            <a:fontRef idx="minor">
-              <a:schemeClr val="dk1">
-                <a:hueOff val="0"/>
-                <a:satOff val="0"/>
-                <a:lumOff val="0"/>
-                <a:alphaOff val="0"/>
-              </a:schemeClr>
-            </a:fontRef>
-          </p:style>
-          <p:txBody>
-            <a:bodyPr spcFirstLastPara="0" vert="horz" wrap="square" lIns="64475" tIns="64475" rIns="64475" bIns="64475" numCol="1" spcCol="1270" anchor="ctr" anchorCtr="0">
-              <a:noAutofit/>
-            </a:bodyPr>
-            <a:lstStyle/>
-            <a:p>
-              <a:pPr marL="0" lvl="0" indent="0" algn="ctr" defTabSz="533400">
-                <a:lnSpc>
-                  <a:spcPct val="90000"/>
-                </a:lnSpc>
-                <a:spcBef>
-                  <a:spcPct val="0"/>
-                </a:spcBef>
-                <a:spcAft>
-                  <a:spcPct val="35000"/>
-                </a:spcAft>
-                <a:buNone/>
-              </a:pPr>
-              <a:r>
-                <a:rPr lang="en-US" sz="1200" kern="1200" dirty="0"/>
-                <a:t> 25 &lt;</a:t>
-              </a:r>
-            </a:p>
-            <a:p>
-              <a:pPr marL="0" lvl="0" indent="0" algn="ctr" defTabSz="533400">
-                <a:lnSpc>
-                  <a:spcPct val="90000"/>
-                </a:lnSpc>
-                <a:spcBef>
-                  <a:spcPct val="0"/>
-                </a:spcBef>
-                <a:spcAft>
-                  <a:spcPct val="35000"/>
-                </a:spcAft>
-                <a:buNone/>
-              </a:pPr>
-              <a:r>
-                <a:rPr lang="en-US" sz="1200" kern="1200" dirty="0"/>
-                <a:t>Occurrences</a:t>
-              </a:r>
-            </a:p>
-          </p:txBody>
-        </p:sp>
-        <p:sp>
-          <p:nvSpPr>
-            <p:cNvPr id="66" name="Rounded Rectangle 65">
-              <a:extLst>
-                <a:ext uri="{FF2B5EF4-FFF2-40B4-BE49-F238E27FC236}">
-                  <a16:creationId xmlns:a16="http://schemas.microsoft.com/office/drawing/2014/main" id="{90697D23-4059-5D30-C7A7-739413C81057}"/>
-                </a:ext>
-              </a:extLst>
-            </p:cNvPr>
-            <p:cNvSpPr/>
-            <p:nvPr/>
-          </p:nvSpPr>
-          <p:spPr>
-            <a:xfrm>
-              <a:off x="8745052" y="3172396"/>
-              <a:ext cx="1008407" cy="640338"/>
-            </a:xfrm>
-            <a:prstGeom prst="roundRect">
-              <a:avLst>
-                <a:gd name="adj" fmla="val 10000"/>
-              </a:avLst>
-            </a:prstGeom>
-            <a:solidFill>
-              <a:srgbClr val="FFC000"/>
-            </a:solidFill>
-          </p:spPr>
-          <p:style>
-            <a:lnRef idx="2">
-              <a:schemeClr val="lt1">
-                <a:hueOff val="0"/>
-                <a:satOff val="0"/>
-                <a:lumOff val="0"/>
-                <a:alphaOff val="0"/>
-              </a:schemeClr>
-            </a:lnRef>
-            <a:fillRef idx="1">
-              <a:scrgbClr r="0" g="0" b="0"/>
-            </a:fillRef>
-            <a:effectRef idx="0">
-              <a:schemeClr val="accent1">
-                <a:hueOff val="0"/>
-                <a:satOff val="0"/>
-                <a:lumOff val="0"/>
-                <a:alphaOff val="0"/>
-              </a:schemeClr>
-            </a:effectRef>
-            <a:fontRef idx="minor">
-              <a:schemeClr val="lt1"/>
-            </a:fontRef>
-          </p:style>
-          <p:txBody>
-            <a:bodyPr/>
-            <a:lstStyle/>
-            <a:p>
-              <a:endParaRPr lang="en-US"/>
-            </a:p>
-          </p:txBody>
-        </p:sp>
-        <p:sp>
-          <p:nvSpPr>
-            <p:cNvPr id="67" name="Freeform 66">
-              <a:extLst>
-                <a:ext uri="{FF2B5EF4-FFF2-40B4-BE49-F238E27FC236}">
-                  <a16:creationId xmlns:a16="http://schemas.microsoft.com/office/drawing/2014/main" id="{33857B27-7538-B9AE-E2D0-D06E422E46E4}"/>
-                </a:ext>
-              </a:extLst>
-            </p:cNvPr>
-            <p:cNvSpPr/>
-            <p:nvPr/>
-          </p:nvSpPr>
-          <p:spPr>
-            <a:xfrm>
-              <a:off x="8857097" y="3278839"/>
-              <a:ext cx="1008407" cy="640338"/>
-            </a:xfrm>
-            <a:custGeom>
-              <a:avLst/>
-              <a:gdLst>
-                <a:gd name="connsiteX0" fmla="*/ 0 w 1008407"/>
-                <a:gd name="connsiteY0" fmla="*/ 64034 h 640338"/>
-                <a:gd name="connsiteX1" fmla="*/ 64034 w 1008407"/>
-                <a:gd name="connsiteY1" fmla="*/ 0 h 640338"/>
-                <a:gd name="connsiteX2" fmla="*/ 944373 w 1008407"/>
-                <a:gd name="connsiteY2" fmla="*/ 0 h 640338"/>
-                <a:gd name="connsiteX3" fmla="*/ 1008407 w 1008407"/>
-                <a:gd name="connsiteY3" fmla="*/ 64034 h 640338"/>
-                <a:gd name="connsiteX4" fmla="*/ 1008407 w 1008407"/>
-                <a:gd name="connsiteY4" fmla="*/ 576304 h 640338"/>
-                <a:gd name="connsiteX5" fmla="*/ 944373 w 1008407"/>
-                <a:gd name="connsiteY5" fmla="*/ 640338 h 640338"/>
-                <a:gd name="connsiteX6" fmla="*/ 64034 w 1008407"/>
-                <a:gd name="connsiteY6" fmla="*/ 640338 h 640338"/>
-                <a:gd name="connsiteX7" fmla="*/ 0 w 1008407"/>
-                <a:gd name="connsiteY7" fmla="*/ 576304 h 640338"/>
-                <a:gd name="connsiteX8" fmla="*/ 0 w 1008407"/>
-                <a:gd name="connsiteY8" fmla="*/ 64034 h 640338"/>
-              </a:gdLst>
-              <a:ahLst/>
-              <a:cxnLst>
-                <a:cxn ang="0">
-                  <a:pos x="connsiteX0" y="connsiteY0"/>
-                </a:cxn>
-                <a:cxn ang="0">
-                  <a:pos x="connsiteX1" y="connsiteY1"/>
-                </a:cxn>
-                <a:cxn ang="0">
-                  <a:pos x="connsiteX2" y="connsiteY2"/>
-                </a:cxn>
-                <a:cxn ang="0">
-                  <a:pos x="connsiteX3" y="connsiteY3"/>
-                </a:cxn>
-                <a:cxn ang="0">
-                  <a:pos x="connsiteX4" y="connsiteY4"/>
-                </a:cxn>
-                <a:cxn ang="0">
-                  <a:pos x="connsiteX5" y="connsiteY5"/>
-                </a:cxn>
-                <a:cxn ang="0">
-                  <a:pos x="connsiteX6" y="connsiteY6"/>
-                </a:cxn>
-                <a:cxn ang="0">
-                  <a:pos x="connsiteX7" y="connsiteY7"/>
-                </a:cxn>
-                <a:cxn ang="0">
-                  <a:pos x="connsiteX8" y="connsiteY8"/>
-                </a:cxn>
-              </a:cxnLst>
-              <a:rect l="l" t="t" r="r" b="b"/>
-              <a:pathLst>
-                <a:path w="1008407" h="640338">
-                  <a:moveTo>
-                    <a:pt x="0" y="64034"/>
-                  </a:moveTo>
-                  <a:cubicBezTo>
-                    <a:pt x="0" y="28669"/>
-                    <a:pt x="28669" y="0"/>
-                    <a:pt x="64034" y="0"/>
-                  </a:cubicBezTo>
-                  <a:lnTo>
-                    <a:pt x="944373" y="0"/>
-                  </a:lnTo>
-                  <a:cubicBezTo>
-                    <a:pt x="979738" y="0"/>
-                    <a:pt x="1008407" y="28669"/>
-                    <a:pt x="1008407" y="64034"/>
-                  </a:cubicBezTo>
-                  <a:lnTo>
-                    <a:pt x="1008407" y="576304"/>
-                  </a:lnTo>
-                  <a:cubicBezTo>
-                    <a:pt x="1008407" y="611669"/>
-                    <a:pt x="979738" y="640338"/>
-                    <a:pt x="944373" y="640338"/>
-                  </a:cubicBezTo>
-                  <a:lnTo>
-                    <a:pt x="64034" y="640338"/>
-                  </a:lnTo>
-                  <a:cubicBezTo>
-                    <a:pt x="28669" y="640338"/>
-                    <a:pt x="0" y="611669"/>
-                    <a:pt x="0" y="576304"/>
-                  </a:cubicBezTo>
-                  <a:lnTo>
-                    <a:pt x="0" y="64034"/>
-                  </a:lnTo>
-                  <a:close/>
-                </a:path>
-              </a:pathLst>
-            </a:custGeom>
-          </p:spPr>
-          <p:style>
-            <a:lnRef idx="2">
-              <a:schemeClr val="accent1">
-                <a:hueOff val="0"/>
-                <a:satOff val="0"/>
-                <a:lumOff val="0"/>
-                <a:alphaOff val="0"/>
-              </a:schemeClr>
-            </a:lnRef>
-            <a:fillRef idx="1">
-              <a:schemeClr val="lt1">
-                <a:alpha val="90000"/>
-                <a:hueOff val="0"/>
-                <a:satOff val="0"/>
-                <a:lumOff val="0"/>
-                <a:alphaOff val="0"/>
-              </a:schemeClr>
-            </a:fillRef>
-            <a:effectRef idx="0">
-              <a:schemeClr val="lt1">
-                <a:alpha val="90000"/>
-                <a:hueOff val="0"/>
-                <a:satOff val="0"/>
-                <a:lumOff val="0"/>
-                <a:alphaOff val="0"/>
-              </a:schemeClr>
-            </a:effectRef>
-            <a:fontRef idx="minor">
-              <a:schemeClr val="dk1">
-                <a:hueOff val="0"/>
-                <a:satOff val="0"/>
-                <a:lumOff val="0"/>
-                <a:alphaOff val="0"/>
-              </a:schemeClr>
-            </a:fontRef>
-          </p:style>
-          <p:txBody>
-            <a:bodyPr spcFirstLastPara="0" vert="horz" wrap="square" lIns="64475" tIns="64475" rIns="64475" bIns="64475" numCol="1" spcCol="1270" anchor="ctr" anchorCtr="0">
-              <a:noAutofit/>
-            </a:bodyPr>
-            <a:lstStyle/>
-            <a:p>
-              <a:pPr marL="0" lvl="0" indent="0" algn="ctr" defTabSz="533400">
-                <a:lnSpc>
-                  <a:spcPct val="90000"/>
-                </a:lnSpc>
-                <a:spcBef>
-                  <a:spcPct val="0"/>
-                </a:spcBef>
-                <a:spcAft>
-                  <a:spcPct val="35000"/>
-                </a:spcAft>
-                <a:buNone/>
-              </a:pPr>
-              <a:r>
-                <a:rPr lang="en-US" sz="1200" kern="1200" dirty="0"/>
-                <a:t>Tumor and WBC Samples</a:t>
-              </a:r>
-            </a:p>
-          </p:txBody>
-        </p:sp>
-        <p:sp>
-          <p:nvSpPr>
-            <p:cNvPr id="68" name="Rounded Rectangle 67">
-              <a:extLst>
-                <a:ext uri="{FF2B5EF4-FFF2-40B4-BE49-F238E27FC236}">
-                  <a16:creationId xmlns:a16="http://schemas.microsoft.com/office/drawing/2014/main" id="{45CA45BA-0B74-77FE-A3DB-20131C343992}"/>
-                </a:ext>
-              </a:extLst>
-            </p:cNvPr>
-            <p:cNvSpPr/>
-            <p:nvPr/>
-          </p:nvSpPr>
-          <p:spPr>
-            <a:xfrm>
-              <a:off x="8745052" y="4106013"/>
-              <a:ext cx="1008407" cy="640338"/>
-            </a:xfrm>
-            <a:prstGeom prst="roundRect">
-              <a:avLst>
-                <a:gd name="adj" fmla="val 10000"/>
-              </a:avLst>
-            </a:prstGeom>
-            <a:solidFill>
-              <a:srgbClr val="FFC000"/>
-            </a:solidFill>
-          </p:spPr>
-          <p:style>
-            <a:lnRef idx="2">
-              <a:schemeClr val="lt1">
-                <a:hueOff val="0"/>
-                <a:satOff val="0"/>
-                <a:lumOff val="0"/>
-                <a:alphaOff val="0"/>
-              </a:schemeClr>
-            </a:lnRef>
-            <a:fillRef idx="1">
-              <a:scrgbClr r="0" g="0" b="0"/>
-            </a:fillRef>
-            <a:effectRef idx="0">
-              <a:schemeClr val="accent1">
-                <a:hueOff val="0"/>
-                <a:satOff val="0"/>
-                <a:lumOff val="0"/>
-                <a:alphaOff val="0"/>
-              </a:schemeClr>
-            </a:effectRef>
-            <a:fontRef idx="minor">
-              <a:schemeClr val="lt1"/>
-            </a:fontRef>
-          </p:style>
-          <p:txBody>
-            <a:bodyPr/>
-            <a:lstStyle/>
-            <a:p>
-              <a:endParaRPr lang="en-US"/>
-            </a:p>
-          </p:txBody>
-        </p:sp>
-        <p:sp>
-          <p:nvSpPr>
-            <p:cNvPr id="69" name="Freeform 68">
-              <a:extLst>
-                <a:ext uri="{FF2B5EF4-FFF2-40B4-BE49-F238E27FC236}">
-                  <a16:creationId xmlns:a16="http://schemas.microsoft.com/office/drawing/2014/main" id="{D79C6EF9-6FB1-BB20-B063-449F20FEF980}"/>
-                </a:ext>
-              </a:extLst>
-            </p:cNvPr>
-            <p:cNvSpPr/>
-            <p:nvPr/>
-          </p:nvSpPr>
-          <p:spPr>
-            <a:xfrm>
-              <a:off x="8857097" y="4212456"/>
-              <a:ext cx="1008407" cy="640338"/>
-            </a:xfrm>
-            <a:custGeom>
-              <a:avLst/>
-              <a:gdLst>
-                <a:gd name="connsiteX0" fmla="*/ 0 w 1008407"/>
-                <a:gd name="connsiteY0" fmla="*/ 64034 h 640338"/>
-                <a:gd name="connsiteX1" fmla="*/ 64034 w 1008407"/>
-                <a:gd name="connsiteY1" fmla="*/ 0 h 640338"/>
-                <a:gd name="connsiteX2" fmla="*/ 944373 w 1008407"/>
-                <a:gd name="connsiteY2" fmla="*/ 0 h 640338"/>
-                <a:gd name="connsiteX3" fmla="*/ 1008407 w 1008407"/>
-                <a:gd name="connsiteY3" fmla="*/ 64034 h 640338"/>
-                <a:gd name="connsiteX4" fmla="*/ 1008407 w 1008407"/>
-                <a:gd name="connsiteY4" fmla="*/ 576304 h 640338"/>
-                <a:gd name="connsiteX5" fmla="*/ 944373 w 1008407"/>
-                <a:gd name="connsiteY5" fmla="*/ 640338 h 640338"/>
-                <a:gd name="connsiteX6" fmla="*/ 64034 w 1008407"/>
-                <a:gd name="connsiteY6" fmla="*/ 640338 h 640338"/>
-                <a:gd name="connsiteX7" fmla="*/ 0 w 1008407"/>
-                <a:gd name="connsiteY7" fmla="*/ 576304 h 640338"/>
-                <a:gd name="connsiteX8" fmla="*/ 0 w 1008407"/>
-                <a:gd name="connsiteY8" fmla="*/ 64034 h 640338"/>
-              </a:gdLst>
-              <a:ahLst/>
-              <a:cxnLst>
-                <a:cxn ang="0">
-                  <a:pos x="connsiteX0" y="connsiteY0"/>
-                </a:cxn>
-                <a:cxn ang="0">
-                  <a:pos x="connsiteX1" y="connsiteY1"/>
-                </a:cxn>
-                <a:cxn ang="0">
-                  <a:pos x="connsiteX2" y="connsiteY2"/>
-                </a:cxn>
-                <a:cxn ang="0">
-                  <a:pos x="connsiteX3" y="connsiteY3"/>
-                </a:cxn>
-                <a:cxn ang="0">
-                  <a:pos x="connsiteX4" y="connsiteY4"/>
-                </a:cxn>
-                <a:cxn ang="0">
-                  <a:pos x="connsiteX5" y="connsiteY5"/>
-                </a:cxn>
-                <a:cxn ang="0">
-                  <a:pos x="connsiteX6" y="connsiteY6"/>
-                </a:cxn>
-                <a:cxn ang="0">
-                  <a:pos x="connsiteX7" y="connsiteY7"/>
-                </a:cxn>
-                <a:cxn ang="0">
-                  <a:pos x="connsiteX8" y="connsiteY8"/>
-                </a:cxn>
-              </a:cxnLst>
-              <a:rect l="l" t="t" r="r" b="b"/>
-              <a:pathLst>
-                <a:path w="1008407" h="640338">
-                  <a:moveTo>
-                    <a:pt x="0" y="64034"/>
-                  </a:moveTo>
-                  <a:cubicBezTo>
-                    <a:pt x="0" y="28669"/>
-                    <a:pt x="28669" y="0"/>
-                    <a:pt x="64034" y="0"/>
-                  </a:cubicBezTo>
-                  <a:lnTo>
-                    <a:pt x="944373" y="0"/>
-                  </a:lnTo>
-                  <a:cubicBezTo>
-                    <a:pt x="979738" y="0"/>
-                    <a:pt x="1008407" y="28669"/>
-                    <a:pt x="1008407" y="64034"/>
-                  </a:cubicBezTo>
-                  <a:lnTo>
-                    <a:pt x="1008407" y="576304"/>
-                  </a:lnTo>
-                  <a:cubicBezTo>
-                    <a:pt x="1008407" y="611669"/>
-                    <a:pt x="979738" y="640338"/>
-                    <a:pt x="944373" y="640338"/>
-                  </a:cubicBezTo>
-                  <a:lnTo>
-                    <a:pt x="64034" y="640338"/>
-                  </a:lnTo>
-                  <a:cubicBezTo>
-                    <a:pt x="28669" y="640338"/>
-                    <a:pt x="0" y="611669"/>
-                    <a:pt x="0" y="576304"/>
-                  </a:cubicBezTo>
-                  <a:lnTo>
-                    <a:pt x="0" y="64034"/>
-                  </a:lnTo>
-                  <a:close/>
-                </a:path>
-              </a:pathLst>
-            </a:custGeom>
-          </p:spPr>
-          <p:style>
-            <a:lnRef idx="2">
-              <a:schemeClr val="accent1">
-                <a:hueOff val="0"/>
-                <a:satOff val="0"/>
-                <a:lumOff val="0"/>
-                <a:alphaOff val="0"/>
-              </a:schemeClr>
-            </a:lnRef>
-            <a:fillRef idx="1">
-              <a:schemeClr val="lt1">
-                <a:alpha val="90000"/>
-                <a:hueOff val="0"/>
-                <a:satOff val="0"/>
-                <a:lumOff val="0"/>
-                <a:alphaOff val="0"/>
-              </a:schemeClr>
-            </a:fillRef>
-            <a:effectRef idx="0">
-              <a:schemeClr val="lt1">
-                <a:alpha val="90000"/>
-                <a:hueOff val="0"/>
-                <a:satOff val="0"/>
-                <a:lumOff val="0"/>
-                <a:alphaOff val="0"/>
-              </a:schemeClr>
-            </a:effectRef>
-            <a:fontRef idx="minor">
-              <a:schemeClr val="dk1">
-                <a:hueOff val="0"/>
-                <a:satOff val="0"/>
-                <a:lumOff val="0"/>
-                <a:alphaOff val="0"/>
-              </a:schemeClr>
-            </a:fontRef>
-          </p:style>
-          <p:txBody>
-            <a:bodyPr spcFirstLastPara="0" vert="horz" wrap="square" lIns="64475" tIns="64475" rIns="64475" bIns="64475" numCol="1" spcCol="1270" anchor="ctr" anchorCtr="0">
-              <a:noAutofit/>
-            </a:bodyPr>
-            <a:lstStyle/>
-            <a:p>
-              <a:pPr marL="0" lvl="0" indent="0" algn="ctr" defTabSz="533400">
-                <a:lnSpc>
-                  <a:spcPct val="90000"/>
-                </a:lnSpc>
-                <a:spcBef>
-                  <a:spcPct val="0"/>
-                </a:spcBef>
-                <a:spcAft>
-                  <a:spcPct val="35000"/>
-                </a:spcAft>
-                <a:buNone/>
-              </a:pPr>
-              <a:r>
-                <a:rPr lang="en-US" sz="1200" kern="1200" dirty="0"/>
-                <a:t>VAF &gt;25%</a:t>
-              </a:r>
-            </a:p>
-          </p:txBody>
-        </p:sp>
-        <p:sp>
-          <p:nvSpPr>
-            <p:cNvPr id="70" name="Rounded Rectangle 69">
-              <a:extLst>
-                <a:ext uri="{FF2B5EF4-FFF2-40B4-BE49-F238E27FC236}">
-                  <a16:creationId xmlns:a16="http://schemas.microsoft.com/office/drawing/2014/main" id="{10A91005-DC8A-A99D-8B6B-C16AB005F022}"/>
-                </a:ext>
-              </a:extLst>
-            </p:cNvPr>
-            <p:cNvSpPr/>
-            <p:nvPr/>
-          </p:nvSpPr>
-          <p:spPr>
-            <a:xfrm>
-              <a:off x="8745052" y="5039630"/>
-              <a:ext cx="1008407" cy="640338"/>
-            </a:xfrm>
-            <a:prstGeom prst="roundRect">
-              <a:avLst>
-                <a:gd name="adj" fmla="val 10000"/>
-              </a:avLst>
-            </a:prstGeom>
-            <a:solidFill>
-              <a:srgbClr val="FFC000"/>
-            </a:solidFill>
-          </p:spPr>
-          <p:style>
-            <a:lnRef idx="2">
-              <a:schemeClr val="lt1">
-                <a:hueOff val="0"/>
-                <a:satOff val="0"/>
-                <a:lumOff val="0"/>
-                <a:alphaOff val="0"/>
-              </a:schemeClr>
-            </a:lnRef>
-            <a:fillRef idx="1">
-              <a:scrgbClr r="0" g="0" b="0"/>
-            </a:fillRef>
-            <a:effectRef idx="0">
-              <a:schemeClr val="accent1">
-                <a:hueOff val="0"/>
-                <a:satOff val="0"/>
-                <a:lumOff val="0"/>
-                <a:alphaOff val="0"/>
-              </a:schemeClr>
-            </a:effectRef>
-            <a:fontRef idx="minor">
-              <a:schemeClr val="lt1"/>
-            </a:fontRef>
-          </p:style>
-          <p:txBody>
-            <a:bodyPr/>
-            <a:lstStyle/>
-            <a:p>
-              <a:endParaRPr lang="en-US"/>
-            </a:p>
-          </p:txBody>
-        </p:sp>
-        <p:sp>
-          <p:nvSpPr>
-            <p:cNvPr id="71" name="Freeform 70">
-              <a:extLst>
-                <a:ext uri="{FF2B5EF4-FFF2-40B4-BE49-F238E27FC236}">
-                  <a16:creationId xmlns:a16="http://schemas.microsoft.com/office/drawing/2014/main" id="{0D5ED612-CFE0-35CC-D8C0-01E36F923688}"/>
-                </a:ext>
-              </a:extLst>
-            </p:cNvPr>
-            <p:cNvSpPr/>
-            <p:nvPr/>
-          </p:nvSpPr>
-          <p:spPr>
-            <a:xfrm>
-              <a:off x="8857097" y="5146073"/>
-              <a:ext cx="1008407" cy="640338"/>
-            </a:xfrm>
-            <a:custGeom>
-              <a:avLst/>
-              <a:gdLst>
-                <a:gd name="connsiteX0" fmla="*/ 0 w 1008407"/>
-                <a:gd name="connsiteY0" fmla="*/ 64034 h 640338"/>
-                <a:gd name="connsiteX1" fmla="*/ 64034 w 1008407"/>
-                <a:gd name="connsiteY1" fmla="*/ 0 h 640338"/>
-                <a:gd name="connsiteX2" fmla="*/ 944373 w 1008407"/>
-                <a:gd name="connsiteY2" fmla="*/ 0 h 640338"/>
-                <a:gd name="connsiteX3" fmla="*/ 1008407 w 1008407"/>
-                <a:gd name="connsiteY3" fmla="*/ 64034 h 640338"/>
-                <a:gd name="connsiteX4" fmla="*/ 1008407 w 1008407"/>
-                <a:gd name="connsiteY4" fmla="*/ 576304 h 640338"/>
-                <a:gd name="connsiteX5" fmla="*/ 944373 w 1008407"/>
-                <a:gd name="connsiteY5" fmla="*/ 640338 h 640338"/>
-                <a:gd name="connsiteX6" fmla="*/ 64034 w 1008407"/>
-                <a:gd name="connsiteY6" fmla="*/ 640338 h 640338"/>
-                <a:gd name="connsiteX7" fmla="*/ 0 w 1008407"/>
-                <a:gd name="connsiteY7" fmla="*/ 576304 h 640338"/>
-                <a:gd name="connsiteX8" fmla="*/ 0 w 1008407"/>
-                <a:gd name="connsiteY8" fmla="*/ 64034 h 640338"/>
-              </a:gdLst>
-              <a:ahLst/>
-              <a:cxnLst>
-                <a:cxn ang="0">
-                  <a:pos x="connsiteX0" y="connsiteY0"/>
-                </a:cxn>
-                <a:cxn ang="0">
-                  <a:pos x="connsiteX1" y="connsiteY1"/>
-                </a:cxn>
-                <a:cxn ang="0">
-                  <a:pos x="connsiteX2" y="connsiteY2"/>
-                </a:cxn>
-                <a:cxn ang="0">
-                  <a:pos x="connsiteX3" y="connsiteY3"/>
-                </a:cxn>
-                <a:cxn ang="0">
-                  <a:pos x="connsiteX4" y="connsiteY4"/>
-                </a:cxn>
-                <a:cxn ang="0">
-                  <a:pos x="connsiteX5" y="connsiteY5"/>
-                </a:cxn>
-                <a:cxn ang="0">
-                  <a:pos x="connsiteX6" y="connsiteY6"/>
-                </a:cxn>
-                <a:cxn ang="0">
-                  <a:pos x="connsiteX7" y="connsiteY7"/>
-                </a:cxn>
-                <a:cxn ang="0">
-                  <a:pos x="connsiteX8" y="connsiteY8"/>
-                </a:cxn>
-              </a:cxnLst>
-              <a:rect l="l" t="t" r="r" b="b"/>
-              <a:pathLst>
-                <a:path w="1008407" h="640338">
-                  <a:moveTo>
-                    <a:pt x="0" y="64034"/>
-                  </a:moveTo>
-                  <a:cubicBezTo>
-                    <a:pt x="0" y="28669"/>
-                    <a:pt x="28669" y="0"/>
-                    <a:pt x="64034" y="0"/>
-                  </a:cubicBezTo>
-                  <a:lnTo>
-                    <a:pt x="944373" y="0"/>
-                  </a:lnTo>
-                  <a:cubicBezTo>
-                    <a:pt x="979738" y="0"/>
-                    <a:pt x="1008407" y="28669"/>
-                    <a:pt x="1008407" y="64034"/>
-                  </a:cubicBezTo>
-                  <a:lnTo>
-                    <a:pt x="1008407" y="576304"/>
-                  </a:lnTo>
-                  <a:cubicBezTo>
-                    <a:pt x="1008407" y="611669"/>
-                    <a:pt x="979738" y="640338"/>
-                    <a:pt x="944373" y="640338"/>
-                  </a:cubicBezTo>
-                  <a:lnTo>
-                    <a:pt x="64034" y="640338"/>
-                  </a:lnTo>
-                  <a:cubicBezTo>
-                    <a:pt x="28669" y="640338"/>
-                    <a:pt x="0" y="611669"/>
-                    <a:pt x="0" y="576304"/>
-                  </a:cubicBezTo>
-                  <a:lnTo>
-                    <a:pt x="0" y="64034"/>
-                  </a:lnTo>
-                  <a:close/>
-                </a:path>
-              </a:pathLst>
-            </a:custGeom>
-          </p:spPr>
-          <p:style>
-            <a:lnRef idx="2">
-              <a:schemeClr val="accent1">
-                <a:hueOff val="0"/>
-                <a:satOff val="0"/>
-                <a:lumOff val="0"/>
-                <a:alphaOff val="0"/>
-              </a:schemeClr>
-            </a:lnRef>
-            <a:fillRef idx="1">
-              <a:schemeClr val="lt1">
-                <a:alpha val="90000"/>
-                <a:hueOff val="0"/>
-                <a:satOff val="0"/>
-                <a:lumOff val="0"/>
-                <a:alphaOff val="0"/>
-              </a:schemeClr>
-            </a:fillRef>
-            <a:effectRef idx="0">
-              <a:schemeClr val="lt1">
-                <a:alpha val="90000"/>
-                <a:hueOff val="0"/>
-                <a:satOff val="0"/>
-                <a:lumOff val="0"/>
-                <a:alphaOff val="0"/>
-              </a:schemeClr>
-            </a:effectRef>
-            <a:fontRef idx="minor">
-              <a:schemeClr val="dk1">
-                <a:hueOff val="0"/>
-                <a:satOff val="0"/>
-                <a:lumOff val="0"/>
-                <a:alphaOff val="0"/>
-              </a:schemeClr>
-            </a:fontRef>
-          </p:style>
-          <p:txBody>
-            <a:bodyPr spcFirstLastPara="0" vert="horz" wrap="square" lIns="64475" tIns="64475" rIns="64475" bIns="64475" numCol="1" spcCol="1270" anchor="ctr" anchorCtr="0">
-              <a:noAutofit/>
-            </a:bodyPr>
-            <a:lstStyle/>
-            <a:p>
-              <a:pPr marL="0" lvl="0" indent="0" algn="ctr" defTabSz="533400">
-                <a:lnSpc>
-                  <a:spcPct val="90000"/>
-                </a:lnSpc>
-                <a:spcBef>
-                  <a:spcPct val="0"/>
-                </a:spcBef>
-                <a:spcAft>
-                  <a:spcPct val="35000"/>
-                </a:spcAft>
-                <a:buNone/>
-              </a:pPr>
-              <a:r>
-                <a:rPr lang="en-US" sz="1200" kern="1200" dirty="0"/>
-                <a:t>Germline</a:t>
-              </a:r>
-            </a:p>
-          </p:txBody>
-        </p:sp>
-        <p:sp>
-          <p:nvSpPr>
-            <p:cNvPr id="6" name="TextBox 5">
-              <a:extLst>
-                <a:ext uri="{FF2B5EF4-FFF2-40B4-BE49-F238E27FC236}">
-                  <a16:creationId xmlns:a16="http://schemas.microsoft.com/office/drawing/2014/main" id="{45F6BB1A-4659-9CE7-5D03-65D6952A4BD1}"/>
-                </a:ext>
-              </a:extLst>
-            </p:cNvPr>
-            <p:cNvSpPr txBox="1"/>
-            <p:nvPr/>
-          </p:nvSpPr>
-          <p:spPr>
-            <a:xfrm>
-              <a:off x="2990335" y="642551"/>
-              <a:ext cx="184731" cy="369332"/>
-            </a:xfrm>
-            <a:prstGeom prst="rect">
-              <a:avLst/>
-            </a:prstGeom>
-            <a:noFill/>
-          </p:spPr>
-          <p:txBody>
-            <a:bodyPr wrap="none" rtlCol="0">
-              <a:spAutoFit/>
-            </a:bodyPr>
-            <a:lstStyle/>
-            <a:p>
-              <a:endParaRPr lang="en-US" dirty="0"/>
-            </a:p>
-          </p:txBody>
-        </p:sp>
-      </p:grpSp>
-    </p:spTree>
-    <p:extLst>
-      <p:ext uri="{BB962C8B-B14F-4D97-AF65-F5344CB8AC3E}">
-        <p14:creationId xmlns:p14="http://schemas.microsoft.com/office/powerpoint/2010/main" val="1611262499"/>
-      </p:ext>
-    </p:extLst>
-  </p:cSld>
-  <p:clrMapOvr>
-    <a:masterClrMapping/>
-  </p:clrMapOvr>
-</p:sld>
-</file>
-
 <file path=ppt/theme/theme1.xml><?xml version="1.0" encoding="utf-8"?>
 <a:theme xmlns:a="http://schemas.openxmlformats.org/drawingml/2006/main" name="Office Theme">
   <a:themeElements>
